--- a/Bloque 3 - Creación de primera App/Taller10 - Proyecto único.pptx
+++ b/Bloque 3 - Creación de primera App/Taller10 - Proyecto único.pptx
@@ -6,11 +6,23 @@
     <p:sldMasterId id="2147483793" r:id="rId2"/>
   </p:sldMasterIdLst>
   <p:notesMasterIdLst>
-    <p:notesMasterId r:id="rId5"/>
+    <p:notesMasterId r:id="rId17"/>
   </p:notesMasterIdLst>
   <p:sldIdLst>
     <p:sldId id="291" r:id="rId3"/>
-    <p:sldId id="282" r:id="rId4"/>
+    <p:sldId id="2147469521" r:id="rId4"/>
+    <p:sldId id="2147469518" r:id="rId5"/>
+    <p:sldId id="2147469522" r:id="rId6"/>
+    <p:sldId id="2147469523" r:id="rId7"/>
+    <p:sldId id="2147469524" r:id="rId8"/>
+    <p:sldId id="2147469525" r:id="rId9"/>
+    <p:sldId id="2147469519" r:id="rId10"/>
+    <p:sldId id="2147469526" r:id="rId11"/>
+    <p:sldId id="2147469520" r:id="rId12"/>
+    <p:sldId id="2147469527" r:id="rId13"/>
+    <p:sldId id="2147469528" r:id="rId14"/>
+    <p:sldId id="2147469529" r:id="rId15"/>
+    <p:sldId id="282" r:id="rId16"/>
   </p:sldIdLst>
   <p:sldSz cx="12192000" cy="6858000"/>
   <p:notesSz cx="6858000" cy="9144000"/>
@@ -3449,7 +3461,7 @@
           <a:p>
             <a:fld id="{A334C884-B1D7-A043-A4AA-521744755A4B}" type="datetimeFigureOut">
               <a:rPr lang="en-US" smtClean="0"/>
-              <a:t>4/2/2022</a:t>
+              <a:t>5/15/2022</a:t>
             </a:fld>
             <a:endParaRPr lang="en-US"/>
           </a:p>
@@ -3835,7 +3847,7 @@
           <a:p>
             <a:fld id="{E74353ED-ACB2-44BF-A903-985B0AF962B7}" type="datetime1">
               <a:rPr lang="en-US" smtClean="0"/>
-              <a:t>4/2/2022</a:t>
+              <a:t>5/15/2022</a:t>
             </a:fld>
             <a:endParaRPr lang="en-US" dirty="0"/>
           </a:p>
@@ -3859,7 +3871,7 @@
             <a:fld id="{B4008EB6-D09E-4580-8CD6-DDB14511944F}" type="slidenum">
               <a:rPr lang="en-US" smtClean="0"/>
               <a:pPr/>
-              <a:t>2</a:t>
+              <a:t>14</a:t>
             </a:fld>
             <a:endParaRPr lang="en-US" dirty="0"/>
           </a:p>
@@ -6557,7 +6569,7 @@
           <a:p>
             <a:fld id="{0A627400-D089-7447-864B-77479EBD4214}" type="datetimeFigureOut">
               <a:rPr lang="en-US" smtClean="0"/>
-              <a:t>4/2/2022</a:t>
+              <a:t>5/15/2022</a:t>
             </a:fld>
             <a:endParaRPr lang="en-US"/>
           </a:p>
@@ -6755,7 +6767,7 @@
           <a:p>
             <a:fld id="{0A627400-D089-7447-864B-77479EBD4214}" type="datetimeFigureOut">
               <a:rPr lang="en-US" smtClean="0"/>
-              <a:t>4/2/2022</a:t>
+              <a:t>5/15/2022</a:t>
             </a:fld>
             <a:endParaRPr lang="en-US"/>
           </a:p>
@@ -7030,7 +7042,7 @@
           <a:p>
             <a:fld id="{0A627400-D089-7447-864B-77479EBD4214}" type="datetimeFigureOut">
               <a:rPr lang="en-US" smtClean="0"/>
-              <a:t>4/2/2022</a:t>
+              <a:t>5/15/2022</a:t>
             </a:fld>
             <a:endParaRPr lang="en-US"/>
           </a:p>
@@ -7295,7 +7307,7 @@
           <a:p>
             <a:fld id="{0A627400-D089-7447-864B-77479EBD4214}" type="datetimeFigureOut">
               <a:rPr lang="en-US" smtClean="0"/>
-              <a:t>4/2/2022</a:t>
+              <a:t>5/15/2022</a:t>
             </a:fld>
             <a:endParaRPr lang="en-US"/>
           </a:p>
@@ -7907,7 +7919,7 @@
           <a:p>
             <a:fld id="{0A627400-D089-7447-864B-77479EBD4214}" type="datetimeFigureOut">
               <a:rPr lang="en-US" smtClean="0"/>
-              <a:t>4/2/2022</a:t>
+              <a:t>5/15/2022</a:t>
             </a:fld>
             <a:endParaRPr lang="en-US"/>
           </a:p>
@@ -8113,7 +8125,7 @@
           <a:p>
             <a:fld id="{0A627400-D089-7447-864B-77479EBD4214}" type="datetimeFigureOut">
               <a:rPr lang="en-US" smtClean="0"/>
-              <a:t>4/2/2022</a:t>
+              <a:t>5/15/2022</a:t>
             </a:fld>
             <a:endParaRPr lang="en-US"/>
           </a:p>
@@ -8255,7 +8267,7 @@
             <a:fld id="{0A627400-D089-7447-864B-77479EBD4214}" type="datetimeFigureOut">
               <a:rPr lang="en-US" smtClean="0"/>
               <a:pPr/>
-              <a:t>4/2/2022</a:t>
+              <a:t>5/15/2022</a:t>
             </a:fld>
             <a:endParaRPr lang="en-US"/>
           </a:p>
@@ -8419,7 +8431,7 @@
           <a:p>
             <a:fld id="{0A627400-D089-7447-864B-77479EBD4214}" type="datetimeFigureOut">
               <a:rPr lang="en-US" smtClean="0"/>
-              <a:t>4/2/2022</a:t>
+              <a:t>5/15/2022</a:t>
             </a:fld>
             <a:endParaRPr lang="en-US"/>
           </a:p>
@@ -8532,7 +8544,7 @@
           <a:p>
             <a:fld id="{0A627400-D089-7447-864B-77479EBD4214}" type="datetimeFigureOut">
               <a:rPr lang="en-US" smtClean="0"/>
-              <a:t>4/2/2022</a:t>
+              <a:t>5/15/2022</a:t>
             </a:fld>
             <a:endParaRPr lang="en-US"/>
           </a:p>
@@ -8843,7 +8855,7 @@
           <a:p>
             <a:fld id="{0A627400-D089-7447-864B-77479EBD4214}" type="datetimeFigureOut">
               <a:rPr lang="en-US" smtClean="0"/>
-              <a:t>4/2/2022</a:t>
+              <a:t>5/15/2022</a:t>
             </a:fld>
             <a:endParaRPr lang="en-US"/>
           </a:p>
@@ -9131,7 +9143,7 @@
           <a:p>
             <a:fld id="{0A627400-D089-7447-864B-77479EBD4214}" type="datetimeFigureOut">
               <a:rPr lang="en-US" smtClean="0"/>
-              <a:t>4/2/2022</a:t>
+              <a:t>5/15/2022</a:t>
             </a:fld>
             <a:endParaRPr lang="en-US"/>
           </a:p>
@@ -11383,7 +11395,7 @@
             <a:fld id="{0A627400-D089-7447-864B-77479EBD4214}" type="datetimeFigureOut">
               <a:rPr lang="en-US" smtClean="0"/>
               <a:pPr/>
-              <a:t>4/2/2022</a:t>
+              <a:t>5/15/2022</a:t>
             </a:fld>
             <a:endParaRPr lang="en-US"/>
           </a:p>
@@ -12115,7 +12127,1576 @@
 </p:sld>
 </file>
 
-<file path=ppt/slides/slide2.xml><?xml version="1.0" encoding="utf-8"?>
+<file path=ppt/slides/slide10.xml><?xml version="1.0" encoding="utf-8"?>
+<p:sld xmlns:a="http://schemas.openxmlformats.org/drawingml/2006/main" xmlns:r="http://schemas.openxmlformats.org/officeDocument/2006/relationships" xmlns:p="http://schemas.openxmlformats.org/presentationml/2006/main">
+  <p:cSld>
+    <p:spTree>
+      <p:nvGrpSpPr>
+        <p:cNvPr id="1" name=""/>
+        <p:cNvGrpSpPr/>
+        <p:nvPr/>
+      </p:nvGrpSpPr>
+      <p:grpSpPr>
+        <a:xfrm>
+          <a:off x="0" y="0"/>
+          <a:ext cx="0" cy="0"/>
+          <a:chOff x="0" y="0"/>
+          <a:chExt cx="0" cy="0"/>
+        </a:xfrm>
+      </p:grpSpPr>
+      <p:sp>
+        <p:nvSpPr>
+          <p:cNvPr id="3" name="Title 2">
+            <a:extLst>
+              <a:ext uri="{FF2B5EF4-FFF2-40B4-BE49-F238E27FC236}">
+                <a16:creationId xmlns:a16="http://schemas.microsoft.com/office/drawing/2014/main" id="{652E2BA4-9FC0-4828-A940-3704183398DF}"/>
+              </a:ext>
+            </a:extLst>
+          </p:cNvPr>
+          <p:cNvSpPr>
+            <a:spLocks noGrp="1"/>
+          </p:cNvSpPr>
+          <p:nvPr>
+            <p:ph type="title"/>
+          </p:nvPr>
+        </p:nvSpPr>
+        <p:spPr/>
+        <p:txBody>
+          <a:bodyPr/>
+          <a:lstStyle/>
+          <a:p>
+            <a:r>
+              <a:rPr lang="es-ES" sz="7200" dirty="0">
+                <a:solidFill>
+                  <a:schemeClr val="bg1"/>
+                </a:solidFill>
+              </a:rPr>
+              <a:t>Código por plataforma</a:t>
+            </a:r>
+            <a:endParaRPr lang="en-US" sz="7200" dirty="0">
+              <a:solidFill>
+                <a:schemeClr val="bg1"/>
+              </a:solidFill>
+            </a:endParaRPr>
+          </a:p>
+        </p:txBody>
+      </p:sp>
+    </p:spTree>
+    <p:extLst>
+      <p:ext uri="{BB962C8B-B14F-4D97-AF65-F5344CB8AC3E}">
+        <p14:creationId xmlns:p14="http://schemas.microsoft.com/office/powerpoint/2010/main" val="4183846337"/>
+      </p:ext>
+    </p:extLst>
+  </p:cSld>
+  <p:clrMapOvr>
+    <a:masterClrMapping/>
+  </p:clrMapOvr>
+  <p:transition spd="med"/>
+</p:sld>
+</file>
+
+<file path=ppt/slides/slide11.xml><?xml version="1.0" encoding="utf-8"?>
+<p:sld xmlns:a="http://schemas.openxmlformats.org/drawingml/2006/main" xmlns:r="http://schemas.openxmlformats.org/officeDocument/2006/relationships" xmlns:p="http://schemas.openxmlformats.org/presentationml/2006/main">
+  <p:cSld>
+    <p:spTree>
+      <p:nvGrpSpPr>
+        <p:cNvPr id="1" name=""/>
+        <p:cNvGrpSpPr/>
+        <p:nvPr/>
+      </p:nvGrpSpPr>
+      <p:grpSpPr>
+        <a:xfrm>
+          <a:off x="0" y="0"/>
+          <a:ext cx="0" cy="0"/>
+          <a:chOff x="0" y="0"/>
+          <a:chExt cx="0" cy="0"/>
+        </a:xfrm>
+      </p:grpSpPr>
+      <p:sp>
+        <p:nvSpPr>
+          <p:cNvPr id="5" name="Title 1">
+            <a:extLst>
+              <a:ext uri="{FF2B5EF4-FFF2-40B4-BE49-F238E27FC236}">
+                <a16:creationId xmlns:a16="http://schemas.microsoft.com/office/drawing/2014/main" id="{01388D49-B47C-45BB-B53B-F6092580BE6E}"/>
+              </a:ext>
+            </a:extLst>
+          </p:cNvPr>
+          <p:cNvSpPr>
+            <a:spLocks noGrp="1"/>
+          </p:cNvSpPr>
+          <p:nvPr>
+            <p:ph type="title"/>
+          </p:nvPr>
+        </p:nvSpPr>
+        <p:spPr>
+          <a:xfrm>
+            <a:off x="457200" y="1123122"/>
+            <a:ext cx="7706412" cy="591378"/>
+          </a:xfrm>
+        </p:spPr>
+        <p:txBody>
+          <a:bodyPr>
+            <a:noAutofit/>
+          </a:bodyPr>
+          <a:lstStyle/>
+          <a:p>
+            <a:r>
+              <a:rPr lang="es-ES" sz="3200" dirty="0">
+                <a:latin typeface="Segoe UI Semibold"/>
+                <a:cs typeface="Segoe UI Semibold"/>
+              </a:rPr>
+              <a:t>Código por plataforma</a:t>
+            </a:r>
+            <a:endParaRPr lang="en-US" sz="3200" dirty="0"/>
+          </a:p>
+        </p:txBody>
+      </p:sp>
+      <p:sp>
+        <p:nvSpPr>
+          <p:cNvPr id="6" name="Content Placeholder 2">
+            <a:extLst>
+              <a:ext uri="{FF2B5EF4-FFF2-40B4-BE49-F238E27FC236}">
+                <a16:creationId xmlns:a16="http://schemas.microsoft.com/office/drawing/2014/main" id="{AC81F8B9-8203-4DB3-932F-AB15DF79780D}"/>
+              </a:ext>
+            </a:extLst>
+          </p:cNvPr>
+          <p:cNvSpPr txBox="1">
+            <a:spLocks/>
+          </p:cNvSpPr>
+          <p:nvPr/>
+        </p:nvSpPr>
+        <p:spPr>
+          <a:xfrm>
+            <a:off x="457200" y="2142641"/>
+            <a:ext cx="11222610" cy="4295866"/>
+          </a:xfrm>
+          <a:prstGeom prst="rect">
+            <a:avLst/>
+          </a:prstGeom>
+        </p:spPr>
+        <p:txBody>
+          <a:bodyPr vert="horz" lIns="91440" tIns="45720" rIns="91440" bIns="45720" rtlCol="0" anchor="t">
+            <a:noAutofit/>
+          </a:bodyPr>
+          <a:lstStyle>
+            <a:lvl1pPr marL="336145" marR="0" indent="-336145" algn="l" defTabSz="914367" rtl="0" eaLnBrk="1" fontAlgn="auto" latinLnBrk="0" hangingPunct="1">
+              <a:lnSpc>
+                <a:spcPct val="90000"/>
+              </a:lnSpc>
+              <a:spcBef>
+                <a:spcPct val="20000"/>
+              </a:spcBef>
+              <a:spcAft>
+                <a:spcPts val="0"/>
+              </a:spcAft>
+              <a:buClrTx/>
+              <a:buSzPct val="90000"/>
+              <a:buFont typeface="Arial" pitchFamily="34" charset="0"/>
+              <a:buChar char="•"/>
+              <a:tabLst/>
+              <a:defRPr sz="3921" kern="1200" spc="0" baseline="0">
+                <a:gradFill>
+                  <a:gsLst>
+                    <a:gs pos="1250">
+                      <a:schemeClr val="tx1"/>
+                    </a:gs>
+                    <a:gs pos="100000">
+                      <a:schemeClr val="tx1"/>
+                    </a:gs>
+                  </a:gsLst>
+                  <a:lin ang="5400000" scaled="0"/>
+                </a:gradFill>
+                <a:latin typeface="+mj-lt"/>
+                <a:ea typeface="+mn-ea"/>
+                <a:cs typeface="+mn-cs"/>
+              </a:defRPr>
+            </a:lvl1pPr>
+            <a:lvl2pPr marL="572691" marR="0" indent="-236546" algn="l" defTabSz="914367" rtl="0" eaLnBrk="1" fontAlgn="auto" latinLnBrk="0" hangingPunct="1">
+              <a:lnSpc>
+                <a:spcPct val="90000"/>
+              </a:lnSpc>
+              <a:spcBef>
+                <a:spcPct val="20000"/>
+              </a:spcBef>
+              <a:spcAft>
+                <a:spcPts val="0"/>
+              </a:spcAft>
+              <a:buClrTx/>
+              <a:buSzPct val="90000"/>
+              <a:buFont typeface="Arial" pitchFamily="34" charset="0"/>
+              <a:buChar char="•"/>
+              <a:tabLst/>
+              <a:defRPr sz="2353" kern="1200" spc="0" baseline="0">
+                <a:gradFill>
+                  <a:gsLst>
+                    <a:gs pos="1250">
+                      <a:schemeClr val="tx1"/>
+                    </a:gs>
+                    <a:gs pos="100000">
+                      <a:schemeClr val="tx1"/>
+                    </a:gs>
+                  </a:gsLst>
+                  <a:lin ang="5400000" scaled="0"/>
+                </a:gradFill>
+                <a:latin typeface="+mn-lt"/>
+                <a:ea typeface="+mn-ea"/>
+                <a:cs typeface="+mn-cs"/>
+              </a:defRPr>
+            </a:lvl2pPr>
+            <a:lvl3pPr marL="784338" marR="0" indent="-224097" algn="l" defTabSz="914367" rtl="0" eaLnBrk="1" fontAlgn="auto" latinLnBrk="0" hangingPunct="1">
+              <a:lnSpc>
+                <a:spcPct val="90000"/>
+              </a:lnSpc>
+              <a:spcBef>
+                <a:spcPct val="20000"/>
+              </a:spcBef>
+              <a:spcAft>
+                <a:spcPts val="0"/>
+              </a:spcAft>
+              <a:buClrTx/>
+              <a:buSzPct val="90000"/>
+              <a:buFont typeface="Arial" pitchFamily="34" charset="0"/>
+              <a:buChar char="•"/>
+              <a:tabLst/>
+              <a:defRPr sz="1961" kern="1200" spc="0" baseline="0">
+                <a:gradFill>
+                  <a:gsLst>
+                    <a:gs pos="1250">
+                      <a:schemeClr val="tx1"/>
+                    </a:gs>
+                    <a:gs pos="100000">
+                      <a:schemeClr val="tx1"/>
+                    </a:gs>
+                  </a:gsLst>
+                  <a:lin ang="5400000" scaled="0"/>
+                </a:gradFill>
+                <a:latin typeface="+mn-lt"/>
+                <a:ea typeface="+mn-ea"/>
+                <a:cs typeface="+mn-cs"/>
+              </a:defRPr>
+            </a:lvl3pPr>
+            <a:lvl4pPr marL="1008435" marR="0" indent="-224097" algn="l" defTabSz="914367" rtl="0" eaLnBrk="1" fontAlgn="auto" latinLnBrk="0" hangingPunct="1">
+              <a:lnSpc>
+                <a:spcPct val="90000"/>
+              </a:lnSpc>
+              <a:spcBef>
+                <a:spcPct val="20000"/>
+              </a:spcBef>
+              <a:spcAft>
+                <a:spcPts val="0"/>
+              </a:spcAft>
+              <a:buClrTx/>
+              <a:buSzPct val="90000"/>
+              <a:buFont typeface="Arial" pitchFamily="34" charset="0"/>
+              <a:buChar char="•"/>
+              <a:tabLst/>
+              <a:defRPr sz="1765" kern="1200" spc="0" baseline="0">
+                <a:gradFill>
+                  <a:gsLst>
+                    <a:gs pos="1250">
+                      <a:schemeClr val="tx1"/>
+                    </a:gs>
+                    <a:gs pos="100000">
+                      <a:schemeClr val="tx1"/>
+                    </a:gs>
+                  </a:gsLst>
+                  <a:lin ang="5400000" scaled="0"/>
+                </a:gradFill>
+                <a:latin typeface="+mn-lt"/>
+                <a:ea typeface="+mn-ea"/>
+                <a:cs typeface="+mn-cs"/>
+              </a:defRPr>
+            </a:lvl4pPr>
+            <a:lvl5pPr marL="1232531" marR="0" indent="-224097" algn="l" defTabSz="914367" rtl="0" eaLnBrk="1" fontAlgn="auto" latinLnBrk="0" hangingPunct="1">
+              <a:lnSpc>
+                <a:spcPct val="90000"/>
+              </a:lnSpc>
+              <a:spcBef>
+                <a:spcPct val="20000"/>
+              </a:spcBef>
+              <a:spcAft>
+                <a:spcPts val="0"/>
+              </a:spcAft>
+              <a:buClrTx/>
+              <a:buSzPct val="90000"/>
+              <a:buFont typeface="Arial" pitchFamily="34" charset="0"/>
+              <a:buChar char="•"/>
+              <a:tabLst/>
+              <a:defRPr sz="1765" kern="1200" spc="0" baseline="0">
+                <a:gradFill>
+                  <a:gsLst>
+                    <a:gs pos="1250">
+                      <a:schemeClr val="tx1"/>
+                    </a:gs>
+                    <a:gs pos="100000">
+                      <a:schemeClr val="tx1"/>
+                    </a:gs>
+                  </a:gsLst>
+                  <a:lin ang="5400000" scaled="0"/>
+                </a:gradFill>
+                <a:latin typeface="+mn-lt"/>
+                <a:ea typeface="+mn-ea"/>
+                <a:cs typeface="+mn-cs"/>
+              </a:defRPr>
+            </a:lvl5pPr>
+            <a:lvl6pPr marL="2514509" indent="-228592" algn="l" defTabSz="914367" rtl="0" eaLnBrk="1" latinLnBrk="0" hangingPunct="1">
+              <a:spcBef>
+                <a:spcPct val="20000"/>
+              </a:spcBef>
+              <a:buFont typeface="Arial" pitchFamily="34" charset="0"/>
+              <a:buChar char="•"/>
+              <a:defRPr sz="1961" kern="1200">
+                <a:solidFill>
+                  <a:schemeClr val="tx1"/>
+                </a:solidFill>
+                <a:latin typeface="+mn-lt"/>
+                <a:ea typeface="+mn-ea"/>
+                <a:cs typeface="+mn-cs"/>
+              </a:defRPr>
+            </a:lvl6pPr>
+            <a:lvl7pPr marL="2971693" indent="-228592" algn="l" defTabSz="914367" rtl="0" eaLnBrk="1" latinLnBrk="0" hangingPunct="1">
+              <a:spcBef>
+                <a:spcPct val="20000"/>
+              </a:spcBef>
+              <a:buFont typeface="Arial" pitchFamily="34" charset="0"/>
+              <a:buChar char="•"/>
+              <a:defRPr sz="1961" kern="1200">
+                <a:solidFill>
+                  <a:schemeClr val="tx1"/>
+                </a:solidFill>
+                <a:latin typeface="+mn-lt"/>
+                <a:ea typeface="+mn-ea"/>
+                <a:cs typeface="+mn-cs"/>
+              </a:defRPr>
+            </a:lvl7pPr>
+            <a:lvl8pPr marL="3428877" indent="-228592" algn="l" defTabSz="914367" rtl="0" eaLnBrk="1" latinLnBrk="0" hangingPunct="1">
+              <a:spcBef>
+                <a:spcPct val="20000"/>
+              </a:spcBef>
+              <a:buFont typeface="Arial" pitchFamily="34" charset="0"/>
+              <a:buChar char="•"/>
+              <a:defRPr sz="1961" kern="1200">
+                <a:solidFill>
+                  <a:schemeClr val="tx1"/>
+                </a:solidFill>
+                <a:latin typeface="+mn-lt"/>
+                <a:ea typeface="+mn-ea"/>
+                <a:cs typeface="+mn-cs"/>
+              </a:defRPr>
+            </a:lvl8pPr>
+            <a:lvl9pPr marL="3886061" indent="-228592" algn="l" defTabSz="914367" rtl="0" eaLnBrk="1" latinLnBrk="0" hangingPunct="1">
+              <a:spcBef>
+                <a:spcPct val="20000"/>
+              </a:spcBef>
+              <a:buFont typeface="Arial" pitchFamily="34" charset="0"/>
+              <a:buChar char="•"/>
+              <a:defRPr sz="1961" kern="1200">
+                <a:solidFill>
+                  <a:schemeClr val="tx1"/>
+                </a:solidFill>
+                <a:latin typeface="+mn-lt"/>
+                <a:ea typeface="+mn-ea"/>
+                <a:cs typeface="+mn-cs"/>
+              </a:defRPr>
+            </a:lvl9pPr>
+          </a:lstStyle>
+          <a:p>
+            <a:pPr marL="0" indent="0" algn="l">
+              <a:buNone/>
+            </a:pPr>
+            <a:r>
+              <a:rPr lang="es-ES" sz="1800" b="0" i="0" dirty="0">
+                <a:solidFill>
+                  <a:srgbClr val="171717"/>
+                </a:solidFill>
+                <a:effectLst/>
+                <a:latin typeface="Segoe UI" panose="020B0502040204020203" pitchFamily="34" charset="0"/>
+              </a:rPr>
+              <a:t>Un proyecto de aplicación MAUI de .NET contiene una carpeta </a:t>
+            </a:r>
+            <a:r>
+              <a:rPr lang="es-ES" sz="1800" b="0" i="0" dirty="0" err="1">
+                <a:solidFill>
+                  <a:srgbClr val="171717"/>
+                </a:solidFill>
+                <a:effectLst/>
+                <a:latin typeface="Segoe UI" panose="020B0502040204020203" pitchFamily="34" charset="0"/>
+              </a:rPr>
+              <a:t>Platforms</a:t>
+            </a:r>
+            <a:r>
+              <a:rPr lang="es-ES" sz="1800" b="0" i="0" dirty="0">
+                <a:solidFill>
+                  <a:srgbClr val="171717"/>
+                </a:solidFill>
+                <a:effectLst/>
+                <a:latin typeface="Segoe UI" panose="020B0502040204020203" pitchFamily="34" charset="0"/>
+              </a:rPr>
+              <a:t> , con cada carpeta secundaria que representa una plataforma que .NET MAUI puede tener como destino:</a:t>
+            </a:r>
+          </a:p>
+          <a:p>
+            <a:pPr marL="0" indent="0" algn="l">
+              <a:buNone/>
+            </a:pPr>
+            <a:endParaRPr lang="es-ES" sz="1800" dirty="0">
+              <a:solidFill>
+                <a:srgbClr val="171717"/>
+              </a:solidFill>
+              <a:latin typeface="Segoe UI" panose="020B0502040204020203" pitchFamily="34" charset="0"/>
+            </a:endParaRPr>
+          </a:p>
+          <a:p>
+            <a:pPr marL="0" indent="0" algn="l">
+              <a:buNone/>
+            </a:pPr>
+            <a:endParaRPr lang="es-ES" sz="1800" b="0" dirty="0">
+              <a:solidFill>
+                <a:srgbClr val="171717"/>
+              </a:solidFill>
+              <a:effectLst/>
+              <a:latin typeface="Segoe UI" panose="020B0502040204020203" pitchFamily="34" charset="0"/>
+            </a:endParaRPr>
+          </a:p>
+          <a:p>
+            <a:pPr marL="0" indent="0" algn="l">
+              <a:buNone/>
+            </a:pPr>
+            <a:endParaRPr lang="es-ES" sz="1800" dirty="0">
+              <a:solidFill>
+                <a:srgbClr val="171717"/>
+              </a:solidFill>
+              <a:latin typeface="Segoe UI" panose="020B0502040204020203" pitchFamily="34" charset="0"/>
+            </a:endParaRPr>
+          </a:p>
+          <a:p>
+            <a:pPr marL="0" indent="0" algn="l">
+              <a:buNone/>
+            </a:pPr>
+            <a:endParaRPr lang="es-ES" sz="1800" b="0" dirty="0">
+              <a:solidFill>
+                <a:srgbClr val="171717"/>
+              </a:solidFill>
+              <a:effectLst/>
+              <a:latin typeface="Segoe UI" panose="020B0502040204020203" pitchFamily="34" charset="0"/>
+            </a:endParaRPr>
+          </a:p>
+          <a:p>
+            <a:pPr marL="0" indent="0" algn="l">
+              <a:buNone/>
+            </a:pPr>
+            <a:endParaRPr lang="es-ES" sz="1800" b="0" dirty="0">
+              <a:solidFill>
+                <a:srgbClr val="171717"/>
+              </a:solidFill>
+              <a:effectLst/>
+              <a:latin typeface="Segoe UI" panose="020B0502040204020203" pitchFamily="34" charset="0"/>
+            </a:endParaRPr>
+          </a:p>
+          <a:p>
+            <a:pPr marL="0" indent="0" algn="l">
+              <a:buNone/>
+            </a:pPr>
+            <a:r>
+              <a:rPr lang="es-ES" sz="1800" b="0" dirty="0">
+                <a:solidFill>
+                  <a:srgbClr val="171717"/>
+                </a:solidFill>
+                <a:effectLst/>
+                <a:latin typeface="Segoe UI" panose="020B0502040204020203" pitchFamily="34" charset="0"/>
+              </a:rPr>
+              <a:t>Las carpetas de cada plataforma contienen recursos específicos de la plataforma y código y que inician la aplicación en cada plataforma:</a:t>
+            </a:r>
+          </a:p>
+        </p:txBody>
+      </p:sp>
+      <p:pic>
+        <p:nvPicPr>
+          <p:cNvPr id="3" name="Picture 2">
+            <a:extLst>
+              <a:ext uri="{FF2B5EF4-FFF2-40B4-BE49-F238E27FC236}">
+                <a16:creationId xmlns:a16="http://schemas.microsoft.com/office/drawing/2014/main" id="{C6C9D870-06EE-438B-9DC8-8CE0367B8F5D}"/>
+              </a:ext>
+            </a:extLst>
+          </p:cNvPr>
+          <p:cNvPicPr>
+            <a:picLocks noChangeAspect="1"/>
+          </p:cNvPicPr>
+          <p:nvPr/>
+        </p:nvPicPr>
+        <p:blipFill>
+          <a:blip r:embed="rId2"/>
+          <a:stretch>
+            <a:fillRect/>
+          </a:stretch>
+        </p:blipFill>
+        <p:spPr>
+          <a:xfrm>
+            <a:off x="457200" y="2871787"/>
+            <a:ext cx="1562100" cy="1114425"/>
+          </a:xfrm>
+          <a:prstGeom prst="rect">
+            <a:avLst/>
+          </a:prstGeom>
+        </p:spPr>
+      </p:pic>
+      <p:pic>
+        <p:nvPicPr>
+          <p:cNvPr id="7" name="Picture 6">
+            <a:extLst>
+              <a:ext uri="{FF2B5EF4-FFF2-40B4-BE49-F238E27FC236}">
+                <a16:creationId xmlns:a16="http://schemas.microsoft.com/office/drawing/2014/main" id="{72893467-889B-47F8-AD72-6CFFD5BEF240}"/>
+              </a:ext>
+            </a:extLst>
+          </p:cNvPr>
+          <p:cNvPicPr>
+            <a:picLocks noChangeAspect="1"/>
+          </p:cNvPicPr>
+          <p:nvPr/>
+        </p:nvPicPr>
+        <p:blipFill>
+          <a:blip r:embed="rId3"/>
+          <a:stretch>
+            <a:fillRect/>
+          </a:stretch>
+        </p:blipFill>
+        <p:spPr>
+          <a:xfrm>
+            <a:off x="457200" y="4915195"/>
+            <a:ext cx="2447925" cy="4286250"/>
+          </a:xfrm>
+          <a:prstGeom prst="rect">
+            <a:avLst/>
+          </a:prstGeom>
+        </p:spPr>
+      </p:pic>
+    </p:spTree>
+    <p:extLst>
+      <p:ext uri="{BB962C8B-B14F-4D97-AF65-F5344CB8AC3E}">
+        <p14:creationId xmlns:p14="http://schemas.microsoft.com/office/powerpoint/2010/main" val="2352537100"/>
+      </p:ext>
+    </p:extLst>
+  </p:cSld>
+  <p:clrMapOvr>
+    <a:masterClrMapping/>
+  </p:clrMapOvr>
+  <p:transition>
+    <p:fade/>
+  </p:transition>
+</p:sld>
+</file>
+
+<file path=ppt/slides/slide12.xml><?xml version="1.0" encoding="utf-8"?>
+<p:sld xmlns:a="http://schemas.openxmlformats.org/drawingml/2006/main" xmlns:r="http://schemas.openxmlformats.org/officeDocument/2006/relationships" xmlns:p="http://schemas.openxmlformats.org/presentationml/2006/main">
+  <p:cSld>
+    <p:spTree>
+      <p:nvGrpSpPr>
+        <p:cNvPr id="1" name=""/>
+        <p:cNvGrpSpPr/>
+        <p:nvPr/>
+      </p:nvGrpSpPr>
+      <p:grpSpPr>
+        <a:xfrm>
+          <a:off x="0" y="0"/>
+          <a:ext cx="0" cy="0"/>
+          <a:chOff x="0" y="0"/>
+          <a:chExt cx="0" cy="0"/>
+        </a:xfrm>
+      </p:grpSpPr>
+      <p:sp>
+        <p:nvSpPr>
+          <p:cNvPr id="5" name="Title 1">
+            <a:extLst>
+              <a:ext uri="{FF2B5EF4-FFF2-40B4-BE49-F238E27FC236}">
+                <a16:creationId xmlns:a16="http://schemas.microsoft.com/office/drawing/2014/main" id="{01388D49-B47C-45BB-B53B-F6092580BE6E}"/>
+              </a:ext>
+            </a:extLst>
+          </p:cNvPr>
+          <p:cNvSpPr>
+            <a:spLocks noGrp="1"/>
+          </p:cNvSpPr>
+          <p:nvPr>
+            <p:ph type="title"/>
+          </p:nvPr>
+        </p:nvSpPr>
+        <p:spPr>
+          <a:xfrm>
+            <a:off x="457200" y="1123122"/>
+            <a:ext cx="7706412" cy="591378"/>
+          </a:xfrm>
+        </p:spPr>
+        <p:txBody>
+          <a:bodyPr>
+            <a:noAutofit/>
+          </a:bodyPr>
+          <a:lstStyle/>
+          <a:p>
+            <a:r>
+              <a:rPr lang="es-ES" sz="3200" dirty="0">
+                <a:latin typeface="Segoe UI Semibold"/>
+                <a:cs typeface="Segoe UI Semibold"/>
+              </a:rPr>
+              <a:t>Código por plataforma</a:t>
+            </a:r>
+            <a:endParaRPr lang="en-US" sz="3200" dirty="0"/>
+          </a:p>
+        </p:txBody>
+      </p:sp>
+      <p:sp>
+        <p:nvSpPr>
+          <p:cNvPr id="6" name="Content Placeholder 2">
+            <a:extLst>
+              <a:ext uri="{FF2B5EF4-FFF2-40B4-BE49-F238E27FC236}">
+                <a16:creationId xmlns:a16="http://schemas.microsoft.com/office/drawing/2014/main" id="{AC81F8B9-8203-4DB3-932F-AB15DF79780D}"/>
+              </a:ext>
+            </a:extLst>
+          </p:cNvPr>
+          <p:cNvSpPr txBox="1">
+            <a:spLocks/>
+          </p:cNvSpPr>
+          <p:nvPr/>
+        </p:nvSpPr>
+        <p:spPr>
+          <a:xfrm>
+            <a:off x="457200" y="2142641"/>
+            <a:ext cx="11222610" cy="2212543"/>
+          </a:xfrm>
+          <a:prstGeom prst="rect">
+            <a:avLst/>
+          </a:prstGeom>
+        </p:spPr>
+        <p:txBody>
+          <a:bodyPr vert="horz" lIns="91440" tIns="45720" rIns="91440" bIns="45720" rtlCol="0" anchor="t">
+            <a:noAutofit/>
+          </a:bodyPr>
+          <a:lstStyle>
+            <a:lvl1pPr marL="336145" marR="0" indent="-336145" algn="l" defTabSz="914367" rtl="0" eaLnBrk="1" fontAlgn="auto" latinLnBrk="0" hangingPunct="1">
+              <a:lnSpc>
+                <a:spcPct val="90000"/>
+              </a:lnSpc>
+              <a:spcBef>
+                <a:spcPct val="20000"/>
+              </a:spcBef>
+              <a:spcAft>
+                <a:spcPts val="0"/>
+              </a:spcAft>
+              <a:buClrTx/>
+              <a:buSzPct val="90000"/>
+              <a:buFont typeface="Arial" pitchFamily="34" charset="0"/>
+              <a:buChar char="•"/>
+              <a:tabLst/>
+              <a:defRPr sz="3921" kern="1200" spc="0" baseline="0">
+                <a:gradFill>
+                  <a:gsLst>
+                    <a:gs pos="1250">
+                      <a:schemeClr val="tx1"/>
+                    </a:gs>
+                    <a:gs pos="100000">
+                      <a:schemeClr val="tx1"/>
+                    </a:gs>
+                  </a:gsLst>
+                  <a:lin ang="5400000" scaled="0"/>
+                </a:gradFill>
+                <a:latin typeface="+mj-lt"/>
+                <a:ea typeface="+mn-ea"/>
+                <a:cs typeface="+mn-cs"/>
+              </a:defRPr>
+            </a:lvl1pPr>
+            <a:lvl2pPr marL="572691" marR="0" indent="-236546" algn="l" defTabSz="914367" rtl="0" eaLnBrk="1" fontAlgn="auto" latinLnBrk="0" hangingPunct="1">
+              <a:lnSpc>
+                <a:spcPct val="90000"/>
+              </a:lnSpc>
+              <a:spcBef>
+                <a:spcPct val="20000"/>
+              </a:spcBef>
+              <a:spcAft>
+                <a:spcPts val="0"/>
+              </a:spcAft>
+              <a:buClrTx/>
+              <a:buSzPct val="90000"/>
+              <a:buFont typeface="Arial" pitchFamily="34" charset="0"/>
+              <a:buChar char="•"/>
+              <a:tabLst/>
+              <a:defRPr sz="2353" kern="1200" spc="0" baseline="0">
+                <a:gradFill>
+                  <a:gsLst>
+                    <a:gs pos="1250">
+                      <a:schemeClr val="tx1"/>
+                    </a:gs>
+                    <a:gs pos="100000">
+                      <a:schemeClr val="tx1"/>
+                    </a:gs>
+                  </a:gsLst>
+                  <a:lin ang="5400000" scaled="0"/>
+                </a:gradFill>
+                <a:latin typeface="+mn-lt"/>
+                <a:ea typeface="+mn-ea"/>
+                <a:cs typeface="+mn-cs"/>
+              </a:defRPr>
+            </a:lvl2pPr>
+            <a:lvl3pPr marL="784338" marR="0" indent="-224097" algn="l" defTabSz="914367" rtl="0" eaLnBrk="1" fontAlgn="auto" latinLnBrk="0" hangingPunct="1">
+              <a:lnSpc>
+                <a:spcPct val="90000"/>
+              </a:lnSpc>
+              <a:spcBef>
+                <a:spcPct val="20000"/>
+              </a:spcBef>
+              <a:spcAft>
+                <a:spcPts val="0"/>
+              </a:spcAft>
+              <a:buClrTx/>
+              <a:buSzPct val="90000"/>
+              <a:buFont typeface="Arial" pitchFamily="34" charset="0"/>
+              <a:buChar char="•"/>
+              <a:tabLst/>
+              <a:defRPr sz="1961" kern="1200" spc="0" baseline="0">
+                <a:gradFill>
+                  <a:gsLst>
+                    <a:gs pos="1250">
+                      <a:schemeClr val="tx1"/>
+                    </a:gs>
+                    <a:gs pos="100000">
+                      <a:schemeClr val="tx1"/>
+                    </a:gs>
+                  </a:gsLst>
+                  <a:lin ang="5400000" scaled="0"/>
+                </a:gradFill>
+                <a:latin typeface="+mn-lt"/>
+                <a:ea typeface="+mn-ea"/>
+                <a:cs typeface="+mn-cs"/>
+              </a:defRPr>
+            </a:lvl3pPr>
+            <a:lvl4pPr marL="1008435" marR="0" indent="-224097" algn="l" defTabSz="914367" rtl="0" eaLnBrk="1" fontAlgn="auto" latinLnBrk="0" hangingPunct="1">
+              <a:lnSpc>
+                <a:spcPct val="90000"/>
+              </a:lnSpc>
+              <a:spcBef>
+                <a:spcPct val="20000"/>
+              </a:spcBef>
+              <a:spcAft>
+                <a:spcPts val="0"/>
+              </a:spcAft>
+              <a:buClrTx/>
+              <a:buSzPct val="90000"/>
+              <a:buFont typeface="Arial" pitchFamily="34" charset="0"/>
+              <a:buChar char="•"/>
+              <a:tabLst/>
+              <a:defRPr sz="1765" kern="1200" spc="0" baseline="0">
+                <a:gradFill>
+                  <a:gsLst>
+                    <a:gs pos="1250">
+                      <a:schemeClr val="tx1"/>
+                    </a:gs>
+                    <a:gs pos="100000">
+                      <a:schemeClr val="tx1"/>
+                    </a:gs>
+                  </a:gsLst>
+                  <a:lin ang="5400000" scaled="0"/>
+                </a:gradFill>
+                <a:latin typeface="+mn-lt"/>
+                <a:ea typeface="+mn-ea"/>
+                <a:cs typeface="+mn-cs"/>
+              </a:defRPr>
+            </a:lvl4pPr>
+            <a:lvl5pPr marL="1232531" marR="0" indent="-224097" algn="l" defTabSz="914367" rtl="0" eaLnBrk="1" fontAlgn="auto" latinLnBrk="0" hangingPunct="1">
+              <a:lnSpc>
+                <a:spcPct val="90000"/>
+              </a:lnSpc>
+              <a:spcBef>
+                <a:spcPct val="20000"/>
+              </a:spcBef>
+              <a:spcAft>
+                <a:spcPts val="0"/>
+              </a:spcAft>
+              <a:buClrTx/>
+              <a:buSzPct val="90000"/>
+              <a:buFont typeface="Arial" pitchFamily="34" charset="0"/>
+              <a:buChar char="•"/>
+              <a:tabLst/>
+              <a:defRPr sz="1765" kern="1200" spc="0" baseline="0">
+                <a:gradFill>
+                  <a:gsLst>
+                    <a:gs pos="1250">
+                      <a:schemeClr val="tx1"/>
+                    </a:gs>
+                    <a:gs pos="100000">
+                      <a:schemeClr val="tx1"/>
+                    </a:gs>
+                  </a:gsLst>
+                  <a:lin ang="5400000" scaled="0"/>
+                </a:gradFill>
+                <a:latin typeface="+mn-lt"/>
+                <a:ea typeface="+mn-ea"/>
+                <a:cs typeface="+mn-cs"/>
+              </a:defRPr>
+            </a:lvl5pPr>
+            <a:lvl6pPr marL="2514509" indent="-228592" algn="l" defTabSz="914367" rtl="0" eaLnBrk="1" latinLnBrk="0" hangingPunct="1">
+              <a:spcBef>
+                <a:spcPct val="20000"/>
+              </a:spcBef>
+              <a:buFont typeface="Arial" pitchFamily="34" charset="0"/>
+              <a:buChar char="•"/>
+              <a:defRPr sz="1961" kern="1200">
+                <a:solidFill>
+                  <a:schemeClr val="tx1"/>
+                </a:solidFill>
+                <a:latin typeface="+mn-lt"/>
+                <a:ea typeface="+mn-ea"/>
+                <a:cs typeface="+mn-cs"/>
+              </a:defRPr>
+            </a:lvl6pPr>
+            <a:lvl7pPr marL="2971693" indent="-228592" algn="l" defTabSz="914367" rtl="0" eaLnBrk="1" latinLnBrk="0" hangingPunct="1">
+              <a:spcBef>
+                <a:spcPct val="20000"/>
+              </a:spcBef>
+              <a:buFont typeface="Arial" pitchFamily="34" charset="0"/>
+              <a:buChar char="•"/>
+              <a:defRPr sz="1961" kern="1200">
+                <a:solidFill>
+                  <a:schemeClr val="tx1"/>
+                </a:solidFill>
+                <a:latin typeface="+mn-lt"/>
+                <a:ea typeface="+mn-ea"/>
+                <a:cs typeface="+mn-cs"/>
+              </a:defRPr>
+            </a:lvl7pPr>
+            <a:lvl8pPr marL="3428877" indent="-228592" algn="l" defTabSz="914367" rtl="0" eaLnBrk="1" latinLnBrk="0" hangingPunct="1">
+              <a:spcBef>
+                <a:spcPct val="20000"/>
+              </a:spcBef>
+              <a:buFont typeface="Arial" pitchFamily="34" charset="0"/>
+              <a:buChar char="•"/>
+              <a:defRPr sz="1961" kern="1200">
+                <a:solidFill>
+                  <a:schemeClr val="tx1"/>
+                </a:solidFill>
+                <a:latin typeface="+mn-lt"/>
+                <a:ea typeface="+mn-ea"/>
+                <a:cs typeface="+mn-cs"/>
+              </a:defRPr>
+            </a:lvl8pPr>
+            <a:lvl9pPr marL="3886061" indent="-228592" algn="l" defTabSz="914367" rtl="0" eaLnBrk="1" latinLnBrk="0" hangingPunct="1">
+              <a:spcBef>
+                <a:spcPct val="20000"/>
+              </a:spcBef>
+              <a:buFont typeface="Arial" pitchFamily="34" charset="0"/>
+              <a:buChar char="•"/>
+              <a:defRPr sz="1961" kern="1200">
+                <a:solidFill>
+                  <a:schemeClr val="tx1"/>
+                </a:solidFill>
+                <a:latin typeface="+mn-lt"/>
+                <a:ea typeface="+mn-ea"/>
+                <a:cs typeface="+mn-cs"/>
+              </a:defRPr>
+            </a:lvl9pPr>
+          </a:lstStyle>
+          <a:p>
+            <a:pPr marL="0" indent="0" algn="l">
+              <a:buNone/>
+            </a:pPr>
+            <a:r>
+              <a:rPr lang="es-ES" sz="1800" b="0" i="0" dirty="0">
+                <a:solidFill>
+                  <a:srgbClr val="171717"/>
+                </a:solidFill>
+                <a:effectLst/>
+                <a:latin typeface="Segoe UI" panose="020B0502040204020203" pitchFamily="34" charset="0"/>
+              </a:rPr>
+              <a:t>En tiempo de compilación, el sistema de compilación solo incluye el código de cada carpeta al compilar para esa plataforma específica. Por ejemplo, al compilar para Android los archivos de la carpeta </a:t>
+            </a:r>
+            <a:r>
+              <a:rPr lang="es-ES" sz="1800" b="0" i="0" dirty="0" err="1">
+                <a:solidFill>
+                  <a:srgbClr val="171717"/>
+                </a:solidFill>
+                <a:effectLst/>
+                <a:latin typeface="Segoe UI" panose="020B0502040204020203" pitchFamily="34" charset="0"/>
+              </a:rPr>
+              <a:t>Platforms</a:t>
+            </a:r>
+            <a:r>
+              <a:rPr lang="es-ES" sz="1800" b="0" i="0" dirty="0">
+                <a:solidFill>
+                  <a:srgbClr val="171717"/>
+                </a:solidFill>
+                <a:effectLst/>
+                <a:latin typeface="Segoe UI" panose="020B0502040204020203" pitchFamily="34" charset="0"/>
+              </a:rPr>
+              <a:t>\Android se integrarán en el paquete de la aplicación.</a:t>
+            </a:r>
+          </a:p>
+          <a:p>
+            <a:pPr marL="0" indent="0" algn="l">
+              <a:buNone/>
+            </a:pPr>
+            <a:endParaRPr lang="es-ES" sz="1800" dirty="0">
+              <a:solidFill>
+                <a:srgbClr val="171717"/>
+              </a:solidFill>
+              <a:latin typeface="Segoe UI" panose="020B0502040204020203" pitchFamily="34" charset="0"/>
+            </a:endParaRPr>
+          </a:p>
+          <a:p>
+            <a:pPr marL="0" indent="0" algn="l">
+              <a:buNone/>
+            </a:pPr>
+            <a:endParaRPr lang="es-ES" sz="1800" b="0" i="0" dirty="0">
+              <a:solidFill>
+                <a:srgbClr val="171717"/>
+              </a:solidFill>
+              <a:effectLst/>
+              <a:latin typeface="Segoe UI" panose="020B0502040204020203" pitchFamily="34" charset="0"/>
+            </a:endParaRPr>
+          </a:p>
+          <a:p>
+            <a:pPr marL="0" indent="0" algn="l">
+              <a:buNone/>
+            </a:pPr>
+            <a:r>
+              <a:rPr lang="es-ES" sz="1800" b="0" i="0" dirty="0">
+                <a:solidFill>
+                  <a:srgbClr val="171717"/>
+                </a:solidFill>
+                <a:effectLst/>
+                <a:latin typeface="Segoe UI" panose="020B0502040204020203" pitchFamily="34" charset="0"/>
+              </a:rPr>
+              <a:t>El destino múltiple se puede combinar con clases parciales y métodos parciales para invocar la funcionalidad de plataforma nativa desde código multiplataforma.</a:t>
+            </a:r>
+          </a:p>
+        </p:txBody>
+      </p:sp>
+    </p:spTree>
+    <p:extLst>
+      <p:ext uri="{BB962C8B-B14F-4D97-AF65-F5344CB8AC3E}">
+        <p14:creationId xmlns:p14="http://schemas.microsoft.com/office/powerpoint/2010/main" val="1979482531"/>
+      </p:ext>
+    </p:extLst>
+  </p:cSld>
+  <p:clrMapOvr>
+    <a:masterClrMapping/>
+  </p:clrMapOvr>
+  <p:transition>
+    <p:fade/>
+  </p:transition>
+</p:sld>
+</file>
+
+<file path=ppt/slides/slide13.xml><?xml version="1.0" encoding="utf-8"?>
+<p:sld xmlns:a="http://schemas.openxmlformats.org/drawingml/2006/main" xmlns:r="http://schemas.openxmlformats.org/officeDocument/2006/relationships" xmlns:p="http://schemas.openxmlformats.org/presentationml/2006/main">
+  <p:cSld>
+    <p:spTree>
+      <p:nvGrpSpPr>
+        <p:cNvPr id="1" name=""/>
+        <p:cNvGrpSpPr/>
+        <p:nvPr/>
+      </p:nvGrpSpPr>
+      <p:grpSpPr>
+        <a:xfrm>
+          <a:off x="0" y="0"/>
+          <a:ext cx="0" cy="0"/>
+          <a:chOff x="0" y="0"/>
+          <a:chExt cx="0" cy="0"/>
+        </a:xfrm>
+      </p:grpSpPr>
+      <p:sp>
+        <p:nvSpPr>
+          <p:cNvPr id="5" name="Title 1">
+            <a:extLst>
+              <a:ext uri="{FF2B5EF4-FFF2-40B4-BE49-F238E27FC236}">
+                <a16:creationId xmlns:a16="http://schemas.microsoft.com/office/drawing/2014/main" id="{01388D49-B47C-45BB-B53B-F6092580BE6E}"/>
+              </a:ext>
+            </a:extLst>
+          </p:cNvPr>
+          <p:cNvSpPr>
+            <a:spLocks noGrp="1"/>
+          </p:cNvSpPr>
+          <p:nvPr>
+            <p:ph type="title"/>
+          </p:nvPr>
+        </p:nvSpPr>
+        <p:spPr>
+          <a:xfrm>
+            <a:off x="457200" y="1123122"/>
+            <a:ext cx="7706412" cy="591378"/>
+          </a:xfrm>
+        </p:spPr>
+        <p:txBody>
+          <a:bodyPr>
+            <a:noAutofit/>
+          </a:bodyPr>
+          <a:lstStyle/>
+          <a:p>
+            <a:r>
+              <a:rPr lang="es-ES" sz="3200" dirty="0">
+                <a:latin typeface="Segoe UI Semibold"/>
+                <a:cs typeface="Segoe UI Semibold"/>
+              </a:rPr>
+              <a:t>Código por plataforma</a:t>
+            </a:r>
+            <a:endParaRPr lang="en-US" sz="3200" dirty="0"/>
+          </a:p>
+        </p:txBody>
+      </p:sp>
+      <p:sp>
+        <p:nvSpPr>
+          <p:cNvPr id="6" name="Content Placeholder 2">
+            <a:extLst>
+              <a:ext uri="{FF2B5EF4-FFF2-40B4-BE49-F238E27FC236}">
+                <a16:creationId xmlns:a16="http://schemas.microsoft.com/office/drawing/2014/main" id="{AC81F8B9-8203-4DB3-932F-AB15DF79780D}"/>
+              </a:ext>
+            </a:extLst>
+          </p:cNvPr>
+          <p:cNvSpPr txBox="1">
+            <a:spLocks/>
+          </p:cNvSpPr>
+          <p:nvPr/>
+        </p:nvSpPr>
+        <p:spPr>
+          <a:xfrm>
+            <a:off x="457200" y="2142642"/>
+            <a:ext cx="11222610" cy="704254"/>
+          </a:xfrm>
+          <a:prstGeom prst="rect">
+            <a:avLst/>
+          </a:prstGeom>
+        </p:spPr>
+        <p:txBody>
+          <a:bodyPr vert="horz" lIns="91440" tIns="45720" rIns="91440" bIns="45720" rtlCol="0" anchor="t">
+            <a:noAutofit/>
+          </a:bodyPr>
+          <a:lstStyle>
+            <a:lvl1pPr marL="336145" marR="0" indent="-336145" algn="l" defTabSz="914367" rtl="0" eaLnBrk="1" fontAlgn="auto" latinLnBrk="0" hangingPunct="1">
+              <a:lnSpc>
+                <a:spcPct val="90000"/>
+              </a:lnSpc>
+              <a:spcBef>
+                <a:spcPct val="20000"/>
+              </a:spcBef>
+              <a:spcAft>
+                <a:spcPts val="0"/>
+              </a:spcAft>
+              <a:buClrTx/>
+              <a:buSzPct val="90000"/>
+              <a:buFont typeface="Arial" pitchFamily="34" charset="0"/>
+              <a:buChar char="•"/>
+              <a:tabLst/>
+              <a:defRPr sz="3921" kern="1200" spc="0" baseline="0">
+                <a:gradFill>
+                  <a:gsLst>
+                    <a:gs pos="1250">
+                      <a:schemeClr val="tx1"/>
+                    </a:gs>
+                    <a:gs pos="100000">
+                      <a:schemeClr val="tx1"/>
+                    </a:gs>
+                  </a:gsLst>
+                  <a:lin ang="5400000" scaled="0"/>
+                </a:gradFill>
+                <a:latin typeface="+mj-lt"/>
+                <a:ea typeface="+mn-ea"/>
+                <a:cs typeface="+mn-cs"/>
+              </a:defRPr>
+            </a:lvl1pPr>
+            <a:lvl2pPr marL="572691" marR="0" indent="-236546" algn="l" defTabSz="914367" rtl="0" eaLnBrk="1" fontAlgn="auto" latinLnBrk="0" hangingPunct="1">
+              <a:lnSpc>
+                <a:spcPct val="90000"/>
+              </a:lnSpc>
+              <a:spcBef>
+                <a:spcPct val="20000"/>
+              </a:spcBef>
+              <a:spcAft>
+                <a:spcPts val="0"/>
+              </a:spcAft>
+              <a:buClrTx/>
+              <a:buSzPct val="90000"/>
+              <a:buFont typeface="Arial" pitchFamily="34" charset="0"/>
+              <a:buChar char="•"/>
+              <a:tabLst/>
+              <a:defRPr sz="2353" kern="1200" spc="0" baseline="0">
+                <a:gradFill>
+                  <a:gsLst>
+                    <a:gs pos="1250">
+                      <a:schemeClr val="tx1"/>
+                    </a:gs>
+                    <a:gs pos="100000">
+                      <a:schemeClr val="tx1"/>
+                    </a:gs>
+                  </a:gsLst>
+                  <a:lin ang="5400000" scaled="0"/>
+                </a:gradFill>
+                <a:latin typeface="+mn-lt"/>
+                <a:ea typeface="+mn-ea"/>
+                <a:cs typeface="+mn-cs"/>
+              </a:defRPr>
+            </a:lvl2pPr>
+            <a:lvl3pPr marL="784338" marR="0" indent="-224097" algn="l" defTabSz="914367" rtl="0" eaLnBrk="1" fontAlgn="auto" latinLnBrk="0" hangingPunct="1">
+              <a:lnSpc>
+                <a:spcPct val="90000"/>
+              </a:lnSpc>
+              <a:spcBef>
+                <a:spcPct val="20000"/>
+              </a:spcBef>
+              <a:spcAft>
+                <a:spcPts val="0"/>
+              </a:spcAft>
+              <a:buClrTx/>
+              <a:buSzPct val="90000"/>
+              <a:buFont typeface="Arial" pitchFamily="34" charset="0"/>
+              <a:buChar char="•"/>
+              <a:tabLst/>
+              <a:defRPr sz="1961" kern="1200" spc="0" baseline="0">
+                <a:gradFill>
+                  <a:gsLst>
+                    <a:gs pos="1250">
+                      <a:schemeClr val="tx1"/>
+                    </a:gs>
+                    <a:gs pos="100000">
+                      <a:schemeClr val="tx1"/>
+                    </a:gs>
+                  </a:gsLst>
+                  <a:lin ang="5400000" scaled="0"/>
+                </a:gradFill>
+                <a:latin typeface="+mn-lt"/>
+                <a:ea typeface="+mn-ea"/>
+                <a:cs typeface="+mn-cs"/>
+              </a:defRPr>
+            </a:lvl3pPr>
+            <a:lvl4pPr marL="1008435" marR="0" indent="-224097" algn="l" defTabSz="914367" rtl="0" eaLnBrk="1" fontAlgn="auto" latinLnBrk="0" hangingPunct="1">
+              <a:lnSpc>
+                <a:spcPct val="90000"/>
+              </a:lnSpc>
+              <a:spcBef>
+                <a:spcPct val="20000"/>
+              </a:spcBef>
+              <a:spcAft>
+                <a:spcPts val="0"/>
+              </a:spcAft>
+              <a:buClrTx/>
+              <a:buSzPct val="90000"/>
+              <a:buFont typeface="Arial" pitchFamily="34" charset="0"/>
+              <a:buChar char="•"/>
+              <a:tabLst/>
+              <a:defRPr sz="1765" kern="1200" spc="0" baseline="0">
+                <a:gradFill>
+                  <a:gsLst>
+                    <a:gs pos="1250">
+                      <a:schemeClr val="tx1"/>
+                    </a:gs>
+                    <a:gs pos="100000">
+                      <a:schemeClr val="tx1"/>
+                    </a:gs>
+                  </a:gsLst>
+                  <a:lin ang="5400000" scaled="0"/>
+                </a:gradFill>
+                <a:latin typeface="+mn-lt"/>
+                <a:ea typeface="+mn-ea"/>
+                <a:cs typeface="+mn-cs"/>
+              </a:defRPr>
+            </a:lvl4pPr>
+            <a:lvl5pPr marL="1232531" marR="0" indent="-224097" algn="l" defTabSz="914367" rtl="0" eaLnBrk="1" fontAlgn="auto" latinLnBrk="0" hangingPunct="1">
+              <a:lnSpc>
+                <a:spcPct val="90000"/>
+              </a:lnSpc>
+              <a:spcBef>
+                <a:spcPct val="20000"/>
+              </a:spcBef>
+              <a:spcAft>
+                <a:spcPts val="0"/>
+              </a:spcAft>
+              <a:buClrTx/>
+              <a:buSzPct val="90000"/>
+              <a:buFont typeface="Arial" pitchFamily="34" charset="0"/>
+              <a:buChar char="•"/>
+              <a:tabLst/>
+              <a:defRPr sz="1765" kern="1200" spc="0" baseline="0">
+                <a:gradFill>
+                  <a:gsLst>
+                    <a:gs pos="1250">
+                      <a:schemeClr val="tx1"/>
+                    </a:gs>
+                    <a:gs pos="100000">
+                      <a:schemeClr val="tx1"/>
+                    </a:gs>
+                  </a:gsLst>
+                  <a:lin ang="5400000" scaled="0"/>
+                </a:gradFill>
+                <a:latin typeface="+mn-lt"/>
+                <a:ea typeface="+mn-ea"/>
+                <a:cs typeface="+mn-cs"/>
+              </a:defRPr>
+            </a:lvl5pPr>
+            <a:lvl6pPr marL="2514509" indent="-228592" algn="l" defTabSz="914367" rtl="0" eaLnBrk="1" latinLnBrk="0" hangingPunct="1">
+              <a:spcBef>
+                <a:spcPct val="20000"/>
+              </a:spcBef>
+              <a:buFont typeface="Arial" pitchFamily="34" charset="0"/>
+              <a:buChar char="•"/>
+              <a:defRPr sz="1961" kern="1200">
+                <a:solidFill>
+                  <a:schemeClr val="tx1"/>
+                </a:solidFill>
+                <a:latin typeface="+mn-lt"/>
+                <a:ea typeface="+mn-ea"/>
+                <a:cs typeface="+mn-cs"/>
+              </a:defRPr>
+            </a:lvl6pPr>
+            <a:lvl7pPr marL="2971693" indent="-228592" algn="l" defTabSz="914367" rtl="0" eaLnBrk="1" latinLnBrk="0" hangingPunct="1">
+              <a:spcBef>
+                <a:spcPct val="20000"/>
+              </a:spcBef>
+              <a:buFont typeface="Arial" pitchFamily="34" charset="0"/>
+              <a:buChar char="•"/>
+              <a:defRPr sz="1961" kern="1200">
+                <a:solidFill>
+                  <a:schemeClr val="tx1"/>
+                </a:solidFill>
+                <a:latin typeface="+mn-lt"/>
+                <a:ea typeface="+mn-ea"/>
+                <a:cs typeface="+mn-cs"/>
+              </a:defRPr>
+            </a:lvl7pPr>
+            <a:lvl8pPr marL="3428877" indent="-228592" algn="l" defTabSz="914367" rtl="0" eaLnBrk="1" latinLnBrk="0" hangingPunct="1">
+              <a:spcBef>
+                <a:spcPct val="20000"/>
+              </a:spcBef>
+              <a:buFont typeface="Arial" pitchFamily="34" charset="0"/>
+              <a:buChar char="•"/>
+              <a:defRPr sz="1961" kern="1200">
+                <a:solidFill>
+                  <a:schemeClr val="tx1"/>
+                </a:solidFill>
+                <a:latin typeface="+mn-lt"/>
+                <a:ea typeface="+mn-ea"/>
+                <a:cs typeface="+mn-cs"/>
+              </a:defRPr>
+            </a:lvl8pPr>
+            <a:lvl9pPr marL="3886061" indent="-228592" algn="l" defTabSz="914367" rtl="0" eaLnBrk="1" latinLnBrk="0" hangingPunct="1">
+              <a:spcBef>
+                <a:spcPct val="20000"/>
+              </a:spcBef>
+              <a:buFont typeface="Arial" pitchFamily="34" charset="0"/>
+              <a:buChar char="•"/>
+              <a:defRPr sz="1961" kern="1200">
+                <a:solidFill>
+                  <a:schemeClr val="tx1"/>
+                </a:solidFill>
+                <a:latin typeface="+mn-lt"/>
+                <a:ea typeface="+mn-ea"/>
+                <a:cs typeface="+mn-cs"/>
+              </a:defRPr>
+            </a:lvl9pPr>
+          </a:lstStyle>
+          <a:p>
+            <a:pPr marL="0" indent="0" algn="l">
+              <a:buNone/>
+            </a:pPr>
+            <a:r>
+              <a:rPr lang="es-ES" sz="1800" b="0" i="0" dirty="0">
+                <a:solidFill>
+                  <a:srgbClr val="171717"/>
+                </a:solidFill>
+                <a:effectLst/>
+                <a:latin typeface="Segoe UI" panose="020B0502040204020203" pitchFamily="34" charset="0"/>
+              </a:rPr>
+              <a:t>Los múltiples destinos también se pueden combinar con la compilación condicional para que el código esté destinado a plataformas específicas:</a:t>
+            </a:r>
+          </a:p>
+        </p:txBody>
+      </p:sp>
+      <p:sp>
+        <p:nvSpPr>
+          <p:cNvPr id="7" name="TextBox 6">
+            <a:extLst>
+              <a:ext uri="{FF2B5EF4-FFF2-40B4-BE49-F238E27FC236}">
+                <a16:creationId xmlns:a16="http://schemas.microsoft.com/office/drawing/2014/main" id="{0F38824C-4F11-426C-B735-6E477385E7E6}"/>
+              </a:ext>
+            </a:extLst>
+          </p:cNvPr>
+          <p:cNvSpPr txBox="1"/>
+          <p:nvPr/>
+        </p:nvSpPr>
+        <p:spPr>
+          <a:xfrm>
+            <a:off x="457200" y="2960014"/>
+            <a:ext cx="11222610" cy="2308324"/>
+          </a:xfrm>
+          <a:prstGeom prst="rect">
+            <a:avLst/>
+          </a:prstGeom>
+          <a:noFill/>
+        </p:spPr>
+        <p:txBody>
+          <a:bodyPr wrap="square">
+            <a:spAutoFit/>
+          </a:bodyPr>
+          <a:lstStyle/>
+          <a:p>
+            <a:r>
+              <a:rPr lang="en-US" b="0" i="0" dirty="0">
+                <a:solidFill>
+                  <a:srgbClr val="006881"/>
+                </a:solidFill>
+                <a:effectLst/>
+                <a:latin typeface="SFMono-Regular"/>
+              </a:rPr>
+              <a:t>#if ANDROID</a:t>
+            </a:r>
+            <a:r>
+              <a:rPr lang="en-US" b="0" i="0" dirty="0">
+                <a:solidFill>
+                  <a:srgbClr val="171717"/>
+                </a:solidFill>
+                <a:effectLst/>
+                <a:latin typeface="SFMono-Regular"/>
+              </a:rPr>
+              <a:t> </a:t>
+            </a:r>
+          </a:p>
+          <a:p>
+            <a:r>
+              <a:rPr lang="en-US" b="0" i="0" dirty="0" err="1">
+                <a:solidFill>
+                  <a:srgbClr val="171717"/>
+                </a:solidFill>
+                <a:effectLst/>
+                <a:latin typeface="SFMono-Regular"/>
+              </a:rPr>
+              <a:t>handler.PlatformView.SetBackgroundColor</a:t>
+            </a:r>
+            <a:r>
+              <a:rPr lang="en-US" b="0" i="0" dirty="0">
+                <a:solidFill>
+                  <a:srgbClr val="171717"/>
+                </a:solidFill>
+                <a:effectLst/>
+                <a:latin typeface="SFMono-Regular"/>
+              </a:rPr>
+              <a:t>(</a:t>
+            </a:r>
+            <a:r>
+              <a:rPr lang="en-US" b="0" i="0" dirty="0" err="1">
+                <a:solidFill>
+                  <a:srgbClr val="171717"/>
+                </a:solidFill>
+                <a:effectLst/>
+                <a:latin typeface="SFMono-Regular"/>
+              </a:rPr>
+              <a:t>Colors.Red.ToNative</a:t>
+            </a:r>
+            <a:r>
+              <a:rPr lang="en-US" b="0" i="0" dirty="0">
+                <a:solidFill>
+                  <a:srgbClr val="171717"/>
+                </a:solidFill>
+                <a:effectLst/>
+                <a:latin typeface="SFMono-Regular"/>
+              </a:rPr>
+              <a:t>()); </a:t>
+            </a:r>
+          </a:p>
+          <a:p>
+            <a:r>
+              <a:rPr lang="en-US" b="0" i="0" dirty="0">
+                <a:solidFill>
+                  <a:srgbClr val="006881"/>
+                </a:solidFill>
+                <a:effectLst/>
+                <a:latin typeface="SFMono-Regular"/>
+              </a:rPr>
+              <a:t>#elif IOS</a:t>
+            </a:r>
+            <a:r>
+              <a:rPr lang="en-US" b="0" i="0" dirty="0">
+                <a:solidFill>
+                  <a:srgbClr val="171717"/>
+                </a:solidFill>
+                <a:effectLst/>
+                <a:latin typeface="SFMono-Regular"/>
+              </a:rPr>
+              <a:t> </a:t>
+            </a:r>
+          </a:p>
+          <a:p>
+            <a:r>
+              <a:rPr lang="en-US" b="0" i="0" dirty="0" err="1">
+                <a:solidFill>
+                  <a:srgbClr val="171717"/>
+                </a:solidFill>
+                <a:effectLst/>
+                <a:latin typeface="SFMono-Regular"/>
+              </a:rPr>
+              <a:t>handler.PlatformView.BackgroundColor</a:t>
+            </a:r>
+            <a:r>
+              <a:rPr lang="en-US" b="0" i="0" dirty="0">
+                <a:solidFill>
+                  <a:srgbClr val="171717"/>
+                </a:solidFill>
+                <a:effectLst/>
+                <a:latin typeface="SFMono-Regular"/>
+              </a:rPr>
+              <a:t> = </a:t>
+            </a:r>
+            <a:r>
+              <a:rPr lang="en-US" b="0" i="0" dirty="0" err="1">
+                <a:solidFill>
+                  <a:srgbClr val="171717"/>
+                </a:solidFill>
+                <a:effectLst/>
+                <a:latin typeface="SFMono-Regular"/>
+              </a:rPr>
+              <a:t>Colors.Red.ToNative</a:t>
+            </a:r>
+            <a:r>
+              <a:rPr lang="en-US" b="0" i="0" dirty="0">
+                <a:solidFill>
+                  <a:srgbClr val="171717"/>
+                </a:solidFill>
+                <a:effectLst/>
+                <a:latin typeface="SFMono-Regular"/>
+              </a:rPr>
+              <a:t>(); </a:t>
+            </a:r>
+          </a:p>
+          <a:p>
+            <a:r>
+              <a:rPr lang="en-US" b="0" i="0" dirty="0" err="1">
+                <a:solidFill>
+                  <a:srgbClr val="171717"/>
+                </a:solidFill>
+                <a:effectLst/>
+                <a:latin typeface="SFMono-Regular"/>
+              </a:rPr>
+              <a:t>handler.PlatformView.BorderStyle</a:t>
+            </a:r>
+            <a:r>
+              <a:rPr lang="en-US" b="0" i="0" dirty="0">
+                <a:solidFill>
+                  <a:srgbClr val="171717"/>
+                </a:solidFill>
+                <a:effectLst/>
+                <a:latin typeface="SFMono-Regular"/>
+              </a:rPr>
+              <a:t> = </a:t>
+            </a:r>
+            <a:r>
+              <a:rPr lang="en-US" b="0" i="0" dirty="0" err="1">
+                <a:solidFill>
+                  <a:srgbClr val="171717"/>
+                </a:solidFill>
+                <a:effectLst/>
+                <a:latin typeface="SFMono-Regular"/>
+              </a:rPr>
+              <a:t>UIKit.UITextBorderStyle.Line</a:t>
+            </a:r>
+            <a:r>
+              <a:rPr lang="en-US" b="0" i="0" dirty="0">
+                <a:solidFill>
+                  <a:srgbClr val="171717"/>
+                </a:solidFill>
+                <a:effectLst/>
+                <a:latin typeface="SFMono-Regular"/>
+              </a:rPr>
+              <a:t>; </a:t>
+            </a:r>
+          </a:p>
+          <a:p>
+            <a:r>
+              <a:rPr lang="en-US" b="0" i="0" dirty="0">
+                <a:solidFill>
+                  <a:srgbClr val="006881"/>
+                </a:solidFill>
+                <a:effectLst/>
+                <a:latin typeface="SFMono-Regular"/>
+              </a:rPr>
+              <a:t>#elif WINDOWS</a:t>
+            </a:r>
+            <a:r>
+              <a:rPr lang="en-US" b="0" i="0" dirty="0">
+                <a:solidFill>
+                  <a:srgbClr val="171717"/>
+                </a:solidFill>
+                <a:effectLst/>
+                <a:latin typeface="SFMono-Regular"/>
+              </a:rPr>
+              <a:t> </a:t>
+            </a:r>
+          </a:p>
+          <a:p>
+            <a:r>
+              <a:rPr lang="en-US" b="0" i="0" dirty="0" err="1">
+                <a:solidFill>
+                  <a:srgbClr val="171717"/>
+                </a:solidFill>
+                <a:effectLst/>
+                <a:latin typeface="SFMono-Regular"/>
+              </a:rPr>
+              <a:t>handler.PlatformView.Background</a:t>
+            </a:r>
+            <a:r>
+              <a:rPr lang="en-US" b="0" i="0" dirty="0">
+                <a:solidFill>
+                  <a:srgbClr val="171717"/>
+                </a:solidFill>
+                <a:effectLst/>
+                <a:latin typeface="SFMono-Regular"/>
+              </a:rPr>
+              <a:t> = </a:t>
+            </a:r>
+            <a:r>
+              <a:rPr lang="en-US" b="0" i="0" dirty="0" err="1">
+                <a:solidFill>
+                  <a:srgbClr val="171717"/>
+                </a:solidFill>
+                <a:effectLst/>
+                <a:latin typeface="SFMono-Regular"/>
+              </a:rPr>
+              <a:t>Colors.Red.ToNative</a:t>
+            </a:r>
+            <a:r>
+              <a:rPr lang="en-US" b="0" i="0" dirty="0">
+                <a:solidFill>
+                  <a:srgbClr val="171717"/>
+                </a:solidFill>
+                <a:effectLst/>
+                <a:latin typeface="SFMono-Regular"/>
+              </a:rPr>
+              <a:t>(); </a:t>
+            </a:r>
+          </a:p>
+          <a:p>
+            <a:r>
+              <a:rPr lang="en-US" b="0" i="0" dirty="0">
+                <a:solidFill>
+                  <a:srgbClr val="006881"/>
+                </a:solidFill>
+                <a:effectLst/>
+                <a:latin typeface="SFMono-Regular"/>
+              </a:rPr>
+              <a:t>#endif</a:t>
+            </a:r>
+            <a:endParaRPr lang="en-US" dirty="0"/>
+          </a:p>
+        </p:txBody>
+      </p:sp>
+    </p:spTree>
+    <p:extLst>
+      <p:ext uri="{BB962C8B-B14F-4D97-AF65-F5344CB8AC3E}">
+        <p14:creationId xmlns:p14="http://schemas.microsoft.com/office/powerpoint/2010/main" val="2909086777"/>
+      </p:ext>
+    </p:extLst>
+  </p:cSld>
+  <p:clrMapOvr>
+    <a:masterClrMapping/>
+  </p:clrMapOvr>
+  <p:transition>
+    <p:fade/>
+  </p:transition>
+</p:sld>
+</file>
+
+<file path=ppt/slides/slide14.xml><?xml version="1.0" encoding="utf-8"?>
 <p:sld xmlns:a="http://schemas.openxmlformats.org/drawingml/2006/main" xmlns:r="http://schemas.openxmlformats.org/officeDocument/2006/relationships" xmlns:p="http://schemas.openxmlformats.org/presentationml/2006/main">
   <p:cSld>
     <p:spTree>
@@ -12551,6 +14132,3518 @@
     <p:extLst>
       <p:ext uri="{BB962C8B-B14F-4D97-AF65-F5344CB8AC3E}">
         <p14:creationId xmlns:p14="http://schemas.microsoft.com/office/powerpoint/2010/main" val="1975960378"/>
+      </p:ext>
+    </p:extLst>
+  </p:cSld>
+  <p:clrMapOvr>
+    <a:masterClrMapping/>
+  </p:clrMapOvr>
+  <p:transition>
+    <p:fade/>
+  </p:transition>
+</p:sld>
+</file>
+
+<file path=ppt/slides/slide2.xml><?xml version="1.0" encoding="utf-8"?>
+<p:sld xmlns:a="http://schemas.openxmlformats.org/drawingml/2006/main" xmlns:r="http://schemas.openxmlformats.org/officeDocument/2006/relationships" xmlns:p="http://schemas.openxmlformats.org/presentationml/2006/main">
+  <p:cSld>
+    <p:spTree>
+      <p:nvGrpSpPr>
+        <p:cNvPr id="1" name=""/>
+        <p:cNvGrpSpPr/>
+        <p:nvPr/>
+      </p:nvGrpSpPr>
+      <p:grpSpPr>
+        <a:xfrm>
+          <a:off x="0" y="0"/>
+          <a:ext cx="0" cy="0"/>
+          <a:chOff x="0" y="0"/>
+          <a:chExt cx="0" cy="0"/>
+        </a:xfrm>
+      </p:grpSpPr>
+      <p:sp>
+        <p:nvSpPr>
+          <p:cNvPr id="5" name="Title 1">
+            <a:extLst>
+              <a:ext uri="{FF2B5EF4-FFF2-40B4-BE49-F238E27FC236}">
+                <a16:creationId xmlns:a16="http://schemas.microsoft.com/office/drawing/2014/main" id="{01388D49-B47C-45BB-B53B-F6092580BE6E}"/>
+              </a:ext>
+            </a:extLst>
+          </p:cNvPr>
+          <p:cNvSpPr>
+            <a:spLocks noGrp="1"/>
+          </p:cNvSpPr>
+          <p:nvPr>
+            <p:ph type="title"/>
+          </p:nvPr>
+        </p:nvSpPr>
+        <p:spPr>
+          <a:xfrm>
+            <a:off x="457200" y="1123122"/>
+            <a:ext cx="7706412" cy="591378"/>
+          </a:xfrm>
+        </p:spPr>
+        <p:txBody>
+          <a:bodyPr>
+            <a:noAutofit/>
+          </a:bodyPr>
+          <a:lstStyle/>
+          <a:p>
+            <a:r>
+              <a:rPr lang="en-US" sz="3200" dirty="0">
+                <a:latin typeface="Segoe UI Semibold"/>
+                <a:cs typeface="Segoe UI Semibold"/>
+              </a:rPr>
+              <a:t>Un </a:t>
+            </a:r>
+            <a:r>
+              <a:rPr lang="en-US" sz="3200" dirty="0" err="1">
+                <a:latin typeface="Segoe UI Semibold"/>
+                <a:cs typeface="Segoe UI Semibold"/>
+              </a:rPr>
+              <a:t>único</a:t>
+            </a:r>
+            <a:r>
+              <a:rPr lang="en-US" sz="3200" dirty="0">
+                <a:latin typeface="Segoe UI Semibold"/>
+                <a:cs typeface="Segoe UI Semibold"/>
+              </a:rPr>
+              <a:t> </a:t>
+            </a:r>
+            <a:r>
+              <a:rPr lang="en-US" sz="3200" dirty="0" err="1">
+                <a:latin typeface="Segoe UI Semibold"/>
+                <a:cs typeface="Segoe UI Semibold"/>
+              </a:rPr>
+              <a:t>proyecto</a:t>
+            </a:r>
+            <a:r>
+              <a:rPr lang="en-US" sz="3200" dirty="0">
+                <a:latin typeface="Segoe UI Semibold"/>
+                <a:cs typeface="Segoe UI Semibold"/>
+              </a:rPr>
+              <a:t>, multiples </a:t>
+            </a:r>
+            <a:r>
+              <a:rPr lang="en-US" sz="3200" dirty="0" err="1">
+                <a:latin typeface="Segoe UI Semibold"/>
+                <a:cs typeface="Segoe UI Semibold"/>
+              </a:rPr>
+              <a:t>plataformas</a:t>
+            </a:r>
+            <a:endParaRPr lang="en-US" sz="3200" dirty="0"/>
+          </a:p>
+        </p:txBody>
+      </p:sp>
+      <p:sp>
+        <p:nvSpPr>
+          <p:cNvPr id="6" name="Content Placeholder 2">
+            <a:extLst>
+              <a:ext uri="{FF2B5EF4-FFF2-40B4-BE49-F238E27FC236}">
+                <a16:creationId xmlns:a16="http://schemas.microsoft.com/office/drawing/2014/main" id="{AC81F8B9-8203-4DB3-932F-AB15DF79780D}"/>
+              </a:ext>
+            </a:extLst>
+          </p:cNvPr>
+          <p:cNvSpPr txBox="1">
+            <a:spLocks/>
+          </p:cNvSpPr>
+          <p:nvPr/>
+        </p:nvSpPr>
+        <p:spPr>
+          <a:xfrm>
+            <a:off x="457200" y="2142642"/>
+            <a:ext cx="7706412" cy="3761754"/>
+          </a:xfrm>
+          <a:prstGeom prst="rect">
+            <a:avLst/>
+          </a:prstGeom>
+        </p:spPr>
+        <p:txBody>
+          <a:bodyPr vert="horz" lIns="91440" tIns="45720" rIns="91440" bIns="45720" rtlCol="0" anchor="t">
+            <a:normAutofit fontScale="92500"/>
+          </a:bodyPr>
+          <a:lstStyle>
+            <a:lvl1pPr marL="336145" marR="0" indent="-336145" algn="l" defTabSz="914367" rtl="0" eaLnBrk="1" fontAlgn="auto" latinLnBrk="0" hangingPunct="1">
+              <a:lnSpc>
+                <a:spcPct val="90000"/>
+              </a:lnSpc>
+              <a:spcBef>
+                <a:spcPct val="20000"/>
+              </a:spcBef>
+              <a:spcAft>
+                <a:spcPts val="0"/>
+              </a:spcAft>
+              <a:buClrTx/>
+              <a:buSzPct val="90000"/>
+              <a:buFont typeface="Arial" pitchFamily="34" charset="0"/>
+              <a:buChar char="•"/>
+              <a:tabLst/>
+              <a:defRPr sz="3921" kern="1200" spc="0" baseline="0">
+                <a:gradFill>
+                  <a:gsLst>
+                    <a:gs pos="1250">
+                      <a:schemeClr val="tx1"/>
+                    </a:gs>
+                    <a:gs pos="100000">
+                      <a:schemeClr val="tx1"/>
+                    </a:gs>
+                  </a:gsLst>
+                  <a:lin ang="5400000" scaled="0"/>
+                </a:gradFill>
+                <a:latin typeface="+mj-lt"/>
+                <a:ea typeface="+mn-ea"/>
+                <a:cs typeface="+mn-cs"/>
+              </a:defRPr>
+            </a:lvl1pPr>
+            <a:lvl2pPr marL="572691" marR="0" indent="-236546" algn="l" defTabSz="914367" rtl="0" eaLnBrk="1" fontAlgn="auto" latinLnBrk="0" hangingPunct="1">
+              <a:lnSpc>
+                <a:spcPct val="90000"/>
+              </a:lnSpc>
+              <a:spcBef>
+                <a:spcPct val="20000"/>
+              </a:spcBef>
+              <a:spcAft>
+                <a:spcPts val="0"/>
+              </a:spcAft>
+              <a:buClrTx/>
+              <a:buSzPct val="90000"/>
+              <a:buFont typeface="Arial" pitchFamily="34" charset="0"/>
+              <a:buChar char="•"/>
+              <a:tabLst/>
+              <a:defRPr sz="2353" kern="1200" spc="0" baseline="0">
+                <a:gradFill>
+                  <a:gsLst>
+                    <a:gs pos="1250">
+                      <a:schemeClr val="tx1"/>
+                    </a:gs>
+                    <a:gs pos="100000">
+                      <a:schemeClr val="tx1"/>
+                    </a:gs>
+                  </a:gsLst>
+                  <a:lin ang="5400000" scaled="0"/>
+                </a:gradFill>
+                <a:latin typeface="+mn-lt"/>
+                <a:ea typeface="+mn-ea"/>
+                <a:cs typeface="+mn-cs"/>
+              </a:defRPr>
+            </a:lvl2pPr>
+            <a:lvl3pPr marL="784338" marR="0" indent="-224097" algn="l" defTabSz="914367" rtl="0" eaLnBrk="1" fontAlgn="auto" latinLnBrk="0" hangingPunct="1">
+              <a:lnSpc>
+                <a:spcPct val="90000"/>
+              </a:lnSpc>
+              <a:spcBef>
+                <a:spcPct val="20000"/>
+              </a:spcBef>
+              <a:spcAft>
+                <a:spcPts val="0"/>
+              </a:spcAft>
+              <a:buClrTx/>
+              <a:buSzPct val="90000"/>
+              <a:buFont typeface="Arial" pitchFamily="34" charset="0"/>
+              <a:buChar char="•"/>
+              <a:tabLst/>
+              <a:defRPr sz="1961" kern="1200" spc="0" baseline="0">
+                <a:gradFill>
+                  <a:gsLst>
+                    <a:gs pos="1250">
+                      <a:schemeClr val="tx1"/>
+                    </a:gs>
+                    <a:gs pos="100000">
+                      <a:schemeClr val="tx1"/>
+                    </a:gs>
+                  </a:gsLst>
+                  <a:lin ang="5400000" scaled="0"/>
+                </a:gradFill>
+                <a:latin typeface="+mn-lt"/>
+                <a:ea typeface="+mn-ea"/>
+                <a:cs typeface="+mn-cs"/>
+              </a:defRPr>
+            </a:lvl3pPr>
+            <a:lvl4pPr marL="1008435" marR="0" indent="-224097" algn="l" defTabSz="914367" rtl="0" eaLnBrk="1" fontAlgn="auto" latinLnBrk="0" hangingPunct="1">
+              <a:lnSpc>
+                <a:spcPct val="90000"/>
+              </a:lnSpc>
+              <a:spcBef>
+                <a:spcPct val="20000"/>
+              </a:spcBef>
+              <a:spcAft>
+                <a:spcPts val="0"/>
+              </a:spcAft>
+              <a:buClrTx/>
+              <a:buSzPct val="90000"/>
+              <a:buFont typeface="Arial" pitchFamily="34" charset="0"/>
+              <a:buChar char="•"/>
+              <a:tabLst/>
+              <a:defRPr sz="1765" kern="1200" spc="0" baseline="0">
+                <a:gradFill>
+                  <a:gsLst>
+                    <a:gs pos="1250">
+                      <a:schemeClr val="tx1"/>
+                    </a:gs>
+                    <a:gs pos="100000">
+                      <a:schemeClr val="tx1"/>
+                    </a:gs>
+                  </a:gsLst>
+                  <a:lin ang="5400000" scaled="0"/>
+                </a:gradFill>
+                <a:latin typeface="+mn-lt"/>
+                <a:ea typeface="+mn-ea"/>
+                <a:cs typeface="+mn-cs"/>
+              </a:defRPr>
+            </a:lvl4pPr>
+            <a:lvl5pPr marL="1232531" marR="0" indent="-224097" algn="l" defTabSz="914367" rtl="0" eaLnBrk="1" fontAlgn="auto" latinLnBrk="0" hangingPunct="1">
+              <a:lnSpc>
+                <a:spcPct val="90000"/>
+              </a:lnSpc>
+              <a:spcBef>
+                <a:spcPct val="20000"/>
+              </a:spcBef>
+              <a:spcAft>
+                <a:spcPts val="0"/>
+              </a:spcAft>
+              <a:buClrTx/>
+              <a:buSzPct val="90000"/>
+              <a:buFont typeface="Arial" pitchFamily="34" charset="0"/>
+              <a:buChar char="•"/>
+              <a:tabLst/>
+              <a:defRPr sz="1765" kern="1200" spc="0" baseline="0">
+                <a:gradFill>
+                  <a:gsLst>
+                    <a:gs pos="1250">
+                      <a:schemeClr val="tx1"/>
+                    </a:gs>
+                    <a:gs pos="100000">
+                      <a:schemeClr val="tx1"/>
+                    </a:gs>
+                  </a:gsLst>
+                  <a:lin ang="5400000" scaled="0"/>
+                </a:gradFill>
+                <a:latin typeface="+mn-lt"/>
+                <a:ea typeface="+mn-ea"/>
+                <a:cs typeface="+mn-cs"/>
+              </a:defRPr>
+            </a:lvl5pPr>
+            <a:lvl6pPr marL="2514509" indent="-228592" algn="l" defTabSz="914367" rtl="0" eaLnBrk="1" latinLnBrk="0" hangingPunct="1">
+              <a:spcBef>
+                <a:spcPct val="20000"/>
+              </a:spcBef>
+              <a:buFont typeface="Arial" pitchFamily="34" charset="0"/>
+              <a:buChar char="•"/>
+              <a:defRPr sz="1961" kern="1200">
+                <a:solidFill>
+                  <a:schemeClr val="tx1"/>
+                </a:solidFill>
+                <a:latin typeface="+mn-lt"/>
+                <a:ea typeface="+mn-ea"/>
+                <a:cs typeface="+mn-cs"/>
+              </a:defRPr>
+            </a:lvl6pPr>
+            <a:lvl7pPr marL="2971693" indent="-228592" algn="l" defTabSz="914367" rtl="0" eaLnBrk="1" latinLnBrk="0" hangingPunct="1">
+              <a:spcBef>
+                <a:spcPct val="20000"/>
+              </a:spcBef>
+              <a:buFont typeface="Arial" pitchFamily="34" charset="0"/>
+              <a:buChar char="•"/>
+              <a:defRPr sz="1961" kern="1200">
+                <a:solidFill>
+                  <a:schemeClr val="tx1"/>
+                </a:solidFill>
+                <a:latin typeface="+mn-lt"/>
+                <a:ea typeface="+mn-ea"/>
+                <a:cs typeface="+mn-cs"/>
+              </a:defRPr>
+            </a:lvl7pPr>
+            <a:lvl8pPr marL="3428877" indent="-228592" algn="l" defTabSz="914367" rtl="0" eaLnBrk="1" latinLnBrk="0" hangingPunct="1">
+              <a:spcBef>
+                <a:spcPct val="20000"/>
+              </a:spcBef>
+              <a:buFont typeface="Arial" pitchFamily="34" charset="0"/>
+              <a:buChar char="•"/>
+              <a:defRPr sz="1961" kern="1200">
+                <a:solidFill>
+                  <a:schemeClr val="tx1"/>
+                </a:solidFill>
+                <a:latin typeface="+mn-lt"/>
+                <a:ea typeface="+mn-ea"/>
+                <a:cs typeface="+mn-cs"/>
+              </a:defRPr>
+            </a:lvl8pPr>
+            <a:lvl9pPr marL="3886061" indent="-228592" algn="l" defTabSz="914367" rtl="0" eaLnBrk="1" latinLnBrk="0" hangingPunct="1">
+              <a:spcBef>
+                <a:spcPct val="20000"/>
+              </a:spcBef>
+              <a:buFont typeface="Arial" pitchFamily="34" charset="0"/>
+              <a:buChar char="•"/>
+              <a:defRPr sz="1961" kern="1200">
+                <a:solidFill>
+                  <a:schemeClr val="tx1"/>
+                </a:solidFill>
+                <a:latin typeface="+mn-lt"/>
+                <a:ea typeface="+mn-ea"/>
+                <a:cs typeface="+mn-cs"/>
+              </a:defRPr>
+            </a:lvl9pPr>
+          </a:lstStyle>
+          <a:p>
+            <a:pPr algn="l">
+              <a:buFont typeface="Arial" panose="020B0604020202020204" pitchFamily="34" charset="0"/>
+              <a:buChar char="•"/>
+            </a:pPr>
+            <a:r>
+              <a:rPr lang="es-ES" sz="2400" b="0" i="0" dirty="0">
+                <a:solidFill>
+                  <a:srgbClr val="171717"/>
+                </a:solidFill>
+                <a:effectLst/>
+                <a:latin typeface="Segoe UI" panose="020B0502040204020203" pitchFamily="34" charset="0"/>
+              </a:rPr>
+              <a:t>Un solo proyecto compartido que pueda tener como destino Android, iOS, macOS y Windows.</a:t>
+            </a:r>
+          </a:p>
+          <a:p>
+            <a:pPr algn="l">
+              <a:buFont typeface="Arial" panose="020B0604020202020204" pitchFamily="34" charset="0"/>
+              <a:buChar char="•"/>
+            </a:pPr>
+            <a:r>
+              <a:rPr lang="es-ES" sz="2400" b="0" i="0" dirty="0">
+                <a:solidFill>
+                  <a:srgbClr val="171717"/>
+                </a:solidFill>
+                <a:effectLst/>
+                <a:latin typeface="Segoe UI" panose="020B0502040204020203" pitchFamily="34" charset="0"/>
+              </a:rPr>
+              <a:t>Selección simplificada de destino de depuración para ejecutar las aplicaciones .NET MAUI.</a:t>
+            </a:r>
+          </a:p>
+          <a:p>
+            <a:pPr algn="l">
+              <a:buFont typeface="Arial" panose="020B0604020202020204" pitchFamily="34" charset="0"/>
+              <a:buChar char="•"/>
+            </a:pPr>
+            <a:r>
+              <a:rPr lang="es-ES" sz="2400" b="0" i="0" dirty="0">
+                <a:solidFill>
+                  <a:srgbClr val="171717"/>
+                </a:solidFill>
+                <a:effectLst/>
+                <a:latin typeface="Segoe UI" panose="020B0502040204020203" pitchFamily="34" charset="0"/>
+              </a:rPr>
+              <a:t>Archivos de recursos compartidos dentro del único proyecto.</a:t>
+            </a:r>
+          </a:p>
+          <a:p>
+            <a:pPr algn="l">
+              <a:buFont typeface="Arial" panose="020B0604020202020204" pitchFamily="34" charset="0"/>
+              <a:buChar char="•"/>
+            </a:pPr>
+            <a:r>
+              <a:rPr lang="es-ES" sz="2400" b="0" i="0" dirty="0">
+                <a:solidFill>
+                  <a:srgbClr val="171717"/>
+                </a:solidFill>
+                <a:effectLst/>
+                <a:latin typeface="Segoe UI" panose="020B0502040204020203" pitchFamily="34" charset="0"/>
+              </a:rPr>
+              <a:t>Un único manifiesto de aplicación que especifica el título, el identificador y la versión de la aplicación.</a:t>
+            </a:r>
+          </a:p>
+          <a:p>
+            <a:pPr algn="l">
+              <a:buFont typeface="Arial" panose="020B0604020202020204" pitchFamily="34" charset="0"/>
+              <a:buChar char="•"/>
+            </a:pPr>
+            <a:r>
+              <a:rPr lang="es-ES" sz="2400" b="0" i="0" dirty="0">
+                <a:solidFill>
+                  <a:srgbClr val="171717"/>
+                </a:solidFill>
+                <a:effectLst/>
+                <a:latin typeface="Segoe UI" panose="020B0502040204020203" pitchFamily="34" charset="0"/>
+              </a:rPr>
+              <a:t>Acceso a las API y herramientas específicas de la plataforma cuando sea necesario.</a:t>
+            </a:r>
+          </a:p>
+          <a:p>
+            <a:pPr algn="l">
+              <a:buFont typeface="Arial" panose="020B0604020202020204" pitchFamily="34" charset="0"/>
+              <a:buChar char="•"/>
+            </a:pPr>
+            <a:r>
+              <a:rPr lang="es-ES" sz="2400" b="0" i="0" dirty="0">
+                <a:solidFill>
+                  <a:srgbClr val="171717"/>
+                </a:solidFill>
+                <a:effectLst/>
+                <a:latin typeface="Segoe UI" panose="020B0502040204020203" pitchFamily="34" charset="0"/>
+              </a:rPr>
+              <a:t>Un único punto de entrada de aplicación multiplataforma.</a:t>
+            </a:r>
+          </a:p>
+        </p:txBody>
+      </p:sp>
+      <p:pic>
+        <p:nvPicPr>
+          <p:cNvPr id="7" name="Picture 11" descr="Graphical user interface, application&#10;&#10;Description automatically generated">
+            <a:extLst>
+              <a:ext uri="{FF2B5EF4-FFF2-40B4-BE49-F238E27FC236}">
+                <a16:creationId xmlns:a16="http://schemas.microsoft.com/office/drawing/2014/main" id="{470494EC-A51C-4FDF-97A1-32EC9FEA52D7}"/>
+              </a:ext>
+            </a:extLst>
+          </p:cNvPr>
+          <p:cNvPicPr>
+            <a:picLocks noChangeAspect="1"/>
+          </p:cNvPicPr>
+          <p:nvPr/>
+        </p:nvPicPr>
+        <p:blipFill>
+          <a:blip r:embed="rId2"/>
+          <a:stretch>
+            <a:fillRect/>
+          </a:stretch>
+        </p:blipFill>
+        <p:spPr>
+          <a:xfrm>
+            <a:off x="8424894" y="2142642"/>
+            <a:ext cx="2162432" cy="4114800"/>
+          </a:xfrm>
+          <a:prstGeom prst="rect">
+            <a:avLst/>
+          </a:prstGeom>
+        </p:spPr>
+      </p:pic>
+    </p:spTree>
+    <p:extLst>
+      <p:ext uri="{BB962C8B-B14F-4D97-AF65-F5344CB8AC3E}">
+        <p14:creationId xmlns:p14="http://schemas.microsoft.com/office/powerpoint/2010/main" val="4188744797"/>
+      </p:ext>
+    </p:extLst>
+  </p:cSld>
+  <p:clrMapOvr>
+    <a:masterClrMapping/>
+  </p:clrMapOvr>
+  <p:transition>
+    <p:fade/>
+  </p:transition>
+</p:sld>
+</file>
+
+<file path=ppt/slides/slide3.xml><?xml version="1.0" encoding="utf-8"?>
+<p:sld xmlns:a="http://schemas.openxmlformats.org/drawingml/2006/main" xmlns:r="http://schemas.openxmlformats.org/officeDocument/2006/relationships" xmlns:p="http://schemas.openxmlformats.org/presentationml/2006/main">
+  <p:cSld>
+    <p:spTree>
+      <p:nvGrpSpPr>
+        <p:cNvPr id="1" name=""/>
+        <p:cNvGrpSpPr/>
+        <p:nvPr/>
+      </p:nvGrpSpPr>
+      <p:grpSpPr>
+        <a:xfrm>
+          <a:off x="0" y="0"/>
+          <a:ext cx="0" cy="0"/>
+          <a:chOff x="0" y="0"/>
+          <a:chExt cx="0" cy="0"/>
+        </a:xfrm>
+      </p:grpSpPr>
+      <p:sp>
+        <p:nvSpPr>
+          <p:cNvPr id="3" name="Title 2">
+            <a:extLst>
+              <a:ext uri="{FF2B5EF4-FFF2-40B4-BE49-F238E27FC236}">
+                <a16:creationId xmlns:a16="http://schemas.microsoft.com/office/drawing/2014/main" id="{652E2BA4-9FC0-4828-A940-3704183398DF}"/>
+              </a:ext>
+            </a:extLst>
+          </p:cNvPr>
+          <p:cNvSpPr>
+            <a:spLocks noGrp="1"/>
+          </p:cNvSpPr>
+          <p:nvPr>
+            <p:ph type="title"/>
+          </p:nvPr>
+        </p:nvSpPr>
+        <p:spPr/>
+        <p:txBody>
+          <a:bodyPr/>
+          <a:lstStyle/>
+          <a:p>
+            <a:r>
+              <a:rPr lang="es-ES" sz="7200" dirty="0">
+                <a:solidFill>
+                  <a:schemeClr val="bg1"/>
+                </a:solidFill>
+              </a:rPr>
+              <a:t>Recursos</a:t>
+            </a:r>
+            <a:endParaRPr lang="en-US" sz="7200" dirty="0">
+              <a:solidFill>
+                <a:schemeClr val="bg1"/>
+              </a:solidFill>
+            </a:endParaRPr>
+          </a:p>
+        </p:txBody>
+      </p:sp>
+    </p:spTree>
+    <p:extLst>
+      <p:ext uri="{BB962C8B-B14F-4D97-AF65-F5344CB8AC3E}">
+        <p14:creationId xmlns:p14="http://schemas.microsoft.com/office/powerpoint/2010/main" val="970838278"/>
+      </p:ext>
+    </p:extLst>
+  </p:cSld>
+  <p:clrMapOvr>
+    <a:masterClrMapping/>
+  </p:clrMapOvr>
+  <p:transition spd="med"/>
+</p:sld>
+</file>
+
+<file path=ppt/slides/slide4.xml><?xml version="1.0" encoding="utf-8"?>
+<p:sld xmlns:a="http://schemas.openxmlformats.org/drawingml/2006/main" xmlns:r="http://schemas.openxmlformats.org/officeDocument/2006/relationships" xmlns:p="http://schemas.openxmlformats.org/presentationml/2006/main">
+  <p:cSld>
+    <p:spTree>
+      <p:nvGrpSpPr>
+        <p:cNvPr id="1" name=""/>
+        <p:cNvGrpSpPr/>
+        <p:nvPr/>
+      </p:nvGrpSpPr>
+      <p:grpSpPr>
+        <a:xfrm>
+          <a:off x="0" y="0"/>
+          <a:ext cx="0" cy="0"/>
+          <a:chOff x="0" y="0"/>
+          <a:chExt cx="0" cy="0"/>
+        </a:xfrm>
+      </p:grpSpPr>
+      <p:sp>
+        <p:nvSpPr>
+          <p:cNvPr id="5" name="Title 1">
+            <a:extLst>
+              <a:ext uri="{FF2B5EF4-FFF2-40B4-BE49-F238E27FC236}">
+                <a16:creationId xmlns:a16="http://schemas.microsoft.com/office/drawing/2014/main" id="{01388D49-B47C-45BB-B53B-F6092580BE6E}"/>
+              </a:ext>
+            </a:extLst>
+          </p:cNvPr>
+          <p:cNvSpPr>
+            <a:spLocks noGrp="1"/>
+          </p:cNvSpPr>
+          <p:nvPr>
+            <p:ph type="title"/>
+          </p:nvPr>
+        </p:nvSpPr>
+        <p:spPr>
+          <a:xfrm>
+            <a:off x="457200" y="1123122"/>
+            <a:ext cx="7706412" cy="591378"/>
+          </a:xfrm>
+        </p:spPr>
+        <p:txBody>
+          <a:bodyPr>
+            <a:noAutofit/>
+          </a:bodyPr>
+          <a:lstStyle/>
+          <a:p>
+            <a:r>
+              <a:rPr lang="en-US" sz="3200" dirty="0" err="1">
+                <a:latin typeface="Segoe UI Semibold"/>
+                <a:cs typeface="Segoe UI Semibold"/>
+              </a:rPr>
+              <a:t>Recursos</a:t>
+            </a:r>
+            <a:endParaRPr lang="en-US" sz="3200" dirty="0"/>
+          </a:p>
+        </p:txBody>
+      </p:sp>
+      <p:sp>
+        <p:nvSpPr>
+          <p:cNvPr id="6" name="Content Placeholder 2">
+            <a:extLst>
+              <a:ext uri="{FF2B5EF4-FFF2-40B4-BE49-F238E27FC236}">
+                <a16:creationId xmlns:a16="http://schemas.microsoft.com/office/drawing/2014/main" id="{AC81F8B9-8203-4DB3-932F-AB15DF79780D}"/>
+              </a:ext>
+            </a:extLst>
+          </p:cNvPr>
+          <p:cNvSpPr txBox="1">
+            <a:spLocks/>
+          </p:cNvSpPr>
+          <p:nvPr/>
+        </p:nvSpPr>
+        <p:spPr>
+          <a:xfrm>
+            <a:off x="457200" y="2142642"/>
+            <a:ext cx="11222610" cy="1286358"/>
+          </a:xfrm>
+          <a:prstGeom prst="rect">
+            <a:avLst/>
+          </a:prstGeom>
+        </p:spPr>
+        <p:txBody>
+          <a:bodyPr vert="horz" lIns="91440" tIns="45720" rIns="91440" bIns="45720" rtlCol="0" anchor="t">
+            <a:noAutofit/>
+          </a:bodyPr>
+          <a:lstStyle>
+            <a:lvl1pPr marL="336145" marR="0" indent="-336145" algn="l" defTabSz="914367" rtl="0" eaLnBrk="1" fontAlgn="auto" latinLnBrk="0" hangingPunct="1">
+              <a:lnSpc>
+                <a:spcPct val="90000"/>
+              </a:lnSpc>
+              <a:spcBef>
+                <a:spcPct val="20000"/>
+              </a:spcBef>
+              <a:spcAft>
+                <a:spcPts val="0"/>
+              </a:spcAft>
+              <a:buClrTx/>
+              <a:buSzPct val="90000"/>
+              <a:buFont typeface="Arial" pitchFamily="34" charset="0"/>
+              <a:buChar char="•"/>
+              <a:tabLst/>
+              <a:defRPr sz="3921" kern="1200" spc="0" baseline="0">
+                <a:gradFill>
+                  <a:gsLst>
+                    <a:gs pos="1250">
+                      <a:schemeClr val="tx1"/>
+                    </a:gs>
+                    <a:gs pos="100000">
+                      <a:schemeClr val="tx1"/>
+                    </a:gs>
+                  </a:gsLst>
+                  <a:lin ang="5400000" scaled="0"/>
+                </a:gradFill>
+                <a:latin typeface="+mj-lt"/>
+                <a:ea typeface="+mn-ea"/>
+                <a:cs typeface="+mn-cs"/>
+              </a:defRPr>
+            </a:lvl1pPr>
+            <a:lvl2pPr marL="572691" marR="0" indent="-236546" algn="l" defTabSz="914367" rtl="0" eaLnBrk="1" fontAlgn="auto" latinLnBrk="0" hangingPunct="1">
+              <a:lnSpc>
+                <a:spcPct val="90000"/>
+              </a:lnSpc>
+              <a:spcBef>
+                <a:spcPct val="20000"/>
+              </a:spcBef>
+              <a:spcAft>
+                <a:spcPts val="0"/>
+              </a:spcAft>
+              <a:buClrTx/>
+              <a:buSzPct val="90000"/>
+              <a:buFont typeface="Arial" pitchFamily="34" charset="0"/>
+              <a:buChar char="•"/>
+              <a:tabLst/>
+              <a:defRPr sz="2353" kern="1200" spc="0" baseline="0">
+                <a:gradFill>
+                  <a:gsLst>
+                    <a:gs pos="1250">
+                      <a:schemeClr val="tx1"/>
+                    </a:gs>
+                    <a:gs pos="100000">
+                      <a:schemeClr val="tx1"/>
+                    </a:gs>
+                  </a:gsLst>
+                  <a:lin ang="5400000" scaled="0"/>
+                </a:gradFill>
+                <a:latin typeface="+mn-lt"/>
+                <a:ea typeface="+mn-ea"/>
+                <a:cs typeface="+mn-cs"/>
+              </a:defRPr>
+            </a:lvl2pPr>
+            <a:lvl3pPr marL="784338" marR="0" indent="-224097" algn="l" defTabSz="914367" rtl="0" eaLnBrk="1" fontAlgn="auto" latinLnBrk="0" hangingPunct="1">
+              <a:lnSpc>
+                <a:spcPct val="90000"/>
+              </a:lnSpc>
+              <a:spcBef>
+                <a:spcPct val="20000"/>
+              </a:spcBef>
+              <a:spcAft>
+                <a:spcPts val="0"/>
+              </a:spcAft>
+              <a:buClrTx/>
+              <a:buSzPct val="90000"/>
+              <a:buFont typeface="Arial" pitchFamily="34" charset="0"/>
+              <a:buChar char="•"/>
+              <a:tabLst/>
+              <a:defRPr sz="1961" kern="1200" spc="0" baseline="0">
+                <a:gradFill>
+                  <a:gsLst>
+                    <a:gs pos="1250">
+                      <a:schemeClr val="tx1"/>
+                    </a:gs>
+                    <a:gs pos="100000">
+                      <a:schemeClr val="tx1"/>
+                    </a:gs>
+                  </a:gsLst>
+                  <a:lin ang="5400000" scaled="0"/>
+                </a:gradFill>
+                <a:latin typeface="+mn-lt"/>
+                <a:ea typeface="+mn-ea"/>
+                <a:cs typeface="+mn-cs"/>
+              </a:defRPr>
+            </a:lvl3pPr>
+            <a:lvl4pPr marL="1008435" marR="0" indent="-224097" algn="l" defTabSz="914367" rtl="0" eaLnBrk="1" fontAlgn="auto" latinLnBrk="0" hangingPunct="1">
+              <a:lnSpc>
+                <a:spcPct val="90000"/>
+              </a:lnSpc>
+              <a:spcBef>
+                <a:spcPct val="20000"/>
+              </a:spcBef>
+              <a:spcAft>
+                <a:spcPts val="0"/>
+              </a:spcAft>
+              <a:buClrTx/>
+              <a:buSzPct val="90000"/>
+              <a:buFont typeface="Arial" pitchFamily="34" charset="0"/>
+              <a:buChar char="•"/>
+              <a:tabLst/>
+              <a:defRPr sz="1765" kern="1200" spc="0" baseline="0">
+                <a:gradFill>
+                  <a:gsLst>
+                    <a:gs pos="1250">
+                      <a:schemeClr val="tx1"/>
+                    </a:gs>
+                    <a:gs pos="100000">
+                      <a:schemeClr val="tx1"/>
+                    </a:gs>
+                  </a:gsLst>
+                  <a:lin ang="5400000" scaled="0"/>
+                </a:gradFill>
+                <a:latin typeface="+mn-lt"/>
+                <a:ea typeface="+mn-ea"/>
+                <a:cs typeface="+mn-cs"/>
+              </a:defRPr>
+            </a:lvl4pPr>
+            <a:lvl5pPr marL="1232531" marR="0" indent="-224097" algn="l" defTabSz="914367" rtl="0" eaLnBrk="1" fontAlgn="auto" latinLnBrk="0" hangingPunct="1">
+              <a:lnSpc>
+                <a:spcPct val="90000"/>
+              </a:lnSpc>
+              <a:spcBef>
+                <a:spcPct val="20000"/>
+              </a:spcBef>
+              <a:spcAft>
+                <a:spcPts val="0"/>
+              </a:spcAft>
+              <a:buClrTx/>
+              <a:buSzPct val="90000"/>
+              <a:buFont typeface="Arial" pitchFamily="34" charset="0"/>
+              <a:buChar char="•"/>
+              <a:tabLst/>
+              <a:defRPr sz="1765" kern="1200" spc="0" baseline="0">
+                <a:gradFill>
+                  <a:gsLst>
+                    <a:gs pos="1250">
+                      <a:schemeClr val="tx1"/>
+                    </a:gs>
+                    <a:gs pos="100000">
+                      <a:schemeClr val="tx1"/>
+                    </a:gs>
+                  </a:gsLst>
+                  <a:lin ang="5400000" scaled="0"/>
+                </a:gradFill>
+                <a:latin typeface="+mn-lt"/>
+                <a:ea typeface="+mn-ea"/>
+                <a:cs typeface="+mn-cs"/>
+              </a:defRPr>
+            </a:lvl5pPr>
+            <a:lvl6pPr marL="2514509" indent="-228592" algn="l" defTabSz="914367" rtl="0" eaLnBrk="1" latinLnBrk="0" hangingPunct="1">
+              <a:spcBef>
+                <a:spcPct val="20000"/>
+              </a:spcBef>
+              <a:buFont typeface="Arial" pitchFamily="34" charset="0"/>
+              <a:buChar char="•"/>
+              <a:defRPr sz="1961" kern="1200">
+                <a:solidFill>
+                  <a:schemeClr val="tx1"/>
+                </a:solidFill>
+                <a:latin typeface="+mn-lt"/>
+                <a:ea typeface="+mn-ea"/>
+                <a:cs typeface="+mn-cs"/>
+              </a:defRPr>
+            </a:lvl6pPr>
+            <a:lvl7pPr marL="2971693" indent="-228592" algn="l" defTabSz="914367" rtl="0" eaLnBrk="1" latinLnBrk="0" hangingPunct="1">
+              <a:spcBef>
+                <a:spcPct val="20000"/>
+              </a:spcBef>
+              <a:buFont typeface="Arial" pitchFamily="34" charset="0"/>
+              <a:buChar char="•"/>
+              <a:defRPr sz="1961" kern="1200">
+                <a:solidFill>
+                  <a:schemeClr val="tx1"/>
+                </a:solidFill>
+                <a:latin typeface="+mn-lt"/>
+                <a:ea typeface="+mn-ea"/>
+                <a:cs typeface="+mn-cs"/>
+              </a:defRPr>
+            </a:lvl7pPr>
+            <a:lvl8pPr marL="3428877" indent="-228592" algn="l" defTabSz="914367" rtl="0" eaLnBrk="1" latinLnBrk="0" hangingPunct="1">
+              <a:spcBef>
+                <a:spcPct val="20000"/>
+              </a:spcBef>
+              <a:buFont typeface="Arial" pitchFamily="34" charset="0"/>
+              <a:buChar char="•"/>
+              <a:defRPr sz="1961" kern="1200">
+                <a:solidFill>
+                  <a:schemeClr val="tx1"/>
+                </a:solidFill>
+                <a:latin typeface="+mn-lt"/>
+                <a:ea typeface="+mn-ea"/>
+                <a:cs typeface="+mn-cs"/>
+              </a:defRPr>
+            </a:lvl8pPr>
+            <a:lvl9pPr marL="3886061" indent="-228592" algn="l" defTabSz="914367" rtl="0" eaLnBrk="1" latinLnBrk="0" hangingPunct="1">
+              <a:spcBef>
+                <a:spcPct val="20000"/>
+              </a:spcBef>
+              <a:buFont typeface="Arial" pitchFamily="34" charset="0"/>
+              <a:buChar char="•"/>
+              <a:defRPr sz="1961" kern="1200">
+                <a:solidFill>
+                  <a:schemeClr val="tx1"/>
+                </a:solidFill>
+                <a:latin typeface="+mn-lt"/>
+                <a:ea typeface="+mn-ea"/>
+                <a:cs typeface="+mn-cs"/>
+              </a:defRPr>
+            </a:lvl9pPr>
+          </a:lstStyle>
+          <a:p>
+            <a:pPr marL="0" indent="0" algn="l">
+              <a:buNone/>
+            </a:pPr>
+            <a:r>
+              <a:rPr lang="es-ES" sz="1800" b="0" i="0" dirty="0">
+                <a:solidFill>
+                  <a:srgbClr val="171717"/>
+                </a:solidFill>
+                <a:effectLst/>
+                <a:latin typeface="Segoe UI" panose="020B0502040204020203" pitchFamily="34" charset="0"/>
+              </a:rPr>
+              <a:t>El proyecto único de .NET MAUI permite almacenar archivos de recursos en una única ubicación mientras se consumen en cada plataforma. Esto incluye fuentes, imágenes, el icono de la aplicación, la pantalla de presentación, los recursos sin procesar y los archivos CSS para aplicar estilos a aplicaciones .NET MAUI.</a:t>
+            </a:r>
+          </a:p>
+          <a:p>
+            <a:pPr marL="0" indent="0" algn="l">
+              <a:buNone/>
+            </a:pPr>
+            <a:endParaRPr lang="es-ES" sz="1800" dirty="0">
+              <a:solidFill>
+                <a:srgbClr val="171717"/>
+              </a:solidFill>
+              <a:latin typeface="Segoe UI" panose="020B0502040204020203" pitchFamily="34" charset="0"/>
+            </a:endParaRPr>
+          </a:p>
+          <a:p>
+            <a:pPr marL="0" indent="0" algn="l">
+              <a:buNone/>
+            </a:pPr>
+            <a:r>
+              <a:rPr lang="es-ES" sz="1800" dirty="0">
+                <a:solidFill>
+                  <a:srgbClr val="171717"/>
+                </a:solidFill>
+                <a:latin typeface="Segoe UI" panose="020B0502040204020203" pitchFamily="34" charset="0"/>
+              </a:rPr>
+              <a:t>L</a:t>
+            </a:r>
+            <a:r>
+              <a:rPr lang="es-ES" sz="1800" b="0" dirty="0">
+                <a:solidFill>
+                  <a:srgbClr val="171717"/>
+                </a:solidFill>
+                <a:effectLst/>
+                <a:latin typeface="Segoe UI" panose="020B0502040204020203" pitchFamily="34" charset="0"/>
+              </a:rPr>
+              <a:t>os archivos de recursos deben colocarse en la carpeta </a:t>
+            </a:r>
+            <a:r>
+              <a:rPr lang="es-ES" sz="1800" b="1" dirty="0" err="1">
+                <a:solidFill>
+                  <a:srgbClr val="171717"/>
+                </a:solidFill>
+                <a:effectLst/>
+                <a:latin typeface="Segoe UI" panose="020B0502040204020203" pitchFamily="34" charset="0"/>
+              </a:rPr>
+              <a:t>Resources</a:t>
+            </a:r>
+            <a:r>
+              <a:rPr lang="es-ES" sz="1800" b="0" dirty="0">
+                <a:solidFill>
+                  <a:srgbClr val="171717"/>
+                </a:solidFill>
+                <a:effectLst/>
+                <a:latin typeface="Segoe UI" panose="020B0502040204020203" pitchFamily="34" charset="0"/>
+              </a:rPr>
+              <a:t>.</a:t>
+            </a:r>
+          </a:p>
+        </p:txBody>
+      </p:sp>
+      <p:pic>
+        <p:nvPicPr>
+          <p:cNvPr id="3" name="Picture 2">
+            <a:extLst>
+              <a:ext uri="{FF2B5EF4-FFF2-40B4-BE49-F238E27FC236}">
+                <a16:creationId xmlns:a16="http://schemas.microsoft.com/office/drawing/2014/main" id="{A51895FD-21C5-4C06-87CB-5C54AD8696BB}"/>
+              </a:ext>
+            </a:extLst>
+          </p:cNvPr>
+          <p:cNvPicPr>
+            <a:picLocks noChangeAspect="1"/>
+          </p:cNvPicPr>
+          <p:nvPr/>
+        </p:nvPicPr>
+        <p:blipFill>
+          <a:blip r:embed="rId2"/>
+          <a:stretch>
+            <a:fillRect/>
+          </a:stretch>
+        </p:blipFill>
+        <p:spPr>
+          <a:xfrm>
+            <a:off x="1924050" y="3711951"/>
+            <a:ext cx="8343900" cy="2714625"/>
+          </a:xfrm>
+          <a:prstGeom prst="rect">
+            <a:avLst/>
+          </a:prstGeom>
+        </p:spPr>
+      </p:pic>
+    </p:spTree>
+    <p:extLst>
+      <p:ext uri="{BB962C8B-B14F-4D97-AF65-F5344CB8AC3E}">
+        <p14:creationId xmlns:p14="http://schemas.microsoft.com/office/powerpoint/2010/main" val="3510422990"/>
+      </p:ext>
+    </p:extLst>
+  </p:cSld>
+  <p:clrMapOvr>
+    <a:masterClrMapping/>
+  </p:clrMapOvr>
+  <p:transition>
+    <p:fade/>
+  </p:transition>
+</p:sld>
+</file>
+
+<file path=ppt/slides/slide5.xml><?xml version="1.0" encoding="utf-8"?>
+<p:sld xmlns:a="http://schemas.openxmlformats.org/drawingml/2006/main" xmlns:r="http://schemas.openxmlformats.org/officeDocument/2006/relationships" xmlns:p="http://schemas.openxmlformats.org/presentationml/2006/main">
+  <p:cSld>
+    <p:spTree>
+      <p:nvGrpSpPr>
+        <p:cNvPr id="1" name=""/>
+        <p:cNvGrpSpPr/>
+        <p:nvPr/>
+      </p:nvGrpSpPr>
+      <p:grpSpPr>
+        <a:xfrm>
+          <a:off x="0" y="0"/>
+          <a:ext cx="0" cy="0"/>
+          <a:chOff x="0" y="0"/>
+          <a:chExt cx="0" cy="0"/>
+        </a:xfrm>
+      </p:grpSpPr>
+      <p:sp>
+        <p:nvSpPr>
+          <p:cNvPr id="5" name="Title 1">
+            <a:extLst>
+              <a:ext uri="{FF2B5EF4-FFF2-40B4-BE49-F238E27FC236}">
+                <a16:creationId xmlns:a16="http://schemas.microsoft.com/office/drawing/2014/main" id="{01388D49-B47C-45BB-B53B-F6092580BE6E}"/>
+              </a:ext>
+            </a:extLst>
+          </p:cNvPr>
+          <p:cNvSpPr>
+            <a:spLocks noGrp="1"/>
+          </p:cNvSpPr>
+          <p:nvPr>
+            <p:ph type="title"/>
+          </p:nvPr>
+        </p:nvSpPr>
+        <p:spPr>
+          <a:xfrm>
+            <a:off x="457200" y="1123122"/>
+            <a:ext cx="7706412" cy="591378"/>
+          </a:xfrm>
+        </p:spPr>
+        <p:txBody>
+          <a:bodyPr>
+            <a:noAutofit/>
+          </a:bodyPr>
+          <a:lstStyle/>
+          <a:p>
+            <a:r>
+              <a:rPr lang="en-US" sz="3200" dirty="0" err="1">
+                <a:latin typeface="Segoe UI Semibold"/>
+                <a:cs typeface="Segoe UI Semibold"/>
+              </a:rPr>
+              <a:t>Recursos</a:t>
+            </a:r>
+            <a:endParaRPr lang="en-US" sz="3200" dirty="0"/>
+          </a:p>
+        </p:txBody>
+      </p:sp>
+      <p:sp>
+        <p:nvSpPr>
+          <p:cNvPr id="6" name="Content Placeholder 2">
+            <a:extLst>
+              <a:ext uri="{FF2B5EF4-FFF2-40B4-BE49-F238E27FC236}">
+                <a16:creationId xmlns:a16="http://schemas.microsoft.com/office/drawing/2014/main" id="{AC81F8B9-8203-4DB3-932F-AB15DF79780D}"/>
+              </a:ext>
+            </a:extLst>
+          </p:cNvPr>
+          <p:cNvSpPr txBox="1">
+            <a:spLocks/>
+          </p:cNvSpPr>
+          <p:nvPr/>
+        </p:nvSpPr>
+        <p:spPr>
+          <a:xfrm>
+            <a:off x="457200" y="2142642"/>
+            <a:ext cx="11222610" cy="713680"/>
+          </a:xfrm>
+          <a:prstGeom prst="rect">
+            <a:avLst/>
+          </a:prstGeom>
+        </p:spPr>
+        <p:txBody>
+          <a:bodyPr vert="horz" lIns="91440" tIns="45720" rIns="91440" bIns="45720" rtlCol="0" anchor="t">
+            <a:noAutofit/>
+          </a:bodyPr>
+          <a:lstStyle>
+            <a:lvl1pPr marL="336145" marR="0" indent="-336145" algn="l" defTabSz="914367" rtl="0" eaLnBrk="1" fontAlgn="auto" latinLnBrk="0" hangingPunct="1">
+              <a:lnSpc>
+                <a:spcPct val="90000"/>
+              </a:lnSpc>
+              <a:spcBef>
+                <a:spcPct val="20000"/>
+              </a:spcBef>
+              <a:spcAft>
+                <a:spcPts val="0"/>
+              </a:spcAft>
+              <a:buClrTx/>
+              <a:buSzPct val="90000"/>
+              <a:buFont typeface="Arial" pitchFamily="34" charset="0"/>
+              <a:buChar char="•"/>
+              <a:tabLst/>
+              <a:defRPr sz="3921" kern="1200" spc="0" baseline="0">
+                <a:gradFill>
+                  <a:gsLst>
+                    <a:gs pos="1250">
+                      <a:schemeClr val="tx1"/>
+                    </a:gs>
+                    <a:gs pos="100000">
+                      <a:schemeClr val="tx1"/>
+                    </a:gs>
+                  </a:gsLst>
+                  <a:lin ang="5400000" scaled="0"/>
+                </a:gradFill>
+                <a:latin typeface="+mj-lt"/>
+                <a:ea typeface="+mn-ea"/>
+                <a:cs typeface="+mn-cs"/>
+              </a:defRPr>
+            </a:lvl1pPr>
+            <a:lvl2pPr marL="572691" marR="0" indent="-236546" algn="l" defTabSz="914367" rtl="0" eaLnBrk="1" fontAlgn="auto" latinLnBrk="0" hangingPunct="1">
+              <a:lnSpc>
+                <a:spcPct val="90000"/>
+              </a:lnSpc>
+              <a:spcBef>
+                <a:spcPct val="20000"/>
+              </a:spcBef>
+              <a:spcAft>
+                <a:spcPts val="0"/>
+              </a:spcAft>
+              <a:buClrTx/>
+              <a:buSzPct val="90000"/>
+              <a:buFont typeface="Arial" pitchFamily="34" charset="0"/>
+              <a:buChar char="•"/>
+              <a:tabLst/>
+              <a:defRPr sz="2353" kern="1200" spc="0" baseline="0">
+                <a:gradFill>
+                  <a:gsLst>
+                    <a:gs pos="1250">
+                      <a:schemeClr val="tx1"/>
+                    </a:gs>
+                    <a:gs pos="100000">
+                      <a:schemeClr val="tx1"/>
+                    </a:gs>
+                  </a:gsLst>
+                  <a:lin ang="5400000" scaled="0"/>
+                </a:gradFill>
+                <a:latin typeface="+mn-lt"/>
+                <a:ea typeface="+mn-ea"/>
+                <a:cs typeface="+mn-cs"/>
+              </a:defRPr>
+            </a:lvl2pPr>
+            <a:lvl3pPr marL="784338" marR="0" indent="-224097" algn="l" defTabSz="914367" rtl="0" eaLnBrk="1" fontAlgn="auto" latinLnBrk="0" hangingPunct="1">
+              <a:lnSpc>
+                <a:spcPct val="90000"/>
+              </a:lnSpc>
+              <a:spcBef>
+                <a:spcPct val="20000"/>
+              </a:spcBef>
+              <a:spcAft>
+                <a:spcPts val="0"/>
+              </a:spcAft>
+              <a:buClrTx/>
+              <a:buSzPct val="90000"/>
+              <a:buFont typeface="Arial" pitchFamily="34" charset="0"/>
+              <a:buChar char="•"/>
+              <a:tabLst/>
+              <a:defRPr sz="1961" kern="1200" spc="0" baseline="0">
+                <a:gradFill>
+                  <a:gsLst>
+                    <a:gs pos="1250">
+                      <a:schemeClr val="tx1"/>
+                    </a:gs>
+                    <a:gs pos="100000">
+                      <a:schemeClr val="tx1"/>
+                    </a:gs>
+                  </a:gsLst>
+                  <a:lin ang="5400000" scaled="0"/>
+                </a:gradFill>
+                <a:latin typeface="+mn-lt"/>
+                <a:ea typeface="+mn-ea"/>
+                <a:cs typeface="+mn-cs"/>
+              </a:defRPr>
+            </a:lvl3pPr>
+            <a:lvl4pPr marL="1008435" marR="0" indent="-224097" algn="l" defTabSz="914367" rtl="0" eaLnBrk="1" fontAlgn="auto" latinLnBrk="0" hangingPunct="1">
+              <a:lnSpc>
+                <a:spcPct val="90000"/>
+              </a:lnSpc>
+              <a:spcBef>
+                <a:spcPct val="20000"/>
+              </a:spcBef>
+              <a:spcAft>
+                <a:spcPts val="0"/>
+              </a:spcAft>
+              <a:buClrTx/>
+              <a:buSzPct val="90000"/>
+              <a:buFont typeface="Arial" pitchFamily="34" charset="0"/>
+              <a:buChar char="•"/>
+              <a:tabLst/>
+              <a:defRPr sz="1765" kern="1200" spc="0" baseline="0">
+                <a:gradFill>
+                  <a:gsLst>
+                    <a:gs pos="1250">
+                      <a:schemeClr val="tx1"/>
+                    </a:gs>
+                    <a:gs pos="100000">
+                      <a:schemeClr val="tx1"/>
+                    </a:gs>
+                  </a:gsLst>
+                  <a:lin ang="5400000" scaled="0"/>
+                </a:gradFill>
+                <a:latin typeface="+mn-lt"/>
+                <a:ea typeface="+mn-ea"/>
+                <a:cs typeface="+mn-cs"/>
+              </a:defRPr>
+            </a:lvl4pPr>
+            <a:lvl5pPr marL="1232531" marR="0" indent="-224097" algn="l" defTabSz="914367" rtl="0" eaLnBrk="1" fontAlgn="auto" latinLnBrk="0" hangingPunct="1">
+              <a:lnSpc>
+                <a:spcPct val="90000"/>
+              </a:lnSpc>
+              <a:spcBef>
+                <a:spcPct val="20000"/>
+              </a:spcBef>
+              <a:spcAft>
+                <a:spcPts val="0"/>
+              </a:spcAft>
+              <a:buClrTx/>
+              <a:buSzPct val="90000"/>
+              <a:buFont typeface="Arial" pitchFamily="34" charset="0"/>
+              <a:buChar char="•"/>
+              <a:tabLst/>
+              <a:defRPr sz="1765" kern="1200" spc="0" baseline="0">
+                <a:gradFill>
+                  <a:gsLst>
+                    <a:gs pos="1250">
+                      <a:schemeClr val="tx1"/>
+                    </a:gs>
+                    <a:gs pos="100000">
+                      <a:schemeClr val="tx1"/>
+                    </a:gs>
+                  </a:gsLst>
+                  <a:lin ang="5400000" scaled="0"/>
+                </a:gradFill>
+                <a:latin typeface="+mn-lt"/>
+                <a:ea typeface="+mn-ea"/>
+                <a:cs typeface="+mn-cs"/>
+              </a:defRPr>
+            </a:lvl5pPr>
+            <a:lvl6pPr marL="2514509" indent="-228592" algn="l" defTabSz="914367" rtl="0" eaLnBrk="1" latinLnBrk="0" hangingPunct="1">
+              <a:spcBef>
+                <a:spcPct val="20000"/>
+              </a:spcBef>
+              <a:buFont typeface="Arial" pitchFamily="34" charset="0"/>
+              <a:buChar char="•"/>
+              <a:defRPr sz="1961" kern="1200">
+                <a:solidFill>
+                  <a:schemeClr val="tx1"/>
+                </a:solidFill>
+                <a:latin typeface="+mn-lt"/>
+                <a:ea typeface="+mn-ea"/>
+                <a:cs typeface="+mn-cs"/>
+              </a:defRPr>
+            </a:lvl6pPr>
+            <a:lvl7pPr marL="2971693" indent="-228592" algn="l" defTabSz="914367" rtl="0" eaLnBrk="1" latinLnBrk="0" hangingPunct="1">
+              <a:spcBef>
+                <a:spcPct val="20000"/>
+              </a:spcBef>
+              <a:buFont typeface="Arial" pitchFamily="34" charset="0"/>
+              <a:buChar char="•"/>
+              <a:defRPr sz="1961" kern="1200">
+                <a:solidFill>
+                  <a:schemeClr val="tx1"/>
+                </a:solidFill>
+                <a:latin typeface="+mn-lt"/>
+                <a:ea typeface="+mn-ea"/>
+                <a:cs typeface="+mn-cs"/>
+              </a:defRPr>
+            </a:lvl7pPr>
+            <a:lvl8pPr marL="3428877" indent="-228592" algn="l" defTabSz="914367" rtl="0" eaLnBrk="1" latinLnBrk="0" hangingPunct="1">
+              <a:spcBef>
+                <a:spcPct val="20000"/>
+              </a:spcBef>
+              <a:buFont typeface="Arial" pitchFamily="34" charset="0"/>
+              <a:buChar char="•"/>
+              <a:defRPr sz="1961" kern="1200">
+                <a:solidFill>
+                  <a:schemeClr val="tx1"/>
+                </a:solidFill>
+                <a:latin typeface="+mn-lt"/>
+                <a:ea typeface="+mn-ea"/>
+                <a:cs typeface="+mn-cs"/>
+              </a:defRPr>
+            </a:lvl8pPr>
+            <a:lvl9pPr marL="3886061" indent="-228592" algn="l" defTabSz="914367" rtl="0" eaLnBrk="1" latinLnBrk="0" hangingPunct="1">
+              <a:spcBef>
+                <a:spcPct val="20000"/>
+              </a:spcBef>
+              <a:buFont typeface="Arial" pitchFamily="34" charset="0"/>
+              <a:buChar char="•"/>
+              <a:defRPr sz="1961" kern="1200">
+                <a:solidFill>
+                  <a:schemeClr val="tx1"/>
+                </a:solidFill>
+                <a:latin typeface="+mn-lt"/>
+                <a:ea typeface="+mn-ea"/>
+                <a:cs typeface="+mn-cs"/>
+              </a:defRPr>
+            </a:lvl9pPr>
+          </a:lstStyle>
+          <a:p>
+            <a:pPr marL="0" indent="0" algn="l">
+              <a:buNone/>
+            </a:pPr>
+            <a:r>
+              <a:rPr lang="es-ES" sz="1800" b="0" i="0" dirty="0">
+                <a:solidFill>
+                  <a:srgbClr val="171717"/>
+                </a:solidFill>
+                <a:effectLst/>
+                <a:latin typeface="Segoe UI" panose="020B0502040204020203" pitchFamily="34" charset="0"/>
+              </a:rPr>
+              <a:t>Cuando se agrega un archivo de recursos a un proyecto de aplicación MAUI de .NET, se crea una entrada correspondiente para el recurso en el archivo del proyecto (.</a:t>
+            </a:r>
+            <a:r>
+              <a:rPr lang="es-ES" sz="1800" b="0" i="0" dirty="0" err="1">
+                <a:solidFill>
+                  <a:srgbClr val="171717"/>
+                </a:solidFill>
+                <a:effectLst/>
+                <a:latin typeface="Segoe UI" panose="020B0502040204020203" pitchFamily="34" charset="0"/>
+              </a:rPr>
+              <a:t>csproj</a:t>
+            </a:r>
+            <a:r>
+              <a:rPr lang="es-ES" sz="1800" b="0" i="0" dirty="0">
+                <a:solidFill>
+                  <a:srgbClr val="171717"/>
+                </a:solidFill>
+                <a:effectLst/>
+                <a:latin typeface="Segoe UI" panose="020B0502040204020203" pitchFamily="34" charset="0"/>
+              </a:rPr>
+              <a:t>).</a:t>
+            </a:r>
+            <a:endParaRPr lang="es-ES" sz="1800" b="0" dirty="0">
+              <a:solidFill>
+                <a:srgbClr val="171717"/>
+              </a:solidFill>
+              <a:effectLst/>
+              <a:latin typeface="Segoe UI" panose="020B0502040204020203" pitchFamily="34" charset="0"/>
+            </a:endParaRPr>
+          </a:p>
+        </p:txBody>
+      </p:sp>
+      <p:pic>
+        <p:nvPicPr>
+          <p:cNvPr id="7" name="Picture 6">
+            <a:extLst>
+              <a:ext uri="{FF2B5EF4-FFF2-40B4-BE49-F238E27FC236}">
+                <a16:creationId xmlns:a16="http://schemas.microsoft.com/office/drawing/2014/main" id="{ACBCA17D-EBDC-48E6-9DC2-3540EFE4292E}"/>
+              </a:ext>
+            </a:extLst>
+          </p:cNvPr>
+          <p:cNvPicPr>
+            <a:picLocks noChangeAspect="1"/>
+          </p:cNvPicPr>
+          <p:nvPr/>
+        </p:nvPicPr>
+        <p:blipFill>
+          <a:blip r:embed="rId2"/>
+          <a:stretch>
+            <a:fillRect/>
+          </a:stretch>
+        </p:blipFill>
+        <p:spPr>
+          <a:xfrm>
+            <a:off x="5664182" y="3162990"/>
+            <a:ext cx="3008477" cy="2001656"/>
+          </a:xfrm>
+          <a:prstGeom prst="rect">
+            <a:avLst/>
+          </a:prstGeom>
+        </p:spPr>
+      </p:pic>
+      <p:sp>
+        <p:nvSpPr>
+          <p:cNvPr id="9" name="TextBox 8">
+            <a:extLst>
+              <a:ext uri="{FF2B5EF4-FFF2-40B4-BE49-F238E27FC236}">
+                <a16:creationId xmlns:a16="http://schemas.microsoft.com/office/drawing/2014/main" id="{4E9ED69B-E61A-4AAE-88DE-E6A4A91707B9}"/>
+              </a:ext>
+            </a:extLst>
+          </p:cNvPr>
+          <p:cNvSpPr txBox="1"/>
+          <p:nvPr/>
+        </p:nvSpPr>
+        <p:spPr>
+          <a:xfrm>
+            <a:off x="582104" y="2856322"/>
+            <a:ext cx="5083405" cy="2308324"/>
+          </a:xfrm>
+          <a:prstGeom prst="rect">
+            <a:avLst/>
+          </a:prstGeom>
+          <a:noFill/>
+        </p:spPr>
+        <p:txBody>
+          <a:bodyPr wrap="square">
+            <a:spAutoFit/>
+          </a:bodyPr>
+          <a:lstStyle/>
+          <a:p>
+            <a:r>
+              <a:rPr lang="fr-FR" b="0" i="0" dirty="0">
+                <a:solidFill>
+                  <a:srgbClr val="0101FD"/>
+                </a:solidFill>
+                <a:effectLst/>
+                <a:latin typeface="SFMono-Regular"/>
+              </a:rPr>
+              <a:t>&lt;</a:t>
+            </a:r>
+            <a:r>
+              <a:rPr lang="fr-FR" b="0" i="0" dirty="0" err="1">
+                <a:solidFill>
+                  <a:srgbClr val="0101FD"/>
+                </a:solidFill>
+                <a:effectLst/>
+                <a:latin typeface="SFMono-Regular"/>
+              </a:rPr>
+              <a:t>ItemGroup</a:t>
+            </a:r>
+            <a:r>
+              <a:rPr lang="fr-FR" b="0" i="0" dirty="0">
+                <a:solidFill>
+                  <a:srgbClr val="0101FD"/>
+                </a:solidFill>
+                <a:effectLst/>
+                <a:latin typeface="SFMono-Regular"/>
+              </a:rPr>
+              <a:t>&gt;</a:t>
+            </a:r>
+            <a:r>
+              <a:rPr lang="fr-FR" b="0" i="0" dirty="0">
+                <a:solidFill>
+                  <a:srgbClr val="171717"/>
+                </a:solidFill>
+                <a:effectLst/>
+                <a:latin typeface="SFMono-Regular"/>
+              </a:rPr>
+              <a:t> </a:t>
+            </a:r>
+          </a:p>
+          <a:p>
+            <a:r>
+              <a:rPr lang="fr-FR" b="0" i="0" dirty="0">
+                <a:solidFill>
+                  <a:srgbClr val="008000"/>
+                </a:solidFill>
+                <a:effectLst/>
+                <a:latin typeface="SFMono-Regular"/>
+              </a:rPr>
+              <a:t>&lt;!-- Images --&gt;</a:t>
+            </a:r>
+            <a:r>
+              <a:rPr lang="fr-FR" b="0" i="0" dirty="0">
+                <a:solidFill>
+                  <a:srgbClr val="171717"/>
+                </a:solidFill>
+                <a:effectLst/>
+                <a:latin typeface="SFMono-Regular"/>
+              </a:rPr>
+              <a:t> </a:t>
+            </a:r>
+          </a:p>
+          <a:p>
+            <a:r>
+              <a:rPr lang="fr-FR" b="0" i="0" dirty="0">
+                <a:solidFill>
+                  <a:srgbClr val="0101FD"/>
+                </a:solidFill>
+                <a:effectLst/>
+                <a:latin typeface="SFMono-Regular"/>
+              </a:rPr>
+              <a:t>&lt;</a:t>
+            </a:r>
+            <a:r>
+              <a:rPr lang="fr-FR" b="0" i="0" dirty="0" err="1">
+                <a:solidFill>
+                  <a:srgbClr val="0101FD"/>
+                </a:solidFill>
+                <a:effectLst/>
+                <a:latin typeface="SFMono-Regular"/>
+              </a:rPr>
+              <a:t>MauiImage</a:t>
+            </a:r>
+            <a:r>
+              <a:rPr lang="fr-FR" b="0" i="0" dirty="0">
+                <a:solidFill>
+                  <a:srgbClr val="0101FD"/>
+                </a:solidFill>
+                <a:effectLst/>
+                <a:latin typeface="SFMono-Regular"/>
+              </a:rPr>
+              <a:t> </a:t>
+            </a:r>
+            <a:r>
+              <a:rPr lang="fr-FR" b="0" i="0" dirty="0" err="1">
+                <a:solidFill>
+                  <a:srgbClr val="0451A5"/>
+                </a:solidFill>
+                <a:effectLst/>
+                <a:latin typeface="SFMono-Regular"/>
+              </a:rPr>
+              <a:t>Include</a:t>
+            </a:r>
+            <a:r>
+              <a:rPr lang="fr-FR" b="0" i="0" dirty="0">
+                <a:solidFill>
+                  <a:srgbClr val="0101FD"/>
+                </a:solidFill>
+                <a:effectLst/>
+                <a:latin typeface="SFMono-Regular"/>
+              </a:rPr>
+              <a:t>=</a:t>
+            </a:r>
+            <a:r>
+              <a:rPr lang="fr-FR" b="0" i="0" dirty="0">
+                <a:solidFill>
+                  <a:srgbClr val="A31515"/>
+                </a:solidFill>
+                <a:effectLst/>
+                <a:latin typeface="SFMono-Regular"/>
+              </a:rPr>
+              <a:t>"</a:t>
+            </a:r>
+            <a:r>
+              <a:rPr lang="fr-FR" b="0" i="0" dirty="0" err="1">
+                <a:solidFill>
+                  <a:srgbClr val="A31515"/>
+                </a:solidFill>
+                <a:effectLst/>
+                <a:latin typeface="SFMono-Regular"/>
+              </a:rPr>
+              <a:t>Resources</a:t>
+            </a:r>
+            <a:r>
+              <a:rPr lang="fr-FR" b="0" i="0" dirty="0">
+                <a:solidFill>
+                  <a:srgbClr val="A31515"/>
+                </a:solidFill>
+                <a:effectLst/>
+                <a:latin typeface="SFMono-Regular"/>
+              </a:rPr>
+              <a:t>\Images\*"</a:t>
+            </a:r>
+            <a:r>
+              <a:rPr lang="fr-FR" b="0" i="0" dirty="0">
+                <a:solidFill>
+                  <a:srgbClr val="0101FD"/>
+                </a:solidFill>
+                <a:effectLst/>
+                <a:latin typeface="SFMono-Regular"/>
+              </a:rPr>
+              <a:t> /&gt;</a:t>
+            </a:r>
+            <a:r>
+              <a:rPr lang="fr-FR" b="0" i="0" dirty="0">
+                <a:solidFill>
+                  <a:srgbClr val="171717"/>
+                </a:solidFill>
+                <a:effectLst/>
+                <a:latin typeface="SFMono-Regular"/>
+              </a:rPr>
+              <a:t> </a:t>
+            </a:r>
+          </a:p>
+          <a:p>
+            <a:r>
+              <a:rPr lang="fr-FR" b="0" i="0" dirty="0">
+                <a:solidFill>
+                  <a:srgbClr val="008000"/>
+                </a:solidFill>
+                <a:effectLst/>
+                <a:latin typeface="SFMono-Regular"/>
+              </a:rPr>
+              <a:t>&lt;!-- Fonts --&gt;</a:t>
+            </a:r>
+            <a:r>
+              <a:rPr lang="fr-FR" b="0" i="0" dirty="0">
+                <a:solidFill>
+                  <a:srgbClr val="171717"/>
+                </a:solidFill>
+                <a:effectLst/>
+                <a:latin typeface="SFMono-Regular"/>
+              </a:rPr>
+              <a:t> </a:t>
+            </a:r>
+          </a:p>
+          <a:p>
+            <a:r>
+              <a:rPr lang="fr-FR" b="0" i="0" dirty="0">
+                <a:solidFill>
+                  <a:srgbClr val="0101FD"/>
+                </a:solidFill>
+                <a:effectLst/>
+                <a:latin typeface="SFMono-Regular"/>
+              </a:rPr>
+              <a:t>&lt;</a:t>
+            </a:r>
+            <a:r>
+              <a:rPr lang="fr-FR" b="0" i="0" dirty="0" err="1">
+                <a:solidFill>
+                  <a:srgbClr val="0101FD"/>
+                </a:solidFill>
+                <a:effectLst/>
+                <a:latin typeface="SFMono-Regular"/>
+              </a:rPr>
+              <a:t>MauiFont</a:t>
+            </a:r>
+            <a:r>
+              <a:rPr lang="fr-FR" b="0" i="0" dirty="0">
+                <a:solidFill>
+                  <a:srgbClr val="0101FD"/>
+                </a:solidFill>
+                <a:effectLst/>
+                <a:latin typeface="SFMono-Regular"/>
+              </a:rPr>
+              <a:t> </a:t>
+            </a:r>
+            <a:r>
+              <a:rPr lang="fr-FR" b="0" i="0" dirty="0" err="1">
+                <a:solidFill>
+                  <a:srgbClr val="0451A5"/>
+                </a:solidFill>
+                <a:effectLst/>
+                <a:latin typeface="SFMono-Regular"/>
+              </a:rPr>
+              <a:t>Include</a:t>
+            </a:r>
+            <a:r>
+              <a:rPr lang="fr-FR" b="0" i="0" dirty="0">
+                <a:solidFill>
+                  <a:srgbClr val="0101FD"/>
+                </a:solidFill>
+                <a:effectLst/>
+                <a:latin typeface="SFMono-Regular"/>
+              </a:rPr>
+              <a:t>=</a:t>
+            </a:r>
+            <a:r>
+              <a:rPr lang="fr-FR" b="0" i="0" dirty="0">
+                <a:solidFill>
+                  <a:srgbClr val="A31515"/>
+                </a:solidFill>
+                <a:effectLst/>
+                <a:latin typeface="SFMono-Regular"/>
+              </a:rPr>
+              <a:t>"</a:t>
+            </a:r>
+            <a:r>
+              <a:rPr lang="fr-FR" b="0" i="0" dirty="0" err="1">
+                <a:solidFill>
+                  <a:srgbClr val="A31515"/>
+                </a:solidFill>
+                <a:effectLst/>
+                <a:latin typeface="SFMono-Regular"/>
+              </a:rPr>
+              <a:t>Resources</a:t>
+            </a:r>
+            <a:r>
+              <a:rPr lang="fr-FR" b="0" i="0" dirty="0">
+                <a:solidFill>
+                  <a:srgbClr val="A31515"/>
+                </a:solidFill>
+                <a:effectLst/>
+                <a:latin typeface="SFMono-Regular"/>
+              </a:rPr>
+              <a:t>\Fonts\*"</a:t>
+            </a:r>
+            <a:r>
+              <a:rPr lang="fr-FR" b="0" i="0" dirty="0">
+                <a:solidFill>
+                  <a:srgbClr val="0101FD"/>
+                </a:solidFill>
+                <a:effectLst/>
+                <a:latin typeface="SFMono-Regular"/>
+              </a:rPr>
+              <a:t> /&gt;</a:t>
+            </a:r>
+            <a:r>
+              <a:rPr lang="fr-FR" b="0" i="0" dirty="0">
+                <a:solidFill>
+                  <a:srgbClr val="171717"/>
+                </a:solidFill>
+                <a:effectLst/>
+                <a:latin typeface="SFMono-Regular"/>
+              </a:rPr>
+              <a:t> </a:t>
+            </a:r>
+          </a:p>
+          <a:p>
+            <a:r>
+              <a:rPr lang="fr-FR" b="0" i="0" dirty="0">
+                <a:solidFill>
+                  <a:srgbClr val="008000"/>
+                </a:solidFill>
+                <a:effectLst/>
+                <a:latin typeface="SFMono-Regular"/>
+              </a:rPr>
+              <a:t>&lt;!-- Assets --&gt;</a:t>
+            </a:r>
+            <a:r>
+              <a:rPr lang="fr-FR" b="0" i="0" dirty="0">
+                <a:solidFill>
+                  <a:srgbClr val="171717"/>
+                </a:solidFill>
+                <a:effectLst/>
+                <a:latin typeface="SFMono-Regular"/>
+              </a:rPr>
+              <a:t> </a:t>
+            </a:r>
+          </a:p>
+          <a:p>
+            <a:r>
+              <a:rPr lang="fr-FR" b="0" i="0" dirty="0">
+                <a:solidFill>
+                  <a:srgbClr val="0101FD"/>
+                </a:solidFill>
+                <a:effectLst/>
+                <a:latin typeface="SFMono-Regular"/>
+              </a:rPr>
+              <a:t>&lt;</a:t>
+            </a:r>
+            <a:r>
+              <a:rPr lang="fr-FR" b="0" i="0" dirty="0" err="1">
+                <a:solidFill>
+                  <a:srgbClr val="0101FD"/>
+                </a:solidFill>
+                <a:effectLst/>
+                <a:latin typeface="SFMono-Regular"/>
+              </a:rPr>
+              <a:t>MauiAsset</a:t>
+            </a:r>
+            <a:r>
+              <a:rPr lang="fr-FR" b="0" i="0" dirty="0">
+                <a:solidFill>
+                  <a:srgbClr val="0101FD"/>
+                </a:solidFill>
+                <a:effectLst/>
+                <a:latin typeface="SFMono-Regular"/>
+              </a:rPr>
+              <a:t> </a:t>
+            </a:r>
+            <a:r>
+              <a:rPr lang="fr-FR" b="0" i="0" dirty="0" err="1">
+                <a:solidFill>
+                  <a:srgbClr val="0451A5"/>
+                </a:solidFill>
+                <a:effectLst/>
+                <a:latin typeface="SFMono-Regular"/>
+              </a:rPr>
+              <a:t>Include</a:t>
+            </a:r>
+            <a:r>
+              <a:rPr lang="fr-FR" b="0" i="0" dirty="0">
+                <a:solidFill>
+                  <a:srgbClr val="0101FD"/>
+                </a:solidFill>
+                <a:effectLst/>
+                <a:latin typeface="SFMono-Regular"/>
+              </a:rPr>
+              <a:t>=</a:t>
+            </a:r>
+            <a:r>
+              <a:rPr lang="fr-FR" b="0" i="0" dirty="0">
+                <a:solidFill>
+                  <a:srgbClr val="A31515"/>
+                </a:solidFill>
+                <a:effectLst/>
+                <a:latin typeface="SFMono-Regular"/>
+              </a:rPr>
+              <a:t>"</a:t>
+            </a:r>
+            <a:r>
+              <a:rPr lang="fr-FR" b="0" i="0" dirty="0" err="1">
+                <a:solidFill>
+                  <a:srgbClr val="A31515"/>
+                </a:solidFill>
+                <a:effectLst/>
+                <a:latin typeface="SFMono-Regular"/>
+              </a:rPr>
+              <a:t>Resources</a:t>
+            </a:r>
+            <a:r>
+              <a:rPr lang="fr-FR" b="0" i="0" dirty="0">
+                <a:solidFill>
+                  <a:srgbClr val="A31515"/>
+                </a:solidFill>
+                <a:effectLst/>
+                <a:latin typeface="SFMono-Regular"/>
+              </a:rPr>
+              <a:t>\Assets\*"</a:t>
+            </a:r>
+            <a:r>
+              <a:rPr lang="fr-FR" b="0" i="0" dirty="0">
+                <a:solidFill>
+                  <a:srgbClr val="0101FD"/>
+                </a:solidFill>
+                <a:effectLst/>
+                <a:latin typeface="SFMono-Regular"/>
+              </a:rPr>
+              <a:t> /&gt;</a:t>
+            </a:r>
+            <a:r>
+              <a:rPr lang="fr-FR" b="0" i="0" dirty="0">
+                <a:solidFill>
+                  <a:srgbClr val="171717"/>
+                </a:solidFill>
+                <a:effectLst/>
+                <a:latin typeface="SFMono-Regular"/>
+              </a:rPr>
+              <a:t> </a:t>
+            </a:r>
+            <a:r>
+              <a:rPr lang="fr-FR" b="0" i="0" dirty="0">
+                <a:solidFill>
+                  <a:srgbClr val="0101FD"/>
+                </a:solidFill>
+                <a:effectLst/>
+                <a:latin typeface="SFMono-Regular"/>
+              </a:rPr>
+              <a:t>&lt;/</a:t>
+            </a:r>
+            <a:r>
+              <a:rPr lang="fr-FR" b="0" i="0" dirty="0" err="1">
+                <a:solidFill>
+                  <a:srgbClr val="0101FD"/>
+                </a:solidFill>
+                <a:effectLst/>
+                <a:latin typeface="SFMono-Regular"/>
+              </a:rPr>
+              <a:t>ItemGroup</a:t>
+            </a:r>
+            <a:r>
+              <a:rPr lang="fr-FR" b="0" i="0" dirty="0">
+                <a:solidFill>
+                  <a:srgbClr val="0101FD"/>
+                </a:solidFill>
+                <a:effectLst/>
+                <a:latin typeface="SFMono-Regular"/>
+              </a:rPr>
+              <a:t>&gt;</a:t>
+            </a:r>
+            <a:endParaRPr lang="en-US" dirty="0"/>
+          </a:p>
+        </p:txBody>
+      </p:sp>
+    </p:spTree>
+    <p:extLst>
+      <p:ext uri="{BB962C8B-B14F-4D97-AF65-F5344CB8AC3E}">
+        <p14:creationId xmlns:p14="http://schemas.microsoft.com/office/powerpoint/2010/main" val="4119905293"/>
+      </p:ext>
+    </p:extLst>
+  </p:cSld>
+  <p:clrMapOvr>
+    <a:masterClrMapping/>
+  </p:clrMapOvr>
+  <p:transition>
+    <p:fade/>
+  </p:transition>
+</p:sld>
+</file>
+
+<file path=ppt/slides/slide6.xml><?xml version="1.0" encoding="utf-8"?>
+<p:sld xmlns:a="http://schemas.openxmlformats.org/drawingml/2006/main" xmlns:r="http://schemas.openxmlformats.org/officeDocument/2006/relationships" xmlns:p="http://schemas.openxmlformats.org/presentationml/2006/main">
+  <p:cSld>
+    <p:spTree>
+      <p:nvGrpSpPr>
+        <p:cNvPr id="1" name=""/>
+        <p:cNvGrpSpPr/>
+        <p:nvPr/>
+      </p:nvGrpSpPr>
+      <p:grpSpPr>
+        <a:xfrm>
+          <a:off x="0" y="0"/>
+          <a:ext cx="0" cy="0"/>
+          <a:chOff x="0" y="0"/>
+          <a:chExt cx="0" cy="0"/>
+        </a:xfrm>
+      </p:grpSpPr>
+      <p:sp>
+        <p:nvSpPr>
+          <p:cNvPr id="5" name="Title 1">
+            <a:extLst>
+              <a:ext uri="{FF2B5EF4-FFF2-40B4-BE49-F238E27FC236}">
+                <a16:creationId xmlns:a16="http://schemas.microsoft.com/office/drawing/2014/main" id="{01388D49-B47C-45BB-B53B-F6092580BE6E}"/>
+              </a:ext>
+            </a:extLst>
+          </p:cNvPr>
+          <p:cNvSpPr>
+            <a:spLocks noGrp="1"/>
+          </p:cNvSpPr>
+          <p:nvPr>
+            <p:ph type="title"/>
+          </p:nvPr>
+        </p:nvSpPr>
+        <p:spPr>
+          <a:xfrm>
+            <a:off x="457200" y="1123122"/>
+            <a:ext cx="7706412" cy="591378"/>
+          </a:xfrm>
+        </p:spPr>
+        <p:txBody>
+          <a:bodyPr>
+            <a:noAutofit/>
+          </a:bodyPr>
+          <a:lstStyle/>
+          <a:p>
+            <a:r>
+              <a:rPr lang="es-ES" sz="3200" dirty="0">
+                <a:latin typeface="Segoe UI Semibold"/>
+                <a:cs typeface="Segoe UI Semibold"/>
+              </a:rPr>
+              <a:t>I</a:t>
+            </a:r>
+            <a:r>
+              <a:rPr lang="en-US" sz="3200" dirty="0" err="1">
+                <a:latin typeface="Segoe UI Semibold"/>
+                <a:cs typeface="Segoe UI Semibold"/>
+              </a:rPr>
+              <a:t>cono</a:t>
+            </a:r>
+            <a:r>
+              <a:rPr lang="en-US" sz="3200" dirty="0">
+                <a:latin typeface="Segoe UI Semibold"/>
+                <a:cs typeface="Segoe UI Semibold"/>
+              </a:rPr>
+              <a:t> de la </a:t>
+            </a:r>
+            <a:r>
+              <a:rPr lang="en-US" sz="3200" dirty="0" err="1">
+                <a:latin typeface="Segoe UI Semibold"/>
+                <a:cs typeface="Segoe UI Semibold"/>
+              </a:rPr>
+              <a:t>aplicación</a:t>
+            </a:r>
+            <a:endParaRPr lang="en-US" sz="3200" dirty="0"/>
+          </a:p>
+        </p:txBody>
+      </p:sp>
+      <p:sp>
+        <p:nvSpPr>
+          <p:cNvPr id="6" name="Content Placeholder 2">
+            <a:extLst>
+              <a:ext uri="{FF2B5EF4-FFF2-40B4-BE49-F238E27FC236}">
+                <a16:creationId xmlns:a16="http://schemas.microsoft.com/office/drawing/2014/main" id="{AC81F8B9-8203-4DB3-932F-AB15DF79780D}"/>
+              </a:ext>
+            </a:extLst>
+          </p:cNvPr>
+          <p:cNvSpPr txBox="1">
+            <a:spLocks/>
+          </p:cNvSpPr>
+          <p:nvPr/>
+        </p:nvSpPr>
+        <p:spPr>
+          <a:xfrm>
+            <a:off x="457200" y="2142642"/>
+            <a:ext cx="11222610" cy="2542480"/>
+          </a:xfrm>
+          <a:prstGeom prst="rect">
+            <a:avLst/>
+          </a:prstGeom>
+        </p:spPr>
+        <p:txBody>
+          <a:bodyPr vert="horz" lIns="91440" tIns="45720" rIns="91440" bIns="45720" rtlCol="0" anchor="t">
+            <a:noAutofit/>
+          </a:bodyPr>
+          <a:lstStyle>
+            <a:lvl1pPr marL="336145" marR="0" indent="-336145" algn="l" defTabSz="914367" rtl="0" eaLnBrk="1" fontAlgn="auto" latinLnBrk="0" hangingPunct="1">
+              <a:lnSpc>
+                <a:spcPct val="90000"/>
+              </a:lnSpc>
+              <a:spcBef>
+                <a:spcPct val="20000"/>
+              </a:spcBef>
+              <a:spcAft>
+                <a:spcPts val="0"/>
+              </a:spcAft>
+              <a:buClrTx/>
+              <a:buSzPct val="90000"/>
+              <a:buFont typeface="Arial" pitchFamily="34" charset="0"/>
+              <a:buChar char="•"/>
+              <a:tabLst/>
+              <a:defRPr sz="3921" kern="1200" spc="0" baseline="0">
+                <a:gradFill>
+                  <a:gsLst>
+                    <a:gs pos="1250">
+                      <a:schemeClr val="tx1"/>
+                    </a:gs>
+                    <a:gs pos="100000">
+                      <a:schemeClr val="tx1"/>
+                    </a:gs>
+                  </a:gsLst>
+                  <a:lin ang="5400000" scaled="0"/>
+                </a:gradFill>
+                <a:latin typeface="+mj-lt"/>
+                <a:ea typeface="+mn-ea"/>
+                <a:cs typeface="+mn-cs"/>
+              </a:defRPr>
+            </a:lvl1pPr>
+            <a:lvl2pPr marL="572691" marR="0" indent="-236546" algn="l" defTabSz="914367" rtl="0" eaLnBrk="1" fontAlgn="auto" latinLnBrk="0" hangingPunct="1">
+              <a:lnSpc>
+                <a:spcPct val="90000"/>
+              </a:lnSpc>
+              <a:spcBef>
+                <a:spcPct val="20000"/>
+              </a:spcBef>
+              <a:spcAft>
+                <a:spcPts val="0"/>
+              </a:spcAft>
+              <a:buClrTx/>
+              <a:buSzPct val="90000"/>
+              <a:buFont typeface="Arial" pitchFamily="34" charset="0"/>
+              <a:buChar char="•"/>
+              <a:tabLst/>
+              <a:defRPr sz="2353" kern="1200" spc="0" baseline="0">
+                <a:gradFill>
+                  <a:gsLst>
+                    <a:gs pos="1250">
+                      <a:schemeClr val="tx1"/>
+                    </a:gs>
+                    <a:gs pos="100000">
+                      <a:schemeClr val="tx1"/>
+                    </a:gs>
+                  </a:gsLst>
+                  <a:lin ang="5400000" scaled="0"/>
+                </a:gradFill>
+                <a:latin typeface="+mn-lt"/>
+                <a:ea typeface="+mn-ea"/>
+                <a:cs typeface="+mn-cs"/>
+              </a:defRPr>
+            </a:lvl2pPr>
+            <a:lvl3pPr marL="784338" marR="0" indent="-224097" algn="l" defTabSz="914367" rtl="0" eaLnBrk="1" fontAlgn="auto" latinLnBrk="0" hangingPunct="1">
+              <a:lnSpc>
+                <a:spcPct val="90000"/>
+              </a:lnSpc>
+              <a:spcBef>
+                <a:spcPct val="20000"/>
+              </a:spcBef>
+              <a:spcAft>
+                <a:spcPts val="0"/>
+              </a:spcAft>
+              <a:buClrTx/>
+              <a:buSzPct val="90000"/>
+              <a:buFont typeface="Arial" pitchFamily="34" charset="0"/>
+              <a:buChar char="•"/>
+              <a:tabLst/>
+              <a:defRPr sz="1961" kern="1200" spc="0" baseline="0">
+                <a:gradFill>
+                  <a:gsLst>
+                    <a:gs pos="1250">
+                      <a:schemeClr val="tx1"/>
+                    </a:gs>
+                    <a:gs pos="100000">
+                      <a:schemeClr val="tx1"/>
+                    </a:gs>
+                  </a:gsLst>
+                  <a:lin ang="5400000" scaled="0"/>
+                </a:gradFill>
+                <a:latin typeface="+mn-lt"/>
+                <a:ea typeface="+mn-ea"/>
+                <a:cs typeface="+mn-cs"/>
+              </a:defRPr>
+            </a:lvl3pPr>
+            <a:lvl4pPr marL="1008435" marR="0" indent="-224097" algn="l" defTabSz="914367" rtl="0" eaLnBrk="1" fontAlgn="auto" latinLnBrk="0" hangingPunct="1">
+              <a:lnSpc>
+                <a:spcPct val="90000"/>
+              </a:lnSpc>
+              <a:spcBef>
+                <a:spcPct val="20000"/>
+              </a:spcBef>
+              <a:spcAft>
+                <a:spcPts val="0"/>
+              </a:spcAft>
+              <a:buClrTx/>
+              <a:buSzPct val="90000"/>
+              <a:buFont typeface="Arial" pitchFamily="34" charset="0"/>
+              <a:buChar char="•"/>
+              <a:tabLst/>
+              <a:defRPr sz="1765" kern="1200" spc="0" baseline="0">
+                <a:gradFill>
+                  <a:gsLst>
+                    <a:gs pos="1250">
+                      <a:schemeClr val="tx1"/>
+                    </a:gs>
+                    <a:gs pos="100000">
+                      <a:schemeClr val="tx1"/>
+                    </a:gs>
+                  </a:gsLst>
+                  <a:lin ang="5400000" scaled="0"/>
+                </a:gradFill>
+                <a:latin typeface="+mn-lt"/>
+                <a:ea typeface="+mn-ea"/>
+                <a:cs typeface="+mn-cs"/>
+              </a:defRPr>
+            </a:lvl4pPr>
+            <a:lvl5pPr marL="1232531" marR="0" indent="-224097" algn="l" defTabSz="914367" rtl="0" eaLnBrk="1" fontAlgn="auto" latinLnBrk="0" hangingPunct="1">
+              <a:lnSpc>
+                <a:spcPct val="90000"/>
+              </a:lnSpc>
+              <a:spcBef>
+                <a:spcPct val="20000"/>
+              </a:spcBef>
+              <a:spcAft>
+                <a:spcPts val="0"/>
+              </a:spcAft>
+              <a:buClrTx/>
+              <a:buSzPct val="90000"/>
+              <a:buFont typeface="Arial" pitchFamily="34" charset="0"/>
+              <a:buChar char="•"/>
+              <a:tabLst/>
+              <a:defRPr sz="1765" kern="1200" spc="0" baseline="0">
+                <a:gradFill>
+                  <a:gsLst>
+                    <a:gs pos="1250">
+                      <a:schemeClr val="tx1"/>
+                    </a:gs>
+                    <a:gs pos="100000">
+                      <a:schemeClr val="tx1"/>
+                    </a:gs>
+                  </a:gsLst>
+                  <a:lin ang="5400000" scaled="0"/>
+                </a:gradFill>
+                <a:latin typeface="+mn-lt"/>
+                <a:ea typeface="+mn-ea"/>
+                <a:cs typeface="+mn-cs"/>
+              </a:defRPr>
+            </a:lvl5pPr>
+            <a:lvl6pPr marL="2514509" indent="-228592" algn="l" defTabSz="914367" rtl="0" eaLnBrk="1" latinLnBrk="0" hangingPunct="1">
+              <a:spcBef>
+                <a:spcPct val="20000"/>
+              </a:spcBef>
+              <a:buFont typeface="Arial" pitchFamily="34" charset="0"/>
+              <a:buChar char="•"/>
+              <a:defRPr sz="1961" kern="1200">
+                <a:solidFill>
+                  <a:schemeClr val="tx1"/>
+                </a:solidFill>
+                <a:latin typeface="+mn-lt"/>
+                <a:ea typeface="+mn-ea"/>
+                <a:cs typeface="+mn-cs"/>
+              </a:defRPr>
+            </a:lvl6pPr>
+            <a:lvl7pPr marL="2971693" indent="-228592" algn="l" defTabSz="914367" rtl="0" eaLnBrk="1" latinLnBrk="0" hangingPunct="1">
+              <a:spcBef>
+                <a:spcPct val="20000"/>
+              </a:spcBef>
+              <a:buFont typeface="Arial" pitchFamily="34" charset="0"/>
+              <a:buChar char="•"/>
+              <a:defRPr sz="1961" kern="1200">
+                <a:solidFill>
+                  <a:schemeClr val="tx1"/>
+                </a:solidFill>
+                <a:latin typeface="+mn-lt"/>
+                <a:ea typeface="+mn-ea"/>
+                <a:cs typeface="+mn-cs"/>
+              </a:defRPr>
+            </a:lvl7pPr>
+            <a:lvl8pPr marL="3428877" indent="-228592" algn="l" defTabSz="914367" rtl="0" eaLnBrk="1" latinLnBrk="0" hangingPunct="1">
+              <a:spcBef>
+                <a:spcPct val="20000"/>
+              </a:spcBef>
+              <a:buFont typeface="Arial" pitchFamily="34" charset="0"/>
+              <a:buChar char="•"/>
+              <a:defRPr sz="1961" kern="1200">
+                <a:solidFill>
+                  <a:schemeClr val="tx1"/>
+                </a:solidFill>
+                <a:latin typeface="+mn-lt"/>
+                <a:ea typeface="+mn-ea"/>
+                <a:cs typeface="+mn-cs"/>
+              </a:defRPr>
+            </a:lvl8pPr>
+            <a:lvl9pPr marL="3886061" indent="-228592" algn="l" defTabSz="914367" rtl="0" eaLnBrk="1" latinLnBrk="0" hangingPunct="1">
+              <a:spcBef>
+                <a:spcPct val="20000"/>
+              </a:spcBef>
+              <a:buFont typeface="Arial" pitchFamily="34" charset="0"/>
+              <a:buChar char="•"/>
+              <a:defRPr sz="1961" kern="1200">
+                <a:solidFill>
+                  <a:schemeClr val="tx1"/>
+                </a:solidFill>
+                <a:latin typeface="+mn-lt"/>
+                <a:ea typeface="+mn-ea"/>
+                <a:cs typeface="+mn-cs"/>
+              </a:defRPr>
+            </a:lvl9pPr>
+          </a:lstStyle>
+          <a:p>
+            <a:pPr marL="0" indent="0" algn="l">
+              <a:buNone/>
+            </a:pPr>
+            <a:r>
+              <a:rPr lang="es-ES" sz="1800" b="0" i="0" dirty="0">
+                <a:solidFill>
+                  <a:srgbClr val="171717"/>
+                </a:solidFill>
+                <a:effectLst/>
+                <a:latin typeface="Segoe UI" panose="020B0502040204020203" pitchFamily="34" charset="0"/>
+              </a:rPr>
+              <a:t>Se puede agregar un icono de aplicación al proyecto de aplicación arrastrando una imagen a la carpeta </a:t>
+            </a:r>
+            <a:r>
+              <a:rPr lang="es-ES" sz="1800" b="0" i="0" dirty="0" err="1">
+                <a:solidFill>
+                  <a:srgbClr val="171717"/>
+                </a:solidFill>
+                <a:effectLst/>
+                <a:latin typeface="Segoe UI" panose="020B0502040204020203" pitchFamily="34" charset="0"/>
+              </a:rPr>
+              <a:t>Resources</a:t>
+            </a:r>
+            <a:r>
+              <a:rPr lang="es-ES" sz="1800" b="0" i="0" dirty="0">
+                <a:solidFill>
+                  <a:srgbClr val="171717"/>
+                </a:solidFill>
+                <a:effectLst/>
+                <a:latin typeface="Segoe UI" panose="020B0502040204020203" pitchFamily="34" charset="0"/>
+              </a:rPr>
+              <a:t>\</a:t>
+            </a:r>
+            <a:r>
+              <a:rPr lang="es-ES" sz="1800" b="0" i="0" dirty="0" err="1">
+                <a:solidFill>
+                  <a:srgbClr val="171717"/>
+                </a:solidFill>
+                <a:effectLst/>
+                <a:latin typeface="Segoe UI" panose="020B0502040204020203" pitchFamily="34" charset="0"/>
+              </a:rPr>
+              <a:t>Images</a:t>
+            </a:r>
+            <a:r>
+              <a:rPr lang="es-ES" sz="1800" b="0" i="0" dirty="0">
+                <a:solidFill>
+                  <a:srgbClr val="171717"/>
+                </a:solidFill>
+                <a:effectLst/>
+                <a:latin typeface="Segoe UI" panose="020B0502040204020203" pitchFamily="34" charset="0"/>
+              </a:rPr>
+              <a:t> del proyecto y estableciendo la acción de compilación del icono en </a:t>
+            </a:r>
+            <a:r>
+              <a:rPr lang="es-ES" sz="1800" b="1" i="0" dirty="0" err="1">
+                <a:solidFill>
+                  <a:srgbClr val="171717"/>
+                </a:solidFill>
+                <a:effectLst/>
+                <a:latin typeface="Segoe UI" panose="020B0502040204020203" pitchFamily="34" charset="0"/>
+              </a:rPr>
+              <a:t>MauiIcon</a:t>
+            </a:r>
+            <a:r>
+              <a:rPr lang="es-ES" sz="1800" b="0" i="0" dirty="0">
+                <a:solidFill>
+                  <a:srgbClr val="171717"/>
+                </a:solidFill>
+                <a:effectLst/>
+                <a:latin typeface="Segoe UI" panose="020B0502040204020203" pitchFamily="34" charset="0"/>
+              </a:rPr>
+              <a:t> en la ventana Propiedades.</a:t>
+            </a:r>
+          </a:p>
+          <a:p>
+            <a:pPr marL="0" indent="0" algn="l">
+              <a:buNone/>
+            </a:pPr>
+            <a:endParaRPr lang="es-ES" sz="1800" dirty="0">
+              <a:solidFill>
+                <a:srgbClr val="171717"/>
+              </a:solidFill>
+              <a:latin typeface="Segoe UI" panose="020B0502040204020203" pitchFamily="34" charset="0"/>
+            </a:endParaRPr>
+          </a:p>
+          <a:p>
+            <a:pPr marL="0" indent="0" algn="l">
+              <a:buNone/>
+            </a:pPr>
+            <a:endParaRPr lang="es-ES" sz="1800" b="0" dirty="0">
+              <a:solidFill>
+                <a:srgbClr val="171717"/>
+              </a:solidFill>
+              <a:effectLst/>
+              <a:latin typeface="Segoe UI" panose="020B0502040204020203" pitchFamily="34" charset="0"/>
+            </a:endParaRPr>
+          </a:p>
+          <a:p>
+            <a:pPr marL="0" indent="0" algn="l">
+              <a:buNone/>
+            </a:pPr>
+            <a:endParaRPr lang="es-ES" sz="1800" dirty="0">
+              <a:solidFill>
+                <a:srgbClr val="171717"/>
+              </a:solidFill>
+              <a:latin typeface="Segoe UI" panose="020B0502040204020203" pitchFamily="34" charset="0"/>
+            </a:endParaRPr>
+          </a:p>
+          <a:p>
+            <a:pPr marL="0" indent="0" algn="l">
+              <a:buNone/>
+            </a:pPr>
+            <a:r>
+              <a:rPr lang="es-ES" sz="1800" b="0" dirty="0">
+                <a:solidFill>
+                  <a:srgbClr val="171717"/>
+                </a:solidFill>
+                <a:effectLst/>
+                <a:latin typeface="Segoe UI" panose="020B0502040204020203" pitchFamily="34" charset="0"/>
+              </a:rPr>
+              <a:t>En tiempo de compilación, las imágenes se pueden cambiar de tamaño a las resoluciones correctas para la plataforma y el dispositivo de destino.</a:t>
+            </a:r>
+          </a:p>
+        </p:txBody>
+      </p:sp>
+      <p:sp>
+        <p:nvSpPr>
+          <p:cNvPr id="7" name="TextBox 6">
+            <a:extLst>
+              <a:ext uri="{FF2B5EF4-FFF2-40B4-BE49-F238E27FC236}">
+                <a16:creationId xmlns:a16="http://schemas.microsoft.com/office/drawing/2014/main" id="{261E3C6F-80D2-469F-BE93-7A2108237EED}"/>
+              </a:ext>
+            </a:extLst>
+          </p:cNvPr>
+          <p:cNvSpPr txBox="1"/>
+          <p:nvPr/>
+        </p:nvSpPr>
+        <p:spPr>
+          <a:xfrm>
+            <a:off x="457200" y="3244334"/>
+            <a:ext cx="6537488" cy="369332"/>
+          </a:xfrm>
+          <a:prstGeom prst="rect">
+            <a:avLst/>
+          </a:prstGeom>
+          <a:noFill/>
+        </p:spPr>
+        <p:txBody>
+          <a:bodyPr wrap="square">
+            <a:spAutoFit/>
+          </a:bodyPr>
+          <a:lstStyle/>
+          <a:p>
+            <a:r>
+              <a:rPr lang="en-US" b="0" i="0" dirty="0">
+                <a:solidFill>
+                  <a:srgbClr val="0101FD"/>
+                </a:solidFill>
+                <a:effectLst/>
+                <a:latin typeface="SFMono-Regular"/>
+              </a:rPr>
+              <a:t>&lt;</a:t>
+            </a:r>
+            <a:r>
+              <a:rPr lang="en-US" b="0" i="0" dirty="0" err="1">
+                <a:solidFill>
+                  <a:srgbClr val="0101FD"/>
+                </a:solidFill>
+                <a:effectLst/>
+                <a:latin typeface="SFMono-Regular"/>
+              </a:rPr>
+              <a:t>MauiIcon</a:t>
+            </a:r>
+            <a:r>
+              <a:rPr lang="en-US" b="0" i="0" dirty="0">
+                <a:solidFill>
+                  <a:srgbClr val="0101FD"/>
+                </a:solidFill>
+                <a:effectLst/>
+                <a:latin typeface="SFMono-Regular"/>
+              </a:rPr>
+              <a:t> </a:t>
+            </a:r>
+            <a:r>
+              <a:rPr lang="en-US" b="0" i="0" dirty="0">
+                <a:solidFill>
+                  <a:srgbClr val="0451A5"/>
+                </a:solidFill>
+                <a:effectLst/>
+                <a:latin typeface="SFMono-Regular"/>
+              </a:rPr>
+              <a:t>Include</a:t>
+            </a:r>
+            <a:r>
+              <a:rPr lang="en-US" b="0" i="0" dirty="0">
+                <a:solidFill>
+                  <a:srgbClr val="0101FD"/>
+                </a:solidFill>
+                <a:effectLst/>
+                <a:latin typeface="SFMono-Regular"/>
+              </a:rPr>
+              <a:t>=</a:t>
+            </a:r>
+            <a:r>
+              <a:rPr lang="en-US" b="0" i="0" dirty="0">
+                <a:solidFill>
+                  <a:srgbClr val="A31515"/>
+                </a:solidFill>
+                <a:effectLst/>
+                <a:latin typeface="SFMono-Regular"/>
+              </a:rPr>
+              <a:t>"Resources\Images\appicon.png"</a:t>
+            </a:r>
+            <a:r>
+              <a:rPr lang="en-US" b="0" i="0" dirty="0">
+                <a:solidFill>
+                  <a:srgbClr val="0101FD"/>
+                </a:solidFill>
+                <a:effectLst/>
+                <a:latin typeface="SFMono-Regular"/>
+              </a:rPr>
+              <a:t> /&gt;</a:t>
+            </a:r>
+            <a:endParaRPr lang="en-US" dirty="0"/>
+          </a:p>
+        </p:txBody>
+      </p:sp>
+    </p:spTree>
+    <p:extLst>
+      <p:ext uri="{BB962C8B-B14F-4D97-AF65-F5344CB8AC3E}">
+        <p14:creationId xmlns:p14="http://schemas.microsoft.com/office/powerpoint/2010/main" val="2031258699"/>
+      </p:ext>
+    </p:extLst>
+  </p:cSld>
+  <p:clrMapOvr>
+    <a:masterClrMapping/>
+  </p:clrMapOvr>
+  <p:transition>
+    <p:fade/>
+  </p:transition>
+</p:sld>
+</file>
+
+<file path=ppt/slides/slide7.xml><?xml version="1.0" encoding="utf-8"?>
+<p:sld xmlns:a="http://schemas.openxmlformats.org/drawingml/2006/main" xmlns:r="http://schemas.openxmlformats.org/officeDocument/2006/relationships" xmlns:p="http://schemas.openxmlformats.org/presentationml/2006/main">
+  <p:cSld>
+    <p:spTree>
+      <p:nvGrpSpPr>
+        <p:cNvPr id="1" name=""/>
+        <p:cNvGrpSpPr/>
+        <p:nvPr/>
+      </p:nvGrpSpPr>
+      <p:grpSpPr>
+        <a:xfrm>
+          <a:off x="0" y="0"/>
+          <a:ext cx="0" cy="0"/>
+          <a:chOff x="0" y="0"/>
+          <a:chExt cx="0" cy="0"/>
+        </a:xfrm>
+      </p:grpSpPr>
+      <p:sp>
+        <p:nvSpPr>
+          <p:cNvPr id="5" name="Title 1">
+            <a:extLst>
+              <a:ext uri="{FF2B5EF4-FFF2-40B4-BE49-F238E27FC236}">
+                <a16:creationId xmlns:a16="http://schemas.microsoft.com/office/drawing/2014/main" id="{01388D49-B47C-45BB-B53B-F6092580BE6E}"/>
+              </a:ext>
+            </a:extLst>
+          </p:cNvPr>
+          <p:cNvSpPr>
+            <a:spLocks noGrp="1"/>
+          </p:cNvSpPr>
+          <p:nvPr>
+            <p:ph type="title"/>
+          </p:nvPr>
+        </p:nvSpPr>
+        <p:spPr>
+          <a:xfrm>
+            <a:off x="457200" y="1123122"/>
+            <a:ext cx="7706412" cy="591378"/>
+          </a:xfrm>
+        </p:spPr>
+        <p:txBody>
+          <a:bodyPr>
+            <a:noAutofit/>
+          </a:bodyPr>
+          <a:lstStyle/>
+          <a:p>
+            <a:r>
+              <a:rPr lang="es-ES" sz="3200" dirty="0" err="1">
+                <a:latin typeface="Segoe UI Semibold"/>
+                <a:cs typeface="Segoe UI Semibold"/>
+              </a:rPr>
+              <a:t>SplashScreen</a:t>
+            </a:r>
+            <a:endParaRPr lang="en-US" sz="3200" dirty="0"/>
+          </a:p>
+        </p:txBody>
+      </p:sp>
+      <p:sp>
+        <p:nvSpPr>
+          <p:cNvPr id="6" name="Content Placeholder 2">
+            <a:extLst>
+              <a:ext uri="{FF2B5EF4-FFF2-40B4-BE49-F238E27FC236}">
+                <a16:creationId xmlns:a16="http://schemas.microsoft.com/office/drawing/2014/main" id="{AC81F8B9-8203-4DB3-932F-AB15DF79780D}"/>
+              </a:ext>
+            </a:extLst>
+          </p:cNvPr>
+          <p:cNvSpPr txBox="1">
+            <a:spLocks/>
+          </p:cNvSpPr>
+          <p:nvPr/>
+        </p:nvSpPr>
+        <p:spPr>
+          <a:xfrm>
+            <a:off x="457200" y="2142641"/>
+            <a:ext cx="11222610" cy="2240823"/>
+          </a:xfrm>
+          <a:prstGeom prst="rect">
+            <a:avLst/>
+          </a:prstGeom>
+        </p:spPr>
+        <p:txBody>
+          <a:bodyPr vert="horz" lIns="91440" tIns="45720" rIns="91440" bIns="45720" rtlCol="0" anchor="t">
+            <a:noAutofit/>
+          </a:bodyPr>
+          <a:lstStyle>
+            <a:lvl1pPr marL="336145" marR="0" indent="-336145" algn="l" defTabSz="914367" rtl="0" eaLnBrk="1" fontAlgn="auto" latinLnBrk="0" hangingPunct="1">
+              <a:lnSpc>
+                <a:spcPct val="90000"/>
+              </a:lnSpc>
+              <a:spcBef>
+                <a:spcPct val="20000"/>
+              </a:spcBef>
+              <a:spcAft>
+                <a:spcPts val="0"/>
+              </a:spcAft>
+              <a:buClrTx/>
+              <a:buSzPct val="90000"/>
+              <a:buFont typeface="Arial" pitchFamily="34" charset="0"/>
+              <a:buChar char="•"/>
+              <a:tabLst/>
+              <a:defRPr sz="3921" kern="1200" spc="0" baseline="0">
+                <a:gradFill>
+                  <a:gsLst>
+                    <a:gs pos="1250">
+                      <a:schemeClr val="tx1"/>
+                    </a:gs>
+                    <a:gs pos="100000">
+                      <a:schemeClr val="tx1"/>
+                    </a:gs>
+                  </a:gsLst>
+                  <a:lin ang="5400000" scaled="0"/>
+                </a:gradFill>
+                <a:latin typeface="+mj-lt"/>
+                <a:ea typeface="+mn-ea"/>
+                <a:cs typeface="+mn-cs"/>
+              </a:defRPr>
+            </a:lvl1pPr>
+            <a:lvl2pPr marL="572691" marR="0" indent="-236546" algn="l" defTabSz="914367" rtl="0" eaLnBrk="1" fontAlgn="auto" latinLnBrk="0" hangingPunct="1">
+              <a:lnSpc>
+                <a:spcPct val="90000"/>
+              </a:lnSpc>
+              <a:spcBef>
+                <a:spcPct val="20000"/>
+              </a:spcBef>
+              <a:spcAft>
+                <a:spcPts val="0"/>
+              </a:spcAft>
+              <a:buClrTx/>
+              <a:buSzPct val="90000"/>
+              <a:buFont typeface="Arial" pitchFamily="34" charset="0"/>
+              <a:buChar char="•"/>
+              <a:tabLst/>
+              <a:defRPr sz="2353" kern="1200" spc="0" baseline="0">
+                <a:gradFill>
+                  <a:gsLst>
+                    <a:gs pos="1250">
+                      <a:schemeClr val="tx1"/>
+                    </a:gs>
+                    <a:gs pos="100000">
+                      <a:schemeClr val="tx1"/>
+                    </a:gs>
+                  </a:gsLst>
+                  <a:lin ang="5400000" scaled="0"/>
+                </a:gradFill>
+                <a:latin typeface="+mn-lt"/>
+                <a:ea typeface="+mn-ea"/>
+                <a:cs typeface="+mn-cs"/>
+              </a:defRPr>
+            </a:lvl2pPr>
+            <a:lvl3pPr marL="784338" marR="0" indent="-224097" algn="l" defTabSz="914367" rtl="0" eaLnBrk="1" fontAlgn="auto" latinLnBrk="0" hangingPunct="1">
+              <a:lnSpc>
+                <a:spcPct val="90000"/>
+              </a:lnSpc>
+              <a:spcBef>
+                <a:spcPct val="20000"/>
+              </a:spcBef>
+              <a:spcAft>
+                <a:spcPts val="0"/>
+              </a:spcAft>
+              <a:buClrTx/>
+              <a:buSzPct val="90000"/>
+              <a:buFont typeface="Arial" pitchFamily="34" charset="0"/>
+              <a:buChar char="•"/>
+              <a:tabLst/>
+              <a:defRPr sz="1961" kern="1200" spc="0" baseline="0">
+                <a:gradFill>
+                  <a:gsLst>
+                    <a:gs pos="1250">
+                      <a:schemeClr val="tx1"/>
+                    </a:gs>
+                    <a:gs pos="100000">
+                      <a:schemeClr val="tx1"/>
+                    </a:gs>
+                  </a:gsLst>
+                  <a:lin ang="5400000" scaled="0"/>
+                </a:gradFill>
+                <a:latin typeface="+mn-lt"/>
+                <a:ea typeface="+mn-ea"/>
+                <a:cs typeface="+mn-cs"/>
+              </a:defRPr>
+            </a:lvl3pPr>
+            <a:lvl4pPr marL="1008435" marR="0" indent="-224097" algn="l" defTabSz="914367" rtl="0" eaLnBrk="1" fontAlgn="auto" latinLnBrk="0" hangingPunct="1">
+              <a:lnSpc>
+                <a:spcPct val="90000"/>
+              </a:lnSpc>
+              <a:spcBef>
+                <a:spcPct val="20000"/>
+              </a:spcBef>
+              <a:spcAft>
+                <a:spcPts val="0"/>
+              </a:spcAft>
+              <a:buClrTx/>
+              <a:buSzPct val="90000"/>
+              <a:buFont typeface="Arial" pitchFamily="34" charset="0"/>
+              <a:buChar char="•"/>
+              <a:tabLst/>
+              <a:defRPr sz="1765" kern="1200" spc="0" baseline="0">
+                <a:gradFill>
+                  <a:gsLst>
+                    <a:gs pos="1250">
+                      <a:schemeClr val="tx1"/>
+                    </a:gs>
+                    <a:gs pos="100000">
+                      <a:schemeClr val="tx1"/>
+                    </a:gs>
+                  </a:gsLst>
+                  <a:lin ang="5400000" scaled="0"/>
+                </a:gradFill>
+                <a:latin typeface="+mn-lt"/>
+                <a:ea typeface="+mn-ea"/>
+                <a:cs typeface="+mn-cs"/>
+              </a:defRPr>
+            </a:lvl4pPr>
+            <a:lvl5pPr marL="1232531" marR="0" indent="-224097" algn="l" defTabSz="914367" rtl="0" eaLnBrk="1" fontAlgn="auto" latinLnBrk="0" hangingPunct="1">
+              <a:lnSpc>
+                <a:spcPct val="90000"/>
+              </a:lnSpc>
+              <a:spcBef>
+                <a:spcPct val="20000"/>
+              </a:spcBef>
+              <a:spcAft>
+                <a:spcPts val="0"/>
+              </a:spcAft>
+              <a:buClrTx/>
+              <a:buSzPct val="90000"/>
+              <a:buFont typeface="Arial" pitchFamily="34" charset="0"/>
+              <a:buChar char="•"/>
+              <a:tabLst/>
+              <a:defRPr sz="1765" kern="1200" spc="0" baseline="0">
+                <a:gradFill>
+                  <a:gsLst>
+                    <a:gs pos="1250">
+                      <a:schemeClr val="tx1"/>
+                    </a:gs>
+                    <a:gs pos="100000">
+                      <a:schemeClr val="tx1"/>
+                    </a:gs>
+                  </a:gsLst>
+                  <a:lin ang="5400000" scaled="0"/>
+                </a:gradFill>
+                <a:latin typeface="+mn-lt"/>
+                <a:ea typeface="+mn-ea"/>
+                <a:cs typeface="+mn-cs"/>
+              </a:defRPr>
+            </a:lvl5pPr>
+            <a:lvl6pPr marL="2514509" indent="-228592" algn="l" defTabSz="914367" rtl="0" eaLnBrk="1" latinLnBrk="0" hangingPunct="1">
+              <a:spcBef>
+                <a:spcPct val="20000"/>
+              </a:spcBef>
+              <a:buFont typeface="Arial" pitchFamily="34" charset="0"/>
+              <a:buChar char="•"/>
+              <a:defRPr sz="1961" kern="1200">
+                <a:solidFill>
+                  <a:schemeClr val="tx1"/>
+                </a:solidFill>
+                <a:latin typeface="+mn-lt"/>
+                <a:ea typeface="+mn-ea"/>
+                <a:cs typeface="+mn-cs"/>
+              </a:defRPr>
+            </a:lvl6pPr>
+            <a:lvl7pPr marL="2971693" indent="-228592" algn="l" defTabSz="914367" rtl="0" eaLnBrk="1" latinLnBrk="0" hangingPunct="1">
+              <a:spcBef>
+                <a:spcPct val="20000"/>
+              </a:spcBef>
+              <a:buFont typeface="Arial" pitchFamily="34" charset="0"/>
+              <a:buChar char="•"/>
+              <a:defRPr sz="1961" kern="1200">
+                <a:solidFill>
+                  <a:schemeClr val="tx1"/>
+                </a:solidFill>
+                <a:latin typeface="+mn-lt"/>
+                <a:ea typeface="+mn-ea"/>
+                <a:cs typeface="+mn-cs"/>
+              </a:defRPr>
+            </a:lvl7pPr>
+            <a:lvl8pPr marL="3428877" indent="-228592" algn="l" defTabSz="914367" rtl="0" eaLnBrk="1" latinLnBrk="0" hangingPunct="1">
+              <a:spcBef>
+                <a:spcPct val="20000"/>
+              </a:spcBef>
+              <a:buFont typeface="Arial" pitchFamily="34" charset="0"/>
+              <a:buChar char="•"/>
+              <a:defRPr sz="1961" kern="1200">
+                <a:solidFill>
+                  <a:schemeClr val="tx1"/>
+                </a:solidFill>
+                <a:latin typeface="+mn-lt"/>
+                <a:ea typeface="+mn-ea"/>
+                <a:cs typeface="+mn-cs"/>
+              </a:defRPr>
+            </a:lvl8pPr>
+            <a:lvl9pPr marL="3886061" indent="-228592" algn="l" defTabSz="914367" rtl="0" eaLnBrk="1" latinLnBrk="0" hangingPunct="1">
+              <a:spcBef>
+                <a:spcPct val="20000"/>
+              </a:spcBef>
+              <a:buFont typeface="Arial" pitchFamily="34" charset="0"/>
+              <a:buChar char="•"/>
+              <a:defRPr sz="1961" kern="1200">
+                <a:solidFill>
+                  <a:schemeClr val="tx1"/>
+                </a:solidFill>
+                <a:latin typeface="+mn-lt"/>
+                <a:ea typeface="+mn-ea"/>
+                <a:cs typeface="+mn-cs"/>
+              </a:defRPr>
+            </a:lvl9pPr>
+          </a:lstStyle>
+          <a:p>
+            <a:pPr marL="0" indent="0" algn="l">
+              <a:buNone/>
+            </a:pPr>
+            <a:r>
+              <a:rPr lang="es-ES" sz="1800" b="0" i="0" dirty="0">
+                <a:solidFill>
+                  <a:srgbClr val="171717"/>
+                </a:solidFill>
+                <a:effectLst/>
+                <a:latin typeface="Segoe UI" panose="020B0502040204020203" pitchFamily="34" charset="0"/>
+              </a:rPr>
+              <a:t>Se puede agregar una pantalla de barra diagonal al proyecto de aplicación arrastrando una imagen a la carpeta </a:t>
+            </a:r>
+            <a:r>
+              <a:rPr lang="es-ES" sz="1800" b="0" i="0" dirty="0" err="1">
+                <a:solidFill>
+                  <a:srgbClr val="171717"/>
+                </a:solidFill>
+                <a:effectLst/>
+                <a:latin typeface="Segoe UI" panose="020B0502040204020203" pitchFamily="34" charset="0"/>
+              </a:rPr>
+              <a:t>Resources</a:t>
+            </a:r>
+            <a:r>
+              <a:rPr lang="es-ES" sz="1800" b="0" i="0" dirty="0">
+                <a:solidFill>
+                  <a:srgbClr val="171717"/>
+                </a:solidFill>
+                <a:effectLst/>
+                <a:latin typeface="Segoe UI" panose="020B0502040204020203" pitchFamily="34" charset="0"/>
+              </a:rPr>
+              <a:t>\</a:t>
+            </a:r>
+            <a:r>
+              <a:rPr lang="es-ES" sz="1800" b="0" i="0" dirty="0" err="1">
+                <a:solidFill>
+                  <a:srgbClr val="171717"/>
+                </a:solidFill>
+                <a:effectLst/>
+                <a:latin typeface="Segoe UI" panose="020B0502040204020203" pitchFamily="34" charset="0"/>
+              </a:rPr>
+              <a:t>Images</a:t>
+            </a:r>
+            <a:r>
+              <a:rPr lang="es-ES" sz="1800" b="0" i="0" dirty="0">
+                <a:solidFill>
+                  <a:srgbClr val="171717"/>
+                </a:solidFill>
+                <a:effectLst/>
+                <a:latin typeface="Segoe UI" panose="020B0502040204020203" pitchFamily="34" charset="0"/>
+              </a:rPr>
+              <a:t> del proyecto y estableciendo la acción de compilación de la imagen en </a:t>
+            </a:r>
+            <a:r>
+              <a:rPr lang="es-ES" sz="1800" b="0" i="0" dirty="0" err="1">
+                <a:solidFill>
+                  <a:srgbClr val="171717"/>
+                </a:solidFill>
+                <a:effectLst/>
+                <a:latin typeface="Segoe UI" panose="020B0502040204020203" pitchFamily="34" charset="0"/>
+              </a:rPr>
+              <a:t>MauiSplashScreen</a:t>
+            </a:r>
+            <a:r>
+              <a:rPr lang="es-ES" sz="1800" b="0" i="0" dirty="0">
+                <a:solidFill>
+                  <a:srgbClr val="171717"/>
+                </a:solidFill>
+                <a:effectLst/>
+                <a:latin typeface="Segoe UI" panose="020B0502040204020203" pitchFamily="34" charset="0"/>
+              </a:rPr>
+              <a:t> en la ventana Propiedades.</a:t>
+            </a:r>
+          </a:p>
+          <a:p>
+            <a:pPr marL="0" indent="0" algn="l">
+              <a:buNone/>
+            </a:pPr>
+            <a:endParaRPr lang="es-ES" sz="1800" dirty="0">
+              <a:solidFill>
+                <a:srgbClr val="171717"/>
+              </a:solidFill>
+              <a:latin typeface="Segoe UI" panose="020B0502040204020203" pitchFamily="34" charset="0"/>
+            </a:endParaRPr>
+          </a:p>
+          <a:p>
+            <a:pPr marL="0" indent="0" algn="l">
+              <a:buNone/>
+            </a:pPr>
+            <a:endParaRPr lang="es-ES" sz="1800" b="0" dirty="0">
+              <a:solidFill>
+                <a:srgbClr val="171717"/>
+              </a:solidFill>
+              <a:effectLst/>
+              <a:latin typeface="Segoe UI" panose="020B0502040204020203" pitchFamily="34" charset="0"/>
+            </a:endParaRPr>
+          </a:p>
+          <a:p>
+            <a:pPr marL="0" indent="0" algn="l">
+              <a:buNone/>
+            </a:pPr>
+            <a:endParaRPr lang="es-ES" sz="1000" b="0" i="0" dirty="0">
+              <a:solidFill>
+                <a:srgbClr val="171717"/>
+              </a:solidFill>
+              <a:effectLst/>
+              <a:latin typeface="Segoe UI" panose="020B0502040204020203" pitchFamily="34" charset="0"/>
+            </a:endParaRPr>
+          </a:p>
+          <a:p>
+            <a:pPr marL="0" indent="0" algn="l">
+              <a:buNone/>
+            </a:pPr>
+            <a:r>
+              <a:rPr lang="es-ES" sz="1800" b="0" i="0" dirty="0">
+                <a:solidFill>
+                  <a:srgbClr val="171717"/>
+                </a:solidFill>
+                <a:effectLst/>
+                <a:latin typeface="Segoe UI" panose="020B0502040204020203" pitchFamily="34" charset="0"/>
+              </a:rPr>
+              <a:t>En tiempo de compilación, la imagen de la pantalla de presentación se cambia de tamaño al tamaño correcto para la plataforma y el dispositivo de destino. </a:t>
+            </a:r>
+            <a:endParaRPr lang="es-ES" sz="1800" dirty="0">
+              <a:solidFill>
+                <a:srgbClr val="171717"/>
+              </a:solidFill>
+              <a:latin typeface="Segoe UI" panose="020B0502040204020203" pitchFamily="34" charset="0"/>
+            </a:endParaRPr>
+          </a:p>
+          <a:p>
+            <a:pPr marL="0" indent="0" algn="l">
+              <a:buNone/>
+            </a:pPr>
+            <a:endParaRPr lang="es-ES" sz="1800" b="0" dirty="0">
+              <a:solidFill>
+                <a:srgbClr val="171717"/>
+              </a:solidFill>
+              <a:effectLst/>
+              <a:latin typeface="Segoe UI" panose="020B0502040204020203" pitchFamily="34" charset="0"/>
+            </a:endParaRPr>
+          </a:p>
+        </p:txBody>
+      </p:sp>
+      <p:sp>
+        <p:nvSpPr>
+          <p:cNvPr id="8" name="TextBox 7">
+            <a:extLst>
+              <a:ext uri="{FF2B5EF4-FFF2-40B4-BE49-F238E27FC236}">
+                <a16:creationId xmlns:a16="http://schemas.microsoft.com/office/drawing/2014/main" id="{7663041D-9B28-4BC5-AD05-859FA0030172}"/>
+              </a:ext>
+            </a:extLst>
+          </p:cNvPr>
+          <p:cNvSpPr txBox="1"/>
+          <p:nvPr/>
+        </p:nvSpPr>
+        <p:spPr>
+          <a:xfrm>
+            <a:off x="457200" y="3108191"/>
+            <a:ext cx="7053607" cy="369332"/>
+          </a:xfrm>
+          <a:prstGeom prst="rect">
+            <a:avLst/>
+          </a:prstGeom>
+          <a:noFill/>
+        </p:spPr>
+        <p:txBody>
+          <a:bodyPr wrap="square">
+            <a:spAutoFit/>
+          </a:bodyPr>
+          <a:lstStyle/>
+          <a:p>
+            <a:r>
+              <a:rPr lang="en-US" b="0" i="0" dirty="0">
+                <a:solidFill>
+                  <a:srgbClr val="0101FD"/>
+                </a:solidFill>
+                <a:effectLst/>
+                <a:latin typeface="SFMono-Regular"/>
+              </a:rPr>
+              <a:t>&lt;</a:t>
+            </a:r>
+            <a:r>
+              <a:rPr lang="en-US" b="0" i="0" dirty="0" err="1">
+                <a:solidFill>
+                  <a:srgbClr val="0101FD"/>
+                </a:solidFill>
+                <a:effectLst/>
+                <a:latin typeface="SFMono-Regular"/>
+              </a:rPr>
+              <a:t>MauiSplashScreen</a:t>
+            </a:r>
+            <a:r>
+              <a:rPr lang="en-US" b="0" i="0" dirty="0">
+                <a:solidFill>
+                  <a:srgbClr val="0101FD"/>
+                </a:solidFill>
+                <a:effectLst/>
+                <a:latin typeface="SFMono-Regular"/>
+              </a:rPr>
+              <a:t> </a:t>
+            </a:r>
+            <a:r>
+              <a:rPr lang="en-US" b="0" i="0" dirty="0">
+                <a:solidFill>
+                  <a:srgbClr val="0451A5"/>
+                </a:solidFill>
+                <a:effectLst/>
+                <a:latin typeface="SFMono-Regular"/>
+              </a:rPr>
+              <a:t>Include</a:t>
+            </a:r>
+            <a:r>
+              <a:rPr lang="en-US" b="0" i="0" dirty="0">
+                <a:solidFill>
+                  <a:srgbClr val="0101FD"/>
+                </a:solidFill>
+                <a:effectLst/>
+                <a:latin typeface="SFMono-Regular"/>
+              </a:rPr>
+              <a:t>=</a:t>
+            </a:r>
+            <a:r>
+              <a:rPr lang="en-US" b="0" i="0" dirty="0">
+                <a:solidFill>
+                  <a:srgbClr val="A31515"/>
+                </a:solidFill>
+                <a:effectLst/>
+                <a:latin typeface="SFMono-Regular"/>
+              </a:rPr>
+              <a:t>"Resources\Images\</a:t>
+            </a:r>
+            <a:r>
+              <a:rPr lang="en-US" b="0" i="0" dirty="0" err="1">
+                <a:solidFill>
+                  <a:srgbClr val="A31515"/>
+                </a:solidFill>
+                <a:effectLst/>
+                <a:latin typeface="SFMono-Regular"/>
+              </a:rPr>
+              <a:t>splashscreen.svg</a:t>
+            </a:r>
+            <a:r>
+              <a:rPr lang="en-US" b="0" i="0" dirty="0">
+                <a:solidFill>
+                  <a:srgbClr val="A31515"/>
+                </a:solidFill>
+                <a:effectLst/>
+                <a:latin typeface="SFMono-Regular"/>
+              </a:rPr>
+              <a:t>"</a:t>
+            </a:r>
+            <a:r>
+              <a:rPr lang="en-US" b="0" i="0" dirty="0">
+                <a:solidFill>
+                  <a:srgbClr val="0101FD"/>
+                </a:solidFill>
+                <a:effectLst/>
+                <a:latin typeface="SFMono-Regular"/>
+              </a:rPr>
+              <a:t> /&gt;</a:t>
+            </a:r>
+            <a:endParaRPr lang="en-US" dirty="0"/>
+          </a:p>
+        </p:txBody>
+      </p:sp>
+    </p:spTree>
+    <p:extLst>
+      <p:ext uri="{BB962C8B-B14F-4D97-AF65-F5344CB8AC3E}">
+        <p14:creationId xmlns:p14="http://schemas.microsoft.com/office/powerpoint/2010/main" val="2592796876"/>
+      </p:ext>
+    </p:extLst>
+  </p:cSld>
+  <p:clrMapOvr>
+    <a:masterClrMapping/>
+  </p:clrMapOvr>
+  <p:transition>
+    <p:fade/>
+  </p:transition>
+</p:sld>
+</file>
+
+<file path=ppt/slides/slide8.xml><?xml version="1.0" encoding="utf-8"?>
+<p:sld xmlns:a="http://schemas.openxmlformats.org/drawingml/2006/main" xmlns:r="http://schemas.openxmlformats.org/officeDocument/2006/relationships" xmlns:p="http://schemas.openxmlformats.org/presentationml/2006/main">
+  <p:cSld>
+    <p:spTree>
+      <p:nvGrpSpPr>
+        <p:cNvPr id="1" name=""/>
+        <p:cNvGrpSpPr/>
+        <p:nvPr/>
+      </p:nvGrpSpPr>
+      <p:grpSpPr>
+        <a:xfrm>
+          <a:off x="0" y="0"/>
+          <a:ext cx="0" cy="0"/>
+          <a:chOff x="0" y="0"/>
+          <a:chExt cx="0" cy="0"/>
+        </a:xfrm>
+      </p:grpSpPr>
+      <p:sp>
+        <p:nvSpPr>
+          <p:cNvPr id="3" name="Title 2">
+            <a:extLst>
+              <a:ext uri="{FF2B5EF4-FFF2-40B4-BE49-F238E27FC236}">
+                <a16:creationId xmlns:a16="http://schemas.microsoft.com/office/drawing/2014/main" id="{652E2BA4-9FC0-4828-A940-3704183398DF}"/>
+              </a:ext>
+            </a:extLst>
+          </p:cNvPr>
+          <p:cNvSpPr>
+            <a:spLocks noGrp="1"/>
+          </p:cNvSpPr>
+          <p:nvPr>
+            <p:ph type="title"/>
+          </p:nvPr>
+        </p:nvSpPr>
+        <p:spPr/>
+        <p:txBody>
+          <a:bodyPr/>
+          <a:lstStyle/>
+          <a:p>
+            <a:r>
+              <a:rPr lang="es-ES" sz="7200" dirty="0">
+                <a:solidFill>
+                  <a:schemeClr val="bg1"/>
+                </a:solidFill>
+              </a:rPr>
+              <a:t>Manifiesto</a:t>
+            </a:r>
+            <a:endParaRPr lang="en-US" sz="7200" dirty="0">
+              <a:solidFill>
+                <a:schemeClr val="bg1"/>
+              </a:solidFill>
+            </a:endParaRPr>
+          </a:p>
+        </p:txBody>
+      </p:sp>
+    </p:spTree>
+    <p:extLst>
+      <p:ext uri="{BB962C8B-B14F-4D97-AF65-F5344CB8AC3E}">
+        <p14:creationId xmlns:p14="http://schemas.microsoft.com/office/powerpoint/2010/main" val="2778140596"/>
+      </p:ext>
+    </p:extLst>
+  </p:cSld>
+  <p:clrMapOvr>
+    <a:masterClrMapping/>
+  </p:clrMapOvr>
+  <p:transition spd="med"/>
+</p:sld>
+</file>
+
+<file path=ppt/slides/slide9.xml><?xml version="1.0" encoding="utf-8"?>
+<p:sld xmlns:a="http://schemas.openxmlformats.org/drawingml/2006/main" xmlns:r="http://schemas.openxmlformats.org/officeDocument/2006/relationships" xmlns:p="http://schemas.openxmlformats.org/presentationml/2006/main">
+  <p:cSld>
+    <p:spTree>
+      <p:nvGrpSpPr>
+        <p:cNvPr id="1" name=""/>
+        <p:cNvGrpSpPr/>
+        <p:nvPr/>
+      </p:nvGrpSpPr>
+      <p:grpSpPr>
+        <a:xfrm>
+          <a:off x="0" y="0"/>
+          <a:ext cx="0" cy="0"/>
+          <a:chOff x="0" y="0"/>
+          <a:chExt cx="0" cy="0"/>
+        </a:xfrm>
+      </p:grpSpPr>
+      <p:sp>
+        <p:nvSpPr>
+          <p:cNvPr id="5" name="Title 1">
+            <a:extLst>
+              <a:ext uri="{FF2B5EF4-FFF2-40B4-BE49-F238E27FC236}">
+                <a16:creationId xmlns:a16="http://schemas.microsoft.com/office/drawing/2014/main" id="{01388D49-B47C-45BB-B53B-F6092580BE6E}"/>
+              </a:ext>
+            </a:extLst>
+          </p:cNvPr>
+          <p:cNvSpPr>
+            <a:spLocks noGrp="1"/>
+          </p:cNvSpPr>
+          <p:nvPr>
+            <p:ph type="title"/>
+          </p:nvPr>
+        </p:nvSpPr>
+        <p:spPr>
+          <a:xfrm>
+            <a:off x="457200" y="1123122"/>
+            <a:ext cx="7706412" cy="591378"/>
+          </a:xfrm>
+        </p:spPr>
+        <p:txBody>
+          <a:bodyPr>
+            <a:noAutofit/>
+          </a:bodyPr>
+          <a:lstStyle/>
+          <a:p>
+            <a:r>
+              <a:rPr lang="en-US" sz="3200" dirty="0" err="1">
+                <a:latin typeface="Segoe UI Semibold"/>
+                <a:cs typeface="Segoe UI Semibold"/>
+              </a:rPr>
+              <a:t>Manifiesto</a:t>
+            </a:r>
+            <a:endParaRPr lang="en-US" sz="3200" dirty="0"/>
+          </a:p>
+        </p:txBody>
+      </p:sp>
+      <p:sp>
+        <p:nvSpPr>
+          <p:cNvPr id="6" name="Content Placeholder 2">
+            <a:extLst>
+              <a:ext uri="{FF2B5EF4-FFF2-40B4-BE49-F238E27FC236}">
+                <a16:creationId xmlns:a16="http://schemas.microsoft.com/office/drawing/2014/main" id="{AC81F8B9-8203-4DB3-932F-AB15DF79780D}"/>
+              </a:ext>
+            </a:extLst>
+          </p:cNvPr>
+          <p:cNvSpPr txBox="1">
+            <a:spLocks/>
+          </p:cNvSpPr>
+          <p:nvPr/>
+        </p:nvSpPr>
+        <p:spPr>
+          <a:xfrm>
+            <a:off x="457200" y="2142641"/>
+            <a:ext cx="4209068" cy="4201597"/>
+          </a:xfrm>
+          <a:prstGeom prst="rect">
+            <a:avLst/>
+          </a:prstGeom>
+        </p:spPr>
+        <p:txBody>
+          <a:bodyPr vert="horz" lIns="91440" tIns="45720" rIns="91440" bIns="45720" rtlCol="0" anchor="t">
+            <a:noAutofit/>
+          </a:bodyPr>
+          <a:lstStyle>
+            <a:lvl1pPr marL="336145" marR="0" indent="-336145" algn="l" defTabSz="914367" rtl="0" eaLnBrk="1" fontAlgn="auto" latinLnBrk="0" hangingPunct="1">
+              <a:lnSpc>
+                <a:spcPct val="90000"/>
+              </a:lnSpc>
+              <a:spcBef>
+                <a:spcPct val="20000"/>
+              </a:spcBef>
+              <a:spcAft>
+                <a:spcPts val="0"/>
+              </a:spcAft>
+              <a:buClrTx/>
+              <a:buSzPct val="90000"/>
+              <a:buFont typeface="Arial" pitchFamily="34" charset="0"/>
+              <a:buChar char="•"/>
+              <a:tabLst/>
+              <a:defRPr sz="3921" kern="1200" spc="0" baseline="0">
+                <a:gradFill>
+                  <a:gsLst>
+                    <a:gs pos="1250">
+                      <a:schemeClr val="tx1"/>
+                    </a:gs>
+                    <a:gs pos="100000">
+                      <a:schemeClr val="tx1"/>
+                    </a:gs>
+                  </a:gsLst>
+                  <a:lin ang="5400000" scaled="0"/>
+                </a:gradFill>
+                <a:latin typeface="+mj-lt"/>
+                <a:ea typeface="+mn-ea"/>
+                <a:cs typeface="+mn-cs"/>
+              </a:defRPr>
+            </a:lvl1pPr>
+            <a:lvl2pPr marL="572691" marR="0" indent="-236546" algn="l" defTabSz="914367" rtl="0" eaLnBrk="1" fontAlgn="auto" latinLnBrk="0" hangingPunct="1">
+              <a:lnSpc>
+                <a:spcPct val="90000"/>
+              </a:lnSpc>
+              <a:spcBef>
+                <a:spcPct val="20000"/>
+              </a:spcBef>
+              <a:spcAft>
+                <a:spcPts val="0"/>
+              </a:spcAft>
+              <a:buClrTx/>
+              <a:buSzPct val="90000"/>
+              <a:buFont typeface="Arial" pitchFamily="34" charset="0"/>
+              <a:buChar char="•"/>
+              <a:tabLst/>
+              <a:defRPr sz="2353" kern="1200" spc="0" baseline="0">
+                <a:gradFill>
+                  <a:gsLst>
+                    <a:gs pos="1250">
+                      <a:schemeClr val="tx1"/>
+                    </a:gs>
+                    <a:gs pos="100000">
+                      <a:schemeClr val="tx1"/>
+                    </a:gs>
+                  </a:gsLst>
+                  <a:lin ang="5400000" scaled="0"/>
+                </a:gradFill>
+                <a:latin typeface="+mn-lt"/>
+                <a:ea typeface="+mn-ea"/>
+                <a:cs typeface="+mn-cs"/>
+              </a:defRPr>
+            </a:lvl2pPr>
+            <a:lvl3pPr marL="784338" marR="0" indent="-224097" algn="l" defTabSz="914367" rtl="0" eaLnBrk="1" fontAlgn="auto" latinLnBrk="0" hangingPunct="1">
+              <a:lnSpc>
+                <a:spcPct val="90000"/>
+              </a:lnSpc>
+              <a:spcBef>
+                <a:spcPct val="20000"/>
+              </a:spcBef>
+              <a:spcAft>
+                <a:spcPts val="0"/>
+              </a:spcAft>
+              <a:buClrTx/>
+              <a:buSzPct val="90000"/>
+              <a:buFont typeface="Arial" pitchFamily="34" charset="0"/>
+              <a:buChar char="•"/>
+              <a:tabLst/>
+              <a:defRPr sz="1961" kern="1200" spc="0" baseline="0">
+                <a:gradFill>
+                  <a:gsLst>
+                    <a:gs pos="1250">
+                      <a:schemeClr val="tx1"/>
+                    </a:gs>
+                    <a:gs pos="100000">
+                      <a:schemeClr val="tx1"/>
+                    </a:gs>
+                  </a:gsLst>
+                  <a:lin ang="5400000" scaled="0"/>
+                </a:gradFill>
+                <a:latin typeface="+mn-lt"/>
+                <a:ea typeface="+mn-ea"/>
+                <a:cs typeface="+mn-cs"/>
+              </a:defRPr>
+            </a:lvl3pPr>
+            <a:lvl4pPr marL="1008435" marR="0" indent="-224097" algn="l" defTabSz="914367" rtl="0" eaLnBrk="1" fontAlgn="auto" latinLnBrk="0" hangingPunct="1">
+              <a:lnSpc>
+                <a:spcPct val="90000"/>
+              </a:lnSpc>
+              <a:spcBef>
+                <a:spcPct val="20000"/>
+              </a:spcBef>
+              <a:spcAft>
+                <a:spcPts val="0"/>
+              </a:spcAft>
+              <a:buClrTx/>
+              <a:buSzPct val="90000"/>
+              <a:buFont typeface="Arial" pitchFamily="34" charset="0"/>
+              <a:buChar char="•"/>
+              <a:tabLst/>
+              <a:defRPr sz="1765" kern="1200" spc="0" baseline="0">
+                <a:gradFill>
+                  <a:gsLst>
+                    <a:gs pos="1250">
+                      <a:schemeClr val="tx1"/>
+                    </a:gs>
+                    <a:gs pos="100000">
+                      <a:schemeClr val="tx1"/>
+                    </a:gs>
+                  </a:gsLst>
+                  <a:lin ang="5400000" scaled="0"/>
+                </a:gradFill>
+                <a:latin typeface="+mn-lt"/>
+                <a:ea typeface="+mn-ea"/>
+                <a:cs typeface="+mn-cs"/>
+              </a:defRPr>
+            </a:lvl4pPr>
+            <a:lvl5pPr marL="1232531" marR="0" indent="-224097" algn="l" defTabSz="914367" rtl="0" eaLnBrk="1" fontAlgn="auto" latinLnBrk="0" hangingPunct="1">
+              <a:lnSpc>
+                <a:spcPct val="90000"/>
+              </a:lnSpc>
+              <a:spcBef>
+                <a:spcPct val="20000"/>
+              </a:spcBef>
+              <a:spcAft>
+                <a:spcPts val="0"/>
+              </a:spcAft>
+              <a:buClrTx/>
+              <a:buSzPct val="90000"/>
+              <a:buFont typeface="Arial" pitchFamily="34" charset="0"/>
+              <a:buChar char="•"/>
+              <a:tabLst/>
+              <a:defRPr sz="1765" kern="1200" spc="0" baseline="0">
+                <a:gradFill>
+                  <a:gsLst>
+                    <a:gs pos="1250">
+                      <a:schemeClr val="tx1"/>
+                    </a:gs>
+                    <a:gs pos="100000">
+                      <a:schemeClr val="tx1"/>
+                    </a:gs>
+                  </a:gsLst>
+                  <a:lin ang="5400000" scaled="0"/>
+                </a:gradFill>
+                <a:latin typeface="+mn-lt"/>
+                <a:ea typeface="+mn-ea"/>
+                <a:cs typeface="+mn-cs"/>
+              </a:defRPr>
+            </a:lvl5pPr>
+            <a:lvl6pPr marL="2514509" indent="-228592" algn="l" defTabSz="914367" rtl="0" eaLnBrk="1" latinLnBrk="0" hangingPunct="1">
+              <a:spcBef>
+                <a:spcPct val="20000"/>
+              </a:spcBef>
+              <a:buFont typeface="Arial" pitchFamily="34" charset="0"/>
+              <a:buChar char="•"/>
+              <a:defRPr sz="1961" kern="1200">
+                <a:solidFill>
+                  <a:schemeClr val="tx1"/>
+                </a:solidFill>
+                <a:latin typeface="+mn-lt"/>
+                <a:ea typeface="+mn-ea"/>
+                <a:cs typeface="+mn-cs"/>
+              </a:defRPr>
+            </a:lvl6pPr>
+            <a:lvl7pPr marL="2971693" indent="-228592" algn="l" defTabSz="914367" rtl="0" eaLnBrk="1" latinLnBrk="0" hangingPunct="1">
+              <a:spcBef>
+                <a:spcPct val="20000"/>
+              </a:spcBef>
+              <a:buFont typeface="Arial" pitchFamily="34" charset="0"/>
+              <a:buChar char="•"/>
+              <a:defRPr sz="1961" kern="1200">
+                <a:solidFill>
+                  <a:schemeClr val="tx1"/>
+                </a:solidFill>
+                <a:latin typeface="+mn-lt"/>
+                <a:ea typeface="+mn-ea"/>
+                <a:cs typeface="+mn-cs"/>
+              </a:defRPr>
+            </a:lvl7pPr>
+            <a:lvl8pPr marL="3428877" indent="-228592" algn="l" defTabSz="914367" rtl="0" eaLnBrk="1" latinLnBrk="0" hangingPunct="1">
+              <a:spcBef>
+                <a:spcPct val="20000"/>
+              </a:spcBef>
+              <a:buFont typeface="Arial" pitchFamily="34" charset="0"/>
+              <a:buChar char="•"/>
+              <a:defRPr sz="1961" kern="1200">
+                <a:solidFill>
+                  <a:schemeClr val="tx1"/>
+                </a:solidFill>
+                <a:latin typeface="+mn-lt"/>
+                <a:ea typeface="+mn-ea"/>
+                <a:cs typeface="+mn-cs"/>
+              </a:defRPr>
+            </a:lvl8pPr>
+            <a:lvl9pPr marL="3886061" indent="-228592" algn="l" defTabSz="914367" rtl="0" eaLnBrk="1" latinLnBrk="0" hangingPunct="1">
+              <a:spcBef>
+                <a:spcPct val="20000"/>
+              </a:spcBef>
+              <a:buFont typeface="Arial" pitchFamily="34" charset="0"/>
+              <a:buChar char="•"/>
+              <a:defRPr sz="1961" kern="1200">
+                <a:solidFill>
+                  <a:schemeClr val="tx1"/>
+                </a:solidFill>
+                <a:latin typeface="+mn-lt"/>
+                <a:ea typeface="+mn-ea"/>
+                <a:cs typeface="+mn-cs"/>
+              </a:defRPr>
+            </a:lvl9pPr>
+          </a:lstStyle>
+          <a:p>
+            <a:pPr marL="0" indent="0" algn="l">
+              <a:buNone/>
+            </a:pPr>
+            <a:r>
+              <a:rPr lang="es-ES" sz="1800" b="0" i="0" dirty="0">
+                <a:solidFill>
+                  <a:srgbClr val="171717"/>
+                </a:solidFill>
+                <a:effectLst/>
+                <a:latin typeface="Segoe UI" panose="020B0502040204020203" pitchFamily="34" charset="0"/>
+              </a:rPr>
+              <a:t>Cada plataforma usa su propio archivo de manifiesto de aplicación nativa para especificar información como el título de la aplicación, el identificador, la versión, etc. El proyecto único de .NET MAUI permite especificar estos datos comunes de la aplicación en una sola ubicación en el archivo del proyecto (.</a:t>
+            </a:r>
+            <a:r>
+              <a:rPr lang="es-ES" sz="1800" b="0" i="0" dirty="0" err="1">
+                <a:solidFill>
+                  <a:srgbClr val="171717"/>
+                </a:solidFill>
+                <a:effectLst/>
+                <a:latin typeface="Segoe UI" panose="020B0502040204020203" pitchFamily="34" charset="0"/>
+              </a:rPr>
+              <a:t>csproj</a:t>
+            </a:r>
+            <a:r>
+              <a:rPr lang="es-ES" sz="1800" b="0" i="0" dirty="0">
+                <a:solidFill>
+                  <a:srgbClr val="171717"/>
+                </a:solidFill>
+                <a:effectLst/>
+                <a:latin typeface="Segoe UI" panose="020B0502040204020203" pitchFamily="34" charset="0"/>
+              </a:rPr>
+              <a:t>).</a:t>
+            </a:r>
+          </a:p>
+          <a:p>
+            <a:pPr marL="0" indent="0" algn="l">
+              <a:buNone/>
+            </a:pPr>
+            <a:endParaRPr lang="es-ES" sz="1800" b="0" i="0" dirty="0">
+              <a:solidFill>
+                <a:srgbClr val="171717"/>
+              </a:solidFill>
+              <a:effectLst/>
+              <a:latin typeface="Segoe UI" panose="020B0502040204020203" pitchFamily="34" charset="0"/>
+            </a:endParaRPr>
+          </a:p>
+          <a:p>
+            <a:pPr marL="0" indent="0" algn="l">
+              <a:buNone/>
+            </a:pPr>
+            <a:r>
+              <a:rPr lang="es-ES" sz="1800" b="0" i="0" dirty="0">
+                <a:solidFill>
+                  <a:srgbClr val="171717"/>
+                </a:solidFill>
+                <a:effectLst/>
+                <a:latin typeface="Segoe UI" panose="020B0502040204020203" pitchFamily="34" charset="0"/>
+              </a:rPr>
+              <a:t>Para especificar los datos del manifiesto de la aplicación compartida para un proyecto, abra el menú contextual del proyecto en Explorador de soluciones y, a continuación, elija </a:t>
+            </a:r>
+            <a:r>
+              <a:rPr lang="es-ES" sz="1800" b="1" i="0" dirty="0">
+                <a:solidFill>
+                  <a:srgbClr val="171717"/>
+                </a:solidFill>
+                <a:effectLst/>
+                <a:latin typeface="Segoe UI" panose="020B0502040204020203" pitchFamily="34" charset="0"/>
+              </a:rPr>
+              <a:t>Propiedades</a:t>
+            </a:r>
+            <a:r>
+              <a:rPr lang="es-ES" sz="1800" b="0" i="0" dirty="0">
+                <a:solidFill>
+                  <a:srgbClr val="171717"/>
+                </a:solidFill>
+                <a:effectLst/>
+                <a:latin typeface="Segoe UI" panose="020B0502040204020203" pitchFamily="34" charset="0"/>
+              </a:rPr>
+              <a:t>. </a:t>
+            </a:r>
+            <a:endParaRPr lang="es-ES" sz="1800" b="0" dirty="0">
+              <a:solidFill>
+                <a:srgbClr val="171717"/>
+              </a:solidFill>
+              <a:effectLst/>
+              <a:latin typeface="Segoe UI" panose="020B0502040204020203" pitchFamily="34" charset="0"/>
+            </a:endParaRPr>
+          </a:p>
+        </p:txBody>
+      </p:sp>
+      <p:pic>
+        <p:nvPicPr>
+          <p:cNvPr id="7" name="Picture 6">
+            <a:extLst>
+              <a:ext uri="{FF2B5EF4-FFF2-40B4-BE49-F238E27FC236}">
+                <a16:creationId xmlns:a16="http://schemas.microsoft.com/office/drawing/2014/main" id="{643E9056-E483-43EE-9F18-97732AC11BBB}"/>
+              </a:ext>
+            </a:extLst>
+          </p:cNvPr>
+          <p:cNvPicPr>
+            <a:picLocks noChangeAspect="1"/>
+          </p:cNvPicPr>
+          <p:nvPr/>
+        </p:nvPicPr>
+        <p:blipFill>
+          <a:blip r:embed="rId2"/>
+          <a:stretch>
+            <a:fillRect/>
+          </a:stretch>
+        </p:blipFill>
+        <p:spPr>
+          <a:xfrm>
+            <a:off x="4948193" y="1418811"/>
+            <a:ext cx="6430837" cy="4533213"/>
+          </a:xfrm>
+          <a:prstGeom prst="rect">
+            <a:avLst/>
+          </a:prstGeom>
+        </p:spPr>
+      </p:pic>
+    </p:spTree>
+    <p:extLst>
+      <p:ext uri="{BB962C8B-B14F-4D97-AF65-F5344CB8AC3E}">
+        <p14:creationId xmlns:p14="http://schemas.microsoft.com/office/powerpoint/2010/main" val="1409065790"/>
       </p:ext>
     </p:extLst>
   </p:cSld>

--- a/Bloque 3 - Creación de primera App/Taller10 - Proyecto único.pptx
+++ b/Bloque 3 - Creación de primera App/Taller10 - Proyecto único.pptx
@@ -3461,7 +3461,7 @@
           <a:p>
             <a:fld id="{A334C884-B1D7-A043-A4AA-521744755A4B}" type="datetimeFigureOut">
               <a:rPr lang="en-US" smtClean="0"/>
-              <a:t>5/15/2022</a:t>
+              <a:t>5/16/2022</a:t>
             </a:fld>
             <a:endParaRPr lang="en-US"/>
           </a:p>
@@ -3847,7 +3847,7 @@
           <a:p>
             <a:fld id="{E74353ED-ACB2-44BF-A903-985B0AF962B7}" type="datetime1">
               <a:rPr lang="en-US" smtClean="0"/>
-              <a:t>5/15/2022</a:t>
+              <a:t>5/16/2022</a:t>
             </a:fld>
             <a:endParaRPr lang="en-US" dirty="0"/>
           </a:p>
@@ -6569,7 +6569,7 @@
           <a:p>
             <a:fld id="{0A627400-D089-7447-864B-77479EBD4214}" type="datetimeFigureOut">
               <a:rPr lang="en-US" smtClean="0"/>
-              <a:t>5/15/2022</a:t>
+              <a:t>5/16/2022</a:t>
             </a:fld>
             <a:endParaRPr lang="en-US"/>
           </a:p>
@@ -6767,7 +6767,7 @@
           <a:p>
             <a:fld id="{0A627400-D089-7447-864B-77479EBD4214}" type="datetimeFigureOut">
               <a:rPr lang="en-US" smtClean="0"/>
-              <a:t>5/15/2022</a:t>
+              <a:t>5/16/2022</a:t>
             </a:fld>
             <a:endParaRPr lang="en-US"/>
           </a:p>
@@ -7042,7 +7042,7 @@
           <a:p>
             <a:fld id="{0A627400-D089-7447-864B-77479EBD4214}" type="datetimeFigureOut">
               <a:rPr lang="en-US" smtClean="0"/>
-              <a:t>5/15/2022</a:t>
+              <a:t>5/16/2022</a:t>
             </a:fld>
             <a:endParaRPr lang="en-US"/>
           </a:p>
@@ -7307,7 +7307,7 @@
           <a:p>
             <a:fld id="{0A627400-D089-7447-864B-77479EBD4214}" type="datetimeFigureOut">
               <a:rPr lang="en-US" smtClean="0"/>
-              <a:t>5/15/2022</a:t>
+              <a:t>5/16/2022</a:t>
             </a:fld>
             <a:endParaRPr lang="en-US"/>
           </a:p>
@@ -7919,7 +7919,7 @@
           <a:p>
             <a:fld id="{0A627400-D089-7447-864B-77479EBD4214}" type="datetimeFigureOut">
               <a:rPr lang="en-US" smtClean="0"/>
-              <a:t>5/15/2022</a:t>
+              <a:t>5/16/2022</a:t>
             </a:fld>
             <a:endParaRPr lang="en-US"/>
           </a:p>
@@ -8125,7 +8125,7 @@
           <a:p>
             <a:fld id="{0A627400-D089-7447-864B-77479EBD4214}" type="datetimeFigureOut">
               <a:rPr lang="en-US" smtClean="0"/>
-              <a:t>5/15/2022</a:t>
+              <a:t>5/16/2022</a:t>
             </a:fld>
             <a:endParaRPr lang="en-US"/>
           </a:p>
@@ -8267,7 +8267,7 @@
             <a:fld id="{0A627400-D089-7447-864B-77479EBD4214}" type="datetimeFigureOut">
               <a:rPr lang="en-US" smtClean="0"/>
               <a:pPr/>
-              <a:t>5/15/2022</a:t>
+              <a:t>5/16/2022</a:t>
             </a:fld>
             <a:endParaRPr lang="en-US"/>
           </a:p>
@@ -8431,7 +8431,7 @@
           <a:p>
             <a:fld id="{0A627400-D089-7447-864B-77479EBD4214}" type="datetimeFigureOut">
               <a:rPr lang="en-US" smtClean="0"/>
-              <a:t>5/15/2022</a:t>
+              <a:t>5/16/2022</a:t>
             </a:fld>
             <a:endParaRPr lang="en-US"/>
           </a:p>
@@ -8544,7 +8544,7 @@
           <a:p>
             <a:fld id="{0A627400-D089-7447-864B-77479EBD4214}" type="datetimeFigureOut">
               <a:rPr lang="en-US" smtClean="0"/>
-              <a:t>5/15/2022</a:t>
+              <a:t>5/16/2022</a:t>
             </a:fld>
             <a:endParaRPr lang="en-US"/>
           </a:p>
@@ -8855,7 +8855,7 @@
           <a:p>
             <a:fld id="{0A627400-D089-7447-864B-77479EBD4214}" type="datetimeFigureOut">
               <a:rPr lang="en-US" smtClean="0"/>
-              <a:t>5/15/2022</a:t>
+              <a:t>5/16/2022</a:t>
             </a:fld>
             <a:endParaRPr lang="en-US"/>
           </a:p>
@@ -9143,7 +9143,7 @@
           <a:p>
             <a:fld id="{0A627400-D089-7447-864B-77479EBD4214}" type="datetimeFigureOut">
               <a:rPr lang="en-US" smtClean="0"/>
-              <a:t>5/15/2022</a:t>
+              <a:t>5/16/2022</a:t>
             </a:fld>
             <a:endParaRPr lang="en-US"/>
           </a:p>
@@ -11395,7 +11395,7 @@
             <a:fld id="{0A627400-D089-7447-864B-77479EBD4214}" type="datetimeFigureOut">
               <a:rPr lang="en-US" smtClean="0"/>
               <a:pPr/>
-              <a:t>5/15/2022</a:t>
+              <a:t>5/16/2022</a:t>
             </a:fld>
             <a:endParaRPr lang="en-US"/>
           </a:p>
@@ -15436,7 +15436,7 @@
                 <a:effectLst/>
                 <a:latin typeface="Segoe UI" panose="020B0502040204020203" pitchFamily="34" charset="0"/>
               </a:rPr>
-              <a:t>Cuando se agrega un archivo de recursos a un proyecto de aplicación MAUI de .NET, se crea una entrada correspondiente para el recurso en el archivo del proyecto (.</a:t>
+              <a:t>Cuando se agrega un archivo de recursos a un proyecto de aplicación .NET MAUI, se crea una entrada correspondiente para el recurso en el archivo del proyecto (.</a:t>
             </a:r>
             <a:r>
               <a:rPr lang="es-ES" sz="1800" b="0" i="0" dirty="0" err="1">
